--- a/ODAF-Nicolas-Sandller.pptx
+++ b/ODAF-Nicolas-Sandller.pptx
@@ -29,6 +29,7 @@
     <p:sldId id="274" r:id="rId26"/>
     <p:sldId id="275" r:id="rId27"/>
     <p:sldId id="276" r:id="rId28"/>
+    <p:sldId id="277" r:id="rId29"/>
   </p:sldIdLst>
   <p:sldSz cx="13004800" cy="9753600"/>
   <p:notesSz cx="6858000" cy="9144000"/>
@@ -3103,8 +3104,162 @@
           <a:p>
             <a:pPr/>
             <a:r>
-              <a:t>Codigo</a:t>
-            </a:r>
+              <a:t>Shock </a:t>
+            </a:r>
+          </a:p>
+        </p:txBody>
+      </p:sp>
+      <p:sp>
+        <p:nvSpPr>
+          <p:cNvPr id="153" name="Shape 153"/>
+          <p:cNvSpPr/>
+          <p:nvPr>
+            <p:ph type="body" idx="1"/>
+          </p:nvPr>
+        </p:nvSpPr>
+        <p:spPr>
+          <a:xfrm>
+            <a:off x="952499" y="3339856"/>
+            <a:ext cx="11099801" cy="6286501"/>
+          </a:xfrm>
+          <a:prstGeom prst="rect">
+            <a:avLst/>
+          </a:prstGeom>
+        </p:spPr>
+        <p:txBody>
+          <a:bodyPr/>
+          <a:lstStyle/>
+          <a:p>
+            <a:pPr marL="0" indent="0" defTabSz="457200">
+              <a:lnSpc>
+                <a:spcPts val="4400"/>
+              </a:lnSpc>
+              <a:spcBef>
+                <a:spcPts val="1200"/>
+              </a:spcBef>
+              <a:buSzTx/>
+              <a:buNone/>
+              <a:defRPr sz="2200"/>
+            </a:pPr>
+            <a:r>
+              <a:t>Si suponemos que partiendo del estado estacionario, produce un incremento en la oferta nominal de dinero, dada la rigidez de precios que asume el modelo (price stickyness) se produce un cambio en el nivel de precios de estado estacionario:</a:t>
+            </a:r>
+          </a:p>
+          <a:p>
+            <a:pPr lvl="8" marL="0" indent="1828800">
+              <a:spcBef>
+                <a:spcPts val="2300"/>
+              </a:spcBef>
+              <a:buSzTx/>
+              <a:buNone/>
+              <a:defRPr sz="2200"/>
+            </a:pPr>
+            <a:r>
+              <a:t>                        m</a:t>
+            </a:r>
+            <a:r>
+              <a:rPr baseline="-5999" sz="2100"/>
+              <a:t>t</a:t>
+            </a:r>
+            <a:r>
+              <a:rPr sz="2100"/>
+              <a:t> - p</a:t>
+            </a:r>
+            <a:r>
+              <a:rPr baseline="31999" sz="2100"/>
+              <a:t>bar</a:t>
+            </a:r>
+            <a:r>
+              <a:rPr sz="2100"/>
+              <a:t> = θ*y</a:t>
+            </a:r>
+            <a:r>
+              <a:rPr baseline="31999" sz="2100"/>
+              <a:t>bar</a:t>
+            </a:r>
+            <a:r>
+              <a:rPr baseline="-5999" sz="2100"/>
+              <a:t>t </a:t>
+            </a:r>
+            <a:r>
+              <a:rPr sz="2100"/>
+              <a:t> - λi</a:t>
+            </a:r>
+            <a:r>
+              <a:rPr baseline="31999" sz="2100"/>
+              <a:t>*</a:t>
+            </a:r>
+            <a:r>
+              <a:rPr baseline="-5999" sz="2100"/>
+              <a:t>t</a:t>
+            </a:r>
+            <a:endParaRPr baseline="-5999" sz="2100"/>
+          </a:p>
+          <a:p>
+            <a:pPr lvl="8" marL="0" indent="1828800">
+              <a:spcBef>
+                <a:spcPts val="2300"/>
+              </a:spcBef>
+              <a:buSzTx/>
+              <a:buNone/>
+              <a:defRPr sz="2200"/>
+            </a:pPr>
+            <a:endParaRPr baseline="-5999" sz="2100"/>
+          </a:p>
+          <a:p>
+            <a:pPr marL="0" indent="0" defTabSz="457200">
+              <a:lnSpc>
+                <a:spcPts val="4400"/>
+              </a:lnSpc>
+              <a:spcBef>
+                <a:spcPts val="1200"/>
+              </a:spcBef>
+              <a:buSzTx/>
+              <a:buNone/>
+              <a:defRPr sz="2200"/>
+            </a:pPr>
+            <a:r>
+              <a:t>Esto genera un desplazamiento en el diagrama de fase del tipo de cambio y un sobre ajuste instantáneo en el tipo de cambio (overshooting) que después vuelve a caer en estado estacionario. Vamos a verlo en la simulación más adelante.</a:t>
+            </a:r>
+          </a:p>
+          <a:p>
+            <a:pPr marL="0" indent="0" defTabSz="457200">
+              <a:lnSpc>
+                <a:spcPts val="4400"/>
+              </a:lnSpc>
+              <a:spcBef>
+                <a:spcPts val="1200"/>
+              </a:spcBef>
+              <a:buSzTx/>
+              <a:buNone/>
+              <a:defRPr sz="2200"/>
+            </a:pPr>
+          </a:p>
+          <a:p>
+            <a:pPr marL="0" indent="0" defTabSz="457200">
+              <a:lnSpc>
+                <a:spcPts val="4400"/>
+              </a:lnSpc>
+              <a:spcBef>
+                <a:spcPts val="1200"/>
+              </a:spcBef>
+              <a:buSzTx/>
+              <a:buNone/>
+              <a:defRPr sz="2200"/>
+            </a:pPr>
+          </a:p>
+          <a:p>
+            <a:pPr marL="0" indent="0" defTabSz="457200">
+              <a:lnSpc>
+                <a:spcPts val="4400"/>
+              </a:lnSpc>
+              <a:spcBef>
+                <a:spcPts val="1200"/>
+              </a:spcBef>
+              <a:buSzTx/>
+              <a:buNone/>
+              <a:defRPr sz="2200"/>
+            </a:pPr>
           </a:p>
         </p:txBody>
       </p:sp>
@@ -3136,49 +3291,13 @@
       </p:grpSpPr>
       <p:sp>
         <p:nvSpPr>
-          <p:cNvPr id="154" name="Shape 154"/>
+          <p:cNvPr id="155" name="Shape 155"/>
           <p:cNvSpPr/>
           <p:nvPr>
             <p:ph type="title"/>
           </p:nvPr>
         </p:nvSpPr>
         <p:spPr>
-          <a:xfrm>
-            <a:off x="952500" y="444500"/>
-            <a:ext cx="11099800" cy="1048111"/>
-          </a:xfrm>
-          <a:prstGeom prst="rect">
-            <a:avLst/>
-          </a:prstGeom>
-        </p:spPr>
-        <p:txBody>
-          <a:bodyPr/>
-          <a:lstStyle>
-            <a:lvl1pPr defTabSz="455675">
-              <a:defRPr sz="6240"/>
-            </a:lvl1pPr>
-          </a:lstStyle>
-          <a:p>
-            <a:pPr/>
-            <a:r>
-              <a:t>Diagrama curvas de fase</a:t>
-            </a:r>
-          </a:p>
-        </p:txBody>
-      </p:sp>
-      <p:sp>
-        <p:nvSpPr>
-          <p:cNvPr id="155" name="Shape 155"/>
-          <p:cNvSpPr/>
-          <p:nvPr>
-            <p:ph type="body" sz="half" idx="1"/>
-          </p:nvPr>
-        </p:nvSpPr>
-        <p:spPr>
-          <a:xfrm>
-            <a:off x="952500" y="1589714"/>
-            <a:ext cx="5499688" cy="7300286"/>
-          </a:xfrm>
           <a:prstGeom prst="rect">
             <a:avLst/>
           </a:prstGeom>
@@ -3187,502 +3306,9 @@
           <a:bodyPr/>
           <a:lstStyle/>
           <a:p>
-            <a:pPr marL="0" indent="0" defTabSz="525779">
-              <a:spcBef>
-                <a:spcPts val="400"/>
-              </a:spcBef>
-              <a:buSzTx/>
-              <a:buNone/>
-              <a:defRPr sz="1619"/>
-            </a:pPr>
-            <a:r>
-              <a:t>function pushbutton1_Callback(hObject, eventdata, handles)</a:t>
-            </a:r>
-          </a:p>
-          <a:p>
-            <a:pPr marL="0" indent="0" defTabSz="525779">
-              <a:spcBef>
-                <a:spcPts val="400"/>
-              </a:spcBef>
-              <a:buSzTx/>
-              <a:buNone/>
-              <a:defRPr sz="1619"/>
-            </a:pPr>
-            <a:r>
-              <a:t>ybar = log(getNumberValue('ybar_i'));</a:t>
-            </a:r>
-          </a:p>
-          <a:p>
-            <a:pPr marL="0" indent="0" defTabSz="525779">
-              <a:spcBef>
-                <a:spcPts val="400"/>
-              </a:spcBef>
-              <a:buSzTx/>
-              <a:buNone/>
-              <a:defRPr sz="1619"/>
-            </a:pPr>
-            <a:r>
-              <a:t>istar = log(getNumberValue('istar_i'));</a:t>
-            </a:r>
-          </a:p>
-          <a:p>
-            <a:pPr marL="0" indent="0" defTabSz="525779">
-              <a:spcBef>
-                <a:spcPts val="400"/>
-              </a:spcBef>
-              <a:buSzTx/>
-              <a:buNone/>
-              <a:defRPr sz="1619"/>
-            </a:pPr>
-            <a:r>
-              <a:t>pstar = log(getNumberValue('pstar_i'));</a:t>
-            </a:r>
-          </a:p>
-          <a:p>
-            <a:pPr marL="0" indent="0" defTabSz="525779">
-              <a:spcBef>
-                <a:spcPts val="400"/>
-              </a:spcBef>
-              <a:buSzTx/>
-              <a:buNone/>
-              <a:defRPr sz="1619"/>
-            </a:pPr>
-            <a:r>
-              <a:t>m = log(getNumberValue('m'));</a:t>
-            </a:r>
-          </a:p>
-          <a:p>
-            <a:pPr marL="0" indent="0" defTabSz="525779">
-              <a:spcBef>
-                <a:spcPts val="400"/>
-              </a:spcBef>
-              <a:buSzTx/>
-              <a:buNone/>
-              <a:defRPr sz="1619"/>
-            </a:pPr>
-          </a:p>
-          <a:p>
-            <a:pPr marL="0" indent="0" defTabSz="525779">
-              <a:spcBef>
-                <a:spcPts val="400"/>
-              </a:spcBef>
-              <a:buSzTx/>
-              <a:buNone/>
-              <a:defRPr sz="1619"/>
-            </a:pPr>
-            <a:r>
-              <a:t>theta = getNumberValue('theta_i');</a:t>
-            </a:r>
-          </a:p>
-          <a:p>
-            <a:pPr marL="0" indent="0" defTabSz="525779">
-              <a:spcBef>
-                <a:spcPts val="400"/>
-              </a:spcBef>
-              <a:buSzTx/>
-              <a:buNone/>
-              <a:defRPr sz="1619"/>
-            </a:pPr>
-            <a:r>
-              <a:t>lambda = getNumberValue('lambda_i');</a:t>
-            </a:r>
-          </a:p>
-          <a:p>
-            <a:pPr marL="0" indent="0" defTabSz="525779">
-              <a:spcBef>
-                <a:spcPts val="400"/>
-              </a:spcBef>
-              <a:buSzTx/>
-              <a:buNone/>
-              <a:defRPr sz="1619"/>
-            </a:pPr>
-            <a:r>
-              <a:t>delta = getNumberValue('delta_i');</a:t>
-            </a:r>
-          </a:p>
-          <a:p>
-            <a:pPr marL="0" indent="0" defTabSz="525779">
-              <a:spcBef>
-                <a:spcPts val="400"/>
-              </a:spcBef>
-              <a:buSzTx/>
-              <a:buNone/>
-              <a:defRPr sz="1619"/>
-            </a:pPr>
-            <a:r>
-              <a:t>sigma = getNumberValue('sigma_i');</a:t>
-            </a:r>
-          </a:p>
-          <a:p>
-            <a:pPr marL="0" indent="0" defTabSz="525779">
-              <a:spcBef>
-                <a:spcPts val="400"/>
-              </a:spcBef>
-              <a:buSzTx/>
-              <a:buNone/>
-              <a:defRPr sz="1619"/>
-            </a:pPr>
-            <a:r>
-              <a:t>alpha = getNumberValue('alpha_i');</a:t>
-            </a:r>
-          </a:p>
-          <a:p>
-            <a:pPr marL="0" indent="0" defTabSz="525779">
-              <a:spcBef>
-                <a:spcPts val="400"/>
-              </a:spcBef>
-              <a:buSzTx/>
-              <a:buNone/>
-              <a:defRPr sz="1619"/>
-            </a:pPr>
-          </a:p>
-          <a:p>
-            <a:pPr marL="0" indent="0" defTabSz="525779">
-              <a:spcBef>
-                <a:spcPts val="400"/>
-              </a:spcBef>
-              <a:buSzTx/>
-              <a:buNone/>
-              <a:defRPr sz="1619"/>
-            </a:pPr>
-            <a:r>
-              <a:t>limit = 6;</a:t>
-            </a:r>
-          </a:p>
-          <a:p>
-            <a:pPr marL="0" indent="0" defTabSz="525779">
-              <a:spcBef>
-                <a:spcPts val="400"/>
-              </a:spcBef>
-              <a:buSzTx/>
-              <a:buNone/>
-              <a:defRPr sz="1619"/>
-            </a:pPr>
-            <a:r>
-              <a:t>%Determinando la matriz A y b</a:t>
-            </a:r>
-          </a:p>
-          <a:p>
-            <a:pPr marL="0" indent="0" defTabSz="525779">
-              <a:spcBef>
-                <a:spcPts val="400"/>
-              </a:spcBef>
-              <a:buSzTx/>
-              <a:buNone/>
-              <a:defRPr sz="1619"/>
-            </a:pPr>
-            <a:r>
-              <a:t>A = [(-alpha)*(delta + sigma/lambda) alpha*delta; 1/lambda 0];</a:t>
-            </a:r>
-          </a:p>
-          <a:p>
-            <a:pPr marL="0" indent="0" defTabSz="525779">
-              <a:spcBef>
-                <a:spcPts val="400"/>
-              </a:spcBef>
-              <a:buSzTx/>
-              <a:buNone/>
-              <a:defRPr sz="1619"/>
-            </a:pPr>
-            <a:r>
-              <a:t>b = [alpha*((sigma*m)*(1/lambda) - (1 + (sigma*theta)*(1/lambda))*ybar) ; (1/lambda)*(theta*ybar - m) - istar];</a:t>
-            </a:r>
-          </a:p>
-          <a:p>
-            <a:pPr marL="0" indent="0" defTabSz="525779">
-              <a:spcBef>
-                <a:spcPts val="400"/>
-              </a:spcBef>
-              <a:buSzTx/>
-              <a:buNone/>
-              <a:defRPr sz="1619"/>
-            </a:pPr>
-            <a:r>
-              <a:t>Mss = -(A^-1)*b;</a:t>
-            </a:r>
-          </a:p>
-          <a:p>
-            <a:pPr marL="0" indent="0" defTabSz="525779">
-              <a:spcBef>
-                <a:spcPts val="400"/>
-              </a:spcBef>
-              <a:buSzTx/>
-              <a:buNone/>
-              <a:defRPr sz="1619"/>
-            </a:pPr>
-          </a:p>
-          <a:p>
-            <a:pPr marL="0" indent="0" defTabSz="525779">
-              <a:spcBef>
-                <a:spcPts val="400"/>
-              </a:spcBef>
-              <a:buSzTx/>
-              <a:buNone/>
-              <a:defRPr sz="1619"/>
-            </a:pPr>
-            <a:r>
-              <a:t>% Valores de Estado Estacionario</a:t>
-            </a:r>
-          </a:p>
-          <a:p>
-            <a:pPr marL="0" indent="0" defTabSz="525779">
-              <a:spcBef>
-                <a:spcPts val="400"/>
-              </a:spcBef>
-              <a:buSzTx/>
-              <a:buNone/>
-              <a:defRPr sz="1619"/>
-            </a:pPr>
-            <a:r>
-              <a:t>pss = Mss(1,1);</a:t>
-            </a:r>
-          </a:p>
-          <a:p>
-            <a:pPr marL="0" indent="0" defTabSz="525779">
-              <a:spcBef>
-                <a:spcPts val="400"/>
-              </a:spcBef>
-              <a:buSzTx/>
-              <a:buNone/>
-              <a:defRPr sz="1619"/>
-            </a:pPr>
-            <a:r>
-              <a:t>sss = Mss(2,1);</a:t>
-            </a:r>
-          </a:p>
-        </p:txBody>
-      </p:sp>
-      <p:sp>
-        <p:nvSpPr>
-          <p:cNvPr id="156" name="Shape 156"/>
-          <p:cNvSpPr/>
-          <p:nvPr/>
-        </p:nvSpPr>
-        <p:spPr>
-          <a:xfrm>
-            <a:off x="6635456" y="1589714"/>
-            <a:ext cx="5499688" cy="7300286"/>
-          </a:xfrm>
-          <a:prstGeom prst="rect">
-            <a:avLst/>
-          </a:prstGeom>
-          <a:ln w="12700">
-            <a:miter lim="400000"/>
-          </a:ln>
-          <a:extLst>
-            <a:ext uri="{C572A759-6A51-4108-AA02-DFA0A04FC94B}">
-              <ma14:wrappingTextBoxFlag xmlns:ma14="http://schemas.microsoft.com/office/mac/drawingml/2011/main" val="1"/>
-            </a:ext>
-          </a:extLst>
-        </p:spPr>
-        <p:txBody>
-          <a:bodyPr lIns="50800" tIns="50800" rIns="50800" bIns="50800" anchor="ctr">
-            <a:normAutofit fontScale="100000" lnSpcReduction="0"/>
-          </a:bodyPr>
-          <a:lstStyle/>
-          <a:p>
-            <a:pPr algn="l" defTabSz="531622">
-              <a:spcBef>
-                <a:spcPts val="400"/>
-              </a:spcBef>
-              <a:defRPr sz="1638"/>
-            </a:pPr>
-            <a:r>
-              <a:t>%Set valores en GUI</a:t>
-            </a:r>
-          </a:p>
-          <a:p>
-            <a:pPr algn="l" defTabSz="531622">
-              <a:spcBef>
-                <a:spcPts val="400"/>
-              </a:spcBef>
-              <a:defRPr sz="1638"/>
-            </a:pPr>
-            <a:r>
-              <a:t>pss_o =findobj('Tag','pss');</a:t>
-            </a:r>
-          </a:p>
-          <a:p>
-            <a:pPr algn="l" defTabSz="531622">
-              <a:spcBef>
-                <a:spcPts val="400"/>
-              </a:spcBef>
-              <a:defRPr sz="1638"/>
-            </a:pPr>
-            <a:r>
-              <a:t>set(pss_o,'String',pss);</a:t>
-            </a:r>
-          </a:p>
-          <a:p>
-            <a:pPr algn="l" defTabSz="531622">
-              <a:spcBef>
-                <a:spcPts val="400"/>
-              </a:spcBef>
-              <a:defRPr sz="1638"/>
-            </a:pPr>
-            <a:r>
-              <a:t>sss_o =findobj('Tag','sss');</a:t>
-            </a:r>
-          </a:p>
-          <a:p>
-            <a:pPr algn="l" defTabSz="531622">
-              <a:spcBef>
-                <a:spcPts val="400"/>
-              </a:spcBef>
-              <a:defRPr sz="1638"/>
-            </a:pPr>
-            <a:r>
-              <a:t>set(sss_o,'String',sss);</a:t>
-            </a:r>
-          </a:p>
-          <a:p>
-            <a:pPr algn="l" defTabSz="531622">
-              <a:spcBef>
-                <a:spcPts val="400"/>
-              </a:spcBef>
-              <a:defRPr sz="1638"/>
-            </a:pPr>
-          </a:p>
-          <a:p>
-            <a:pPr algn="l" defTabSz="531622">
-              <a:spcBef>
-                <a:spcPts val="400"/>
-              </a:spcBef>
-              <a:defRPr sz="1638"/>
-            </a:pPr>
-            <a:r>
-              <a:t>st = 0 : 1 : limit;</a:t>
-            </a:r>
-          </a:p>
-          <a:p>
-            <a:pPr algn="l" defTabSz="531622">
-              <a:spcBef>
-                <a:spcPts val="400"/>
-              </a:spcBef>
-              <a:defRPr sz="1638"/>
-            </a:pPr>
-          </a:p>
-          <a:p>
-            <a:pPr algn="l" defTabSz="531622">
-              <a:spcBef>
-                <a:spcPts val="400"/>
-              </a:spcBef>
-              <a:defRPr sz="1638"/>
-            </a:pPr>
-            <a:r>
-              <a:t>axes(handles.axes1);</a:t>
-            </a:r>
-          </a:p>
-          <a:p>
-            <a:pPr algn="l" defTabSz="531622">
-              <a:spcBef>
-                <a:spcPts val="400"/>
-              </a:spcBef>
-              <a:defRPr sz="1638"/>
-            </a:pPr>
-          </a:p>
-          <a:p>
-            <a:pPr algn="l" defTabSz="531622">
-              <a:spcBef>
-                <a:spcPts val="400"/>
-              </a:spcBef>
-              <a:defRPr sz="1638"/>
-            </a:pPr>
-            <a:r>
-              <a:t>% Ceroclina del sistema es pt =</a:t>
-            </a:r>
-          </a:p>
-          <a:p>
-            <a:pPr algn="l" defTabSz="531622">
-              <a:spcBef>
-                <a:spcPts val="400"/>
-              </a:spcBef>
-              <a:defRPr sz="1638"/>
-            </a:pPr>
-            <a:r>
-              <a:t>p_fase = (delta / ((sigma/lambda) + delta))*(st -sss) + pss;</a:t>
-            </a:r>
-          </a:p>
-          <a:p>
-            <a:pPr algn="l" defTabSz="531622">
-              <a:spcBef>
-                <a:spcPts val="400"/>
-              </a:spcBef>
-              <a:defRPr sz="1638"/>
-            </a:pPr>
-          </a:p>
-          <a:p>
-            <a:pPr algn="l" defTabSz="531622">
-              <a:spcBef>
-                <a:spcPts val="400"/>
-              </a:spcBef>
-              <a:defRPr sz="1638"/>
-            </a:pPr>
-            <a:r>
-              <a:t>plot([0 limit],[pss pss],'--b',st,p_fase,':r',sss,pss,'*m','LineWidth',2); hold on;</a:t>
-            </a:r>
-          </a:p>
-          <a:p>
-            <a:pPr algn="l" defTabSz="531622">
-              <a:spcBef>
-                <a:spcPts val="400"/>
-              </a:spcBef>
-              <a:defRPr sz="1638"/>
-            </a:pPr>
-          </a:p>
-          <a:p>
-            <a:pPr algn="l" defTabSz="531622">
-              <a:spcBef>
-                <a:spcPts val="400"/>
-              </a:spcBef>
-              <a:defRPr sz="1638"/>
-            </a:pPr>
-            <a:r>
-              <a:t>grid on;</a:t>
-            </a:r>
-          </a:p>
-          <a:p>
-            <a:pPr algn="l" defTabSz="531622">
-              <a:spcBef>
-                <a:spcPts val="400"/>
-              </a:spcBef>
-              <a:defRPr sz="1638"/>
-            </a:pPr>
-            <a:r>
-              <a:t>title('Diagrama de fases para tipo de cambio y precios domesticos')</a:t>
-            </a:r>
-          </a:p>
-          <a:p>
-            <a:pPr algn="l" defTabSz="531622">
-              <a:spcBef>
-                <a:spcPts val="400"/>
-              </a:spcBef>
-              <a:defRPr sz="1638"/>
-            </a:pPr>
-            <a:r>
-              <a:t>xlabel(handles.axes1,'Tipo de cambio')</a:t>
-            </a:r>
-          </a:p>
-          <a:p>
-            <a:pPr algn="l" defTabSz="531622">
-              <a:spcBef>
-                <a:spcPts val="400"/>
-              </a:spcBef>
-              <a:defRPr sz="1638"/>
-            </a:pPr>
-            <a:r>
-              <a:t>ylabel(handles.axes1,'Precios domesticos')</a:t>
-            </a:r>
-          </a:p>
-          <a:p>
-            <a:pPr algn="l" defTabSz="531622">
-              <a:spcBef>
-                <a:spcPts val="400"/>
-              </a:spcBef>
-              <a:defRPr sz="1638"/>
-            </a:pPr>
-            <a:r>
-              <a:t>legend('Curva de fase S','Curva de fase P','equilibrio de EE')</a:t>
+            <a:pPr/>
+            <a:r>
+              <a:t>Codigo</a:t>
             </a:r>
           </a:p>
         </p:txBody>
@@ -3715,7 +3341,7 @@
       </p:grpSpPr>
       <p:sp>
         <p:nvSpPr>
-          <p:cNvPr id="158" name="Shape 158"/>
+          <p:cNvPr id="157" name="Shape 157"/>
           <p:cNvSpPr/>
           <p:nvPr>
             <p:ph type="title"/>
@@ -3732,32 +3358,22 @@
         </p:spPr>
         <p:txBody>
           <a:bodyPr/>
-          <a:lstStyle/>
-          <a:p>
-            <a:pPr defTabSz="455675">
+          <a:lstStyle>
+            <a:lvl1pPr defTabSz="455675">
               <a:defRPr sz="6240"/>
-            </a:pPr>
-            <a:r>
-              <a:t>Trayectoria dado p</a:t>
-            </a:r>
-            <a:r>
-              <a:rPr baseline="-5999" sz="6162"/>
-              <a:t>o </a:t>
-            </a:r>
-            <a:r>
-              <a:rPr sz="6162"/>
-              <a:t>y s</a:t>
-            </a:r>
-            <a:r>
-              <a:rPr baseline="-5999" sz="6162"/>
-              <a:t>0</a:t>
+            </a:lvl1pPr>
+          </a:lstStyle>
+          <a:p>
+            <a:pPr/>
+            <a:r>
+              <a:t>Diagrama curvas de fase</a:t>
             </a:r>
           </a:p>
         </p:txBody>
       </p:sp>
       <p:sp>
         <p:nvSpPr>
-          <p:cNvPr id="159" name="Shape 159"/>
+          <p:cNvPr id="158" name="Shape 158"/>
           <p:cNvSpPr/>
           <p:nvPr>
             <p:ph type="body" sz="half" idx="1"/>
@@ -3785,7 +3401,7 @@
               <a:defRPr sz="1619"/>
             </a:pPr>
             <a:r>
-              <a:t>function pushbutton2_Callback(hObject, eventdata, handles)</a:t>
+              <a:t>function pushbutton1_Callback(hObject, eventdata, handles)</a:t>
             </a:r>
           </a:p>
           <a:p>
@@ -3986,6 +3602,9 @@
               <a:buNone/>
               <a:defRPr sz="1619"/>
             </a:pPr>
+            <a:r>
+              <a:t>Mss = -(A^-1)*b;</a:t>
+            </a:r>
           </a:p>
           <a:p>
             <a:pPr marL="0" indent="0" defTabSz="525779">
@@ -3996,9 +3615,6 @@
               <a:buNone/>
               <a:defRPr sz="1619"/>
             </a:pPr>
-            <a:r>
-              <a:t>%Condiciones Iniciales</a:t>
-            </a:r>
           </a:p>
           <a:p>
             <a:pPr marL="0" indent="0" defTabSz="525779">
@@ -4010,7 +3626,7 @@
               <a:defRPr sz="1619"/>
             </a:pPr>
             <a:r>
-              <a:t>St = getNumberValue('s0');</a:t>
+              <a:t>% Valores de Estado Estacionario</a:t>
             </a:r>
           </a:p>
           <a:p>
@@ -4023,14 +3639,27 @@
               <a:defRPr sz="1619"/>
             </a:pPr>
             <a:r>
-              <a:t>Pt = getNumberValue('p0');</a:t>
+              <a:t>pss = Mss(1,1);</a:t>
+            </a:r>
+          </a:p>
+          <a:p>
+            <a:pPr marL="0" indent="0" defTabSz="525779">
+              <a:spcBef>
+                <a:spcPts val="400"/>
+              </a:spcBef>
+              <a:buSzTx/>
+              <a:buNone/>
+              <a:defRPr sz="1619"/>
+            </a:pPr>
+            <a:r>
+              <a:t>sss = Mss(2,1);</a:t>
             </a:r>
           </a:p>
         </p:txBody>
       </p:sp>
       <p:sp>
         <p:nvSpPr>
-          <p:cNvPr id="160" name="Shape 160"/>
+          <p:cNvPr id="159" name="Shape 159"/>
           <p:cNvSpPr/>
           <p:nvPr/>
         </p:nvSpPr>
@@ -4057,362 +3686,208 @@
           </a:bodyPr>
           <a:lstStyle/>
           <a:p>
-            <a:pPr algn="l" defTabSz="239522">
-              <a:spcBef>
-                <a:spcPts val="200"/>
-              </a:spcBef>
-              <a:defRPr sz="1230"/>
-            </a:pPr>
-            <a:r>
-              <a:t>i=1;</a:t>
-            </a:r>
-          </a:p>
-          <a:p>
-            <a:pPr algn="l" defTabSz="239522">
-              <a:spcBef>
-                <a:spcPts val="200"/>
-              </a:spcBef>
-              <a:defRPr sz="1230"/>
-            </a:pPr>
-            <a:r>
-              <a:t>while i&lt;60;</a:t>
-            </a:r>
-          </a:p>
-          <a:p>
-            <a:pPr algn="l" defTabSz="239522">
-              <a:spcBef>
-                <a:spcPts val="200"/>
-              </a:spcBef>
-              <a:defRPr sz="1230"/>
-            </a:pPr>
-            <a:r>
-              <a:t>    %agregamos el punto anterior</a:t>
-            </a:r>
-          </a:p>
-          <a:p>
-            <a:pPr algn="l" defTabSz="239522">
-              <a:spcBef>
-                <a:spcPts val="200"/>
-              </a:spcBef>
-              <a:defRPr sz="1230"/>
-            </a:pPr>
-            <a:r>
-              <a:t>    if St &lt; limit &amp;&amp; Pt &lt; limit &amp;&amp; St &gt;= 0 &amp;&amp; Pt &gt;= 0-2</a:t>
-            </a:r>
-          </a:p>
-          <a:p>
-            <a:pPr algn="l" defTabSz="239522">
-              <a:spcBef>
-                <a:spcPts val="200"/>
-              </a:spcBef>
-              <a:defRPr sz="1230"/>
-            </a:pPr>
-          </a:p>
-          <a:p>
-            <a:pPr algn="l" defTabSz="239522">
-              <a:spcBef>
-                <a:spcPts val="200"/>
-              </a:spcBef>
-              <a:defRPr sz="1230"/>
-            </a:pPr>
-            <a:r>
-              <a:t>        %Plotting path</a:t>
-            </a:r>
-          </a:p>
-          <a:p>
-            <a:pPr algn="l" defTabSz="239522">
-              <a:spcBef>
-                <a:spcPts val="200"/>
-              </a:spcBef>
-              <a:defRPr sz="1230"/>
-            </a:pPr>
-            <a:r>
-              <a:t>        axes(handles.axes1);</a:t>
-            </a:r>
-          </a:p>
-          <a:p>
-            <a:pPr algn="l" defTabSz="239522">
-              <a:spcBef>
-                <a:spcPts val="200"/>
-              </a:spcBef>
-              <a:defRPr sz="1230"/>
-            </a:pPr>
-            <a:r>
-              <a:t>        plot(St,Pt,'*g');</a:t>
-            </a:r>
-          </a:p>
-          <a:p>
-            <a:pPr algn="l" defTabSz="239522">
-              <a:spcBef>
-                <a:spcPts val="200"/>
-              </a:spcBef>
-              <a:defRPr sz="1230"/>
-            </a:pPr>
-          </a:p>
-          <a:p>
-            <a:pPr algn="l" defTabSz="239522">
-              <a:spcBef>
-                <a:spcPts val="200"/>
-              </a:spcBef>
-              <a:defRPr sz="1230"/>
-            </a:pPr>
-            <a:r>
-              <a:t>        %Plotting cambios en S y P</a:t>
-            </a:r>
-          </a:p>
-          <a:p>
-            <a:pPr algn="l" defTabSz="239522">
-              <a:spcBef>
-                <a:spcPts val="200"/>
-              </a:spcBef>
-              <a:defRPr sz="1230"/>
-            </a:pPr>
-            <a:r>
-              <a:t>        axes(handles.axes2);</a:t>
-            </a:r>
-          </a:p>
-          <a:p>
-            <a:pPr algn="l" defTabSz="239522">
-              <a:spcBef>
-                <a:spcPts val="200"/>
-              </a:spcBef>
-              <a:defRPr sz="1230"/>
-            </a:pPr>
-            <a:r>
-              <a:t>        plot(i-1,St,'*r','LineWidth',1);</a:t>
-            </a:r>
-          </a:p>
-          <a:p>
-            <a:pPr algn="l" defTabSz="239522">
-              <a:spcBef>
-                <a:spcPts val="200"/>
-              </a:spcBef>
-              <a:defRPr sz="1230"/>
-            </a:pPr>
-            <a:r>
-              <a:t>        grid on;</a:t>
-            </a:r>
-          </a:p>
-          <a:p>
-            <a:pPr algn="l" defTabSz="239522">
-              <a:spcBef>
-                <a:spcPts val="200"/>
-              </a:spcBef>
-              <a:defRPr sz="1230"/>
-            </a:pPr>
-            <a:r>
-              <a:t>        xlabel(handles.axes2,'Time Step')</a:t>
-            </a:r>
-          </a:p>
-          <a:p>
-            <a:pPr algn="l" defTabSz="239522">
-              <a:spcBef>
-                <a:spcPts val="200"/>
-              </a:spcBef>
-              <a:defRPr sz="1230"/>
-            </a:pPr>
-            <a:r>
-              <a:t>        ylabel(handles.axes2,'Tipo de cambio')</a:t>
-            </a:r>
-          </a:p>
-          <a:p>
-            <a:pPr algn="l" defTabSz="239522">
-              <a:spcBef>
-                <a:spcPts val="200"/>
-              </a:spcBef>
-              <a:defRPr sz="1230"/>
-            </a:pPr>
-          </a:p>
-          <a:p>
-            <a:pPr algn="l" defTabSz="239522">
-              <a:spcBef>
-                <a:spcPts val="200"/>
-              </a:spcBef>
-              <a:defRPr sz="1230"/>
-            </a:pPr>
-            <a:r>
-              <a:t>        axes(handles.axes3);</a:t>
-            </a:r>
-          </a:p>
-          <a:p>
-            <a:pPr algn="l" defTabSz="239522">
-              <a:spcBef>
-                <a:spcPts val="200"/>
-              </a:spcBef>
-              <a:defRPr sz="1230"/>
-            </a:pPr>
-            <a:r>
-              <a:t>        plot(i-1,Pt,'*r','LineWidth',1);</a:t>
-            </a:r>
-          </a:p>
-          <a:p>
-            <a:pPr algn="l" defTabSz="239522">
-              <a:spcBef>
-                <a:spcPts val="200"/>
-              </a:spcBef>
-              <a:defRPr sz="1230"/>
-            </a:pPr>
-            <a:r>
-              <a:t>        grid on;</a:t>
-            </a:r>
-          </a:p>
-          <a:p>
-            <a:pPr algn="l" defTabSz="239522">
-              <a:spcBef>
-                <a:spcPts val="200"/>
-              </a:spcBef>
-              <a:defRPr sz="1230"/>
-            </a:pPr>
-            <a:r>
-              <a:t>        xlabel(handles.axes3,'Time Step')</a:t>
-            </a:r>
-          </a:p>
-          <a:p>
-            <a:pPr algn="l" defTabSz="239522">
-              <a:spcBef>
-                <a:spcPts val="200"/>
-              </a:spcBef>
-              <a:defRPr sz="1230"/>
-            </a:pPr>
-            <a:r>
-              <a:t>        ylabel(handles.axes3,'Precios domesticos')</a:t>
-            </a:r>
-          </a:p>
-          <a:p>
-            <a:pPr algn="l" defTabSz="239522">
-              <a:spcBef>
-                <a:spcPts val="200"/>
-              </a:spcBef>
-              <a:defRPr sz="1230"/>
-            </a:pPr>
-          </a:p>
-          <a:p>
-            <a:pPr algn="l" defTabSz="239522">
-              <a:spcBef>
-                <a:spcPts val="200"/>
-              </a:spcBef>
-              <a:defRPr sz="1230"/>
-            </a:pPr>
-            <a:r>
-              <a:t>        smoothening = 0.05;</a:t>
-            </a:r>
-          </a:p>
-          <a:p>
-            <a:pPr algn="l" defTabSz="239522">
-              <a:spcBef>
-                <a:spcPts val="200"/>
-              </a:spcBef>
-              <a:defRPr sz="1230"/>
-            </a:pPr>
-            <a:r>
-              <a:t>        %Calculamos pr?ximo punto partiendo de matrices</a:t>
-            </a:r>
-          </a:p>
-          <a:p>
-            <a:pPr algn="l" defTabSz="239522">
-              <a:spcBef>
-                <a:spcPts val="200"/>
-              </a:spcBef>
-              <a:defRPr sz="1230"/>
-            </a:pPr>
-            <a:r>
-              <a:t>        Mt = (A*[Pt;St] + b)*smoothening;</a:t>
-            </a:r>
-          </a:p>
-          <a:p>
-            <a:pPr algn="l" defTabSz="239522">
-              <a:spcBef>
-                <a:spcPts val="200"/>
-              </a:spcBef>
-              <a:defRPr sz="1230"/>
-            </a:pPr>
-            <a:r>
-              <a:t>        Pt = Mt(1,1) + Pt;</a:t>
-            </a:r>
-          </a:p>
-          <a:p>
-            <a:pPr algn="l" defTabSz="239522">
-              <a:spcBef>
-                <a:spcPts val="200"/>
-              </a:spcBef>
-              <a:defRPr sz="1230"/>
-            </a:pPr>
-            <a:r>
-              <a:t>        St = Mt(2,1) + St;</a:t>
-            </a:r>
-          </a:p>
-          <a:p>
-            <a:pPr algn="l" defTabSz="239522">
-              <a:spcBef>
-                <a:spcPts val="200"/>
-              </a:spcBef>
-              <a:defRPr sz="1230"/>
-            </a:pPr>
-          </a:p>
-          <a:p>
-            <a:pPr algn="l" defTabSz="239522">
-              <a:spcBef>
-                <a:spcPts val="200"/>
-              </a:spcBef>
-              <a:defRPr sz="1230"/>
-            </a:pPr>
-            <a:r>
-              <a:t>        %pausamos el computo 0.15 segundos</a:t>
-            </a:r>
-          </a:p>
-          <a:p>
-            <a:pPr algn="l" defTabSz="239522">
-              <a:spcBef>
-                <a:spcPts val="200"/>
-              </a:spcBef>
-              <a:defRPr sz="1230"/>
-            </a:pPr>
-            <a:r>
-              <a:t>        pause(0.15)</a:t>
-            </a:r>
-          </a:p>
-          <a:p>
-            <a:pPr algn="l" defTabSz="239522">
-              <a:spcBef>
-                <a:spcPts val="200"/>
-              </a:spcBef>
-              <a:defRPr sz="1230"/>
-            </a:pPr>
-            <a:r>
-              <a:t>    else</a:t>
-            </a:r>
-          </a:p>
-          <a:p>
-            <a:pPr algn="l" defTabSz="239522">
-              <a:spcBef>
-                <a:spcPts val="200"/>
-              </a:spcBef>
-              <a:defRPr sz="1230"/>
-            </a:pPr>
-            <a:r>
-              <a:t>    end</a:t>
-            </a:r>
-          </a:p>
-          <a:p>
-            <a:pPr algn="l" defTabSz="239522">
-              <a:spcBef>
-                <a:spcPts val="200"/>
-              </a:spcBef>
-              <a:defRPr sz="1230"/>
-            </a:pPr>
-            <a:r>
-              <a:t>    i = i+1;</a:t>
-            </a:r>
-          </a:p>
-          <a:p>
-            <a:pPr algn="l" defTabSz="239522">
-              <a:spcBef>
-                <a:spcPts val="200"/>
-              </a:spcBef>
-              <a:defRPr sz="1230"/>
-            </a:pPr>
-            <a:r>
-              <a:t>end;</a:t>
+            <a:pPr algn="l" defTabSz="531622">
+              <a:spcBef>
+                <a:spcPts val="400"/>
+              </a:spcBef>
+              <a:defRPr sz="1638"/>
+            </a:pPr>
+            <a:r>
+              <a:t>%Set valores en GUI</a:t>
+            </a:r>
+          </a:p>
+          <a:p>
+            <a:pPr algn="l" defTabSz="531622">
+              <a:spcBef>
+                <a:spcPts val="400"/>
+              </a:spcBef>
+              <a:defRPr sz="1638"/>
+            </a:pPr>
+            <a:r>
+              <a:t>pss_o =findobj('Tag','pss');</a:t>
+            </a:r>
+          </a:p>
+          <a:p>
+            <a:pPr algn="l" defTabSz="531622">
+              <a:spcBef>
+                <a:spcPts val="400"/>
+              </a:spcBef>
+              <a:defRPr sz="1638"/>
+            </a:pPr>
+            <a:r>
+              <a:t>set(pss_o,'String',pss);</a:t>
+            </a:r>
+          </a:p>
+          <a:p>
+            <a:pPr algn="l" defTabSz="531622">
+              <a:spcBef>
+                <a:spcPts val="400"/>
+              </a:spcBef>
+              <a:defRPr sz="1638"/>
+            </a:pPr>
+            <a:r>
+              <a:t>sss_o =findobj('Tag','sss');</a:t>
+            </a:r>
+          </a:p>
+          <a:p>
+            <a:pPr algn="l" defTabSz="531622">
+              <a:spcBef>
+                <a:spcPts val="400"/>
+              </a:spcBef>
+              <a:defRPr sz="1638"/>
+            </a:pPr>
+            <a:r>
+              <a:t>set(sss_o,'String',sss);</a:t>
+            </a:r>
+          </a:p>
+          <a:p>
+            <a:pPr algn="l" defTabSz="531622">
+              <a:spcBef>
+                <a:spcPts val="400"/>
+              </a:spcBef>
+              <a:defRPr sz="1638"/>
+            </a:pPr>
+          </a:p>
+          <a:p>
+            <a:pPr algn="l" defTabSz="531622">
+              <a:spcBef>
+                <a:spcPts val="400"/>
+              </a:spcBef>
+              <a:defRPr sz="1638"/>
+            </a:pPr>
+            <a:r>
+              <a:t>st = 0 : 1 : limit;</a:t>
+            </a:r>
+          </a:p>
+          <a:p>
+            <a:pPr algn="l" defTabSz="531622">
+              <a:spcBef>
+                <a:spcPts val="400"/>
+              </a:spcBef>
+              <a:defRPr sz="1638"/>
+            </a:pPr>
+          </a:p>
+          <a:p>
+            <a:pPr algn="l" defTabSz="531622">
+              <a:spcBef>
+                <a:spcPts val="400"/>
+              </a:spcBef>
+              <a:defRPr sz="1638"/>
+            </a:pPr>
+            <a:r>
+              <a:t>axes(handles.axes1);</a:t>
+            </a:r>
+          </a:p>
+          <a:p>
+            <a:pPr algn="l" defTabSz="531622">
+              <a:spcBef>
+                <a:spcPts val="400"/>
+              </a:spcBef>
+              <a:defRPr sz="1638"/>
+            </a:pPr>
+          </a:p>
+          <a:p>
+            <a:pPr algn="l" defTabSz="531622">
+              <a:spcBef>
+                <a:spcPts val="400"/>
+              </a:spcBef>
+              <a:defRPr sz="1638"/>
+            </a:pPr>
+            <a:r>
+              <a:t>% Ceroclina del sistema es pt =</a:t>
+            </a:r>
+          </a:p>
+          <a:p>
+            <a:pPr algn="l" defTabSz="531622">
+              <a:spcBef>
+                <a:spcPts val="400"/>
+              </a:spcBef>
+              <a:defRPr sz="1638"/>
+            </a:pPr>
+            <a:r>
+              <a:t>p_fase = (delta / ((sigma/lambda) + delta))*(st -sss) + pss;</a:t>
+            </a:r>
+          </a:p>
+          <a:p>
+            <a:pPr algn="l" defTabSz="531622">
+              <a:spcBef>
+                <a:spcPts val="400"/>
+              </a:spcBef>
+              <a:defRPr sz="1638"/>
+            </a:pPr>
+          </a:p>
+          <a:p>
+            <a:pPr algn="l" defTabSz="531622">
+              <a:spcBef>
+                <a:spcPts val="400"/>
+              </a:spcBef>
+              <a:defRPr sz="1638"/>
+            </a:pPr>
+            <a:r>
+              <a:t>plot([0 limit],[pss pss],'--b',st,p_fase,':r',sss,pss,'*m','LineWidth',2); hold on;</a:t>
+            </a:r>
+          </a:p>
+          <a:p>
+            <a:pPr algn="l" defTabSz="531622">
+              <a:spcBef>
+                <a:spcPts val="400"/>
+              </a:spcBef>
+              <a:defRPr sz="1638"/>
+            </a:pPr>
+          </a:p>
+          <a:p>
+            <a:pPr algn="l" defTabSz="531622">
+              <a:spcBef>
+                <a:spcPts val="400"/>
+              </a:spcBef>
+              <a:defRPr sz="1638"/>
+            </a:pPr>
+            <a:r>
+              <a:t>grid on;</a:t>
+            </a:r>
+          </a:p>
+          <a:p>
+            <a:pPr algn="l" defTabSz="531622">
+              <a:spcBef>
+                <a:spcPts val="400"/>
+              </a:spcBef>
+              <a:defRPr sz="1638"/>
+            </a:pPr>
+            <a:r>
+              <a:t>title('Diagrama de fases para tipo de cambio y precios domesticos')</a:t>
+            </a:r>
+          </a:p>
+          <a:p>
+            <a:pPr algn="l" defTabSz="531622">
+              <a:spcBef>
+                <a:spcPts val="400"/>
+              </a:spcBef>
+              <a:defRPr sz="1638"/>
+            </a:pPr>
+            <a:r>
+              <a:t>xlabel(handles.axes1,'Tipo de cambio')</a:t>
+            </a:r>
+          </a:p>
+          <a:p>
+            <a:pPr algn="l" defTabSz="531622">
+              <a:spcBef>
+                <a:spcPts val="400"/>
+              </a:spcBef>
+              <a:defRPr sz="1638"/>
+            </a:pPr>
+            <a:r>
+              <a:t>ylabel(handles.axes1,'Precios domesticos')</a:t>
+            </a:r>
+          </a:p>
+          <a:p>
+            <a:pPr algn="l" defTabSz="531622">
+              <a:spcBef>
+                <a:spcPts val="400"/>
+              </a:spcBef>
+              <a:defRPr sz="1638"/>
+            </a:pPr>
+            <a:r>
+              <a:t>legend('Curva de fase S','Curva de fase P','equilibrio de EE')</a:t>
             </a:r>
           </a:p>
         </p:txBody>
@@ -4445,7 +3920,7 @@
       </p:grpSpPr>
       <p:sp>
         <p:nvSpPr>
-          <p:cNvPr id="162" name="Shape 162"/>
+          <p:cNvPr id="161" name="Shape 161"/>
           <p:cNvSpPr/>
           <p:nvPr>
             <p:ph type="title"/>
@@ -4462,22 +3937,32 @@
         </p:spPr>
         <p:txBody>
           <a:bodyPr/>
-          <a:lstStyle>
-            <a:lvl1pPr defTabSz="368045">
-              <a:defRPr sz="5040"/>
-            </a:lvl1pPr>
-          </a:lstStyle>
-          <a:p>
-            <a:pPr/>
-            <a:r>
-              <a:t>Diagrama Brazo estable - saddle path</a:t>
+          <a:lstStyle/>
+          <a:p>
+            <a:pPr defTabSz="455675">
+              <a:defRPr sz="6240"/>
+            </a:pPr>
+            <a:r>
+              <a:t>Trayectoria dado p</a:t>
+            </a:r>
+            <a:r>
+              <a:rPr baseline="-5999" sz="6162"/>
+              <a:t>o </a:t>
+            </a:r>
+            <a:r>
+              <a:rPr sz="6162"/>
+              <a:t>y s</a:t>
+            </a:r>
+            <a:r>
+              <a:rPr baseline="-5999" sz="6162"/>
+              <a:t>0</a:t>
             </a:r>
           </a:p>
         </p:txBody>
       </p:sp>
       <p:sp>
         <p:nvSpPr>
-          <p:cNvPr id="163" name="Shape 163"/>
+          <p:cNvPr id="162" name="Shape 162"/>
           <p:cNvSpPr/>
           <p:nvPr>
             <p:ph type="body" sz="half" idx="1"/>
@@ -4496,265 +3981,261 @@
           <a:bodyPr/>
           <a:lstStyle/>
           <a:p>
-            <a:pPr marL="0" indent="0" defTabSz="508254">
+            <a:pPr marL="0" indent="0" defTabSz="525779">
               <a:spcBef>
                 <a:spcPts val="400"/>
               </a:spcBef>
               <a:buSzTx/>
               <a:buNone/>
-              <a:defRPr sz="1566"/>
-            </a:pPr>
-          </a:p>
-          <a:p>
-            <a:pPr marL="0" indent="0" defTabSz="508254">
+              <a:defRPr sz="1619"/>
+            </a:pPr>
+            <a:r>
+              <a:t>function pushbutton2_Callback(hObject, eventdata, handles)</a:t>
+            </a:r>
+          </a:p>
+          <a:p>
+            <a:pPr marL="0" indent="0" defTabSz="525779">
               <a:spcBef>
                 <a:spcPts val="400"/>
               </a:spcBef>
               <a:buSzTx/>
               <a:buNone/>
-              <a:defRPr sz="1566"/>
-            </a:pPr>
-          </a:p>
-          <a:p>
-            <a:pPr marL="0" indent="0" defTabSz="508254">
+              <a:defRPr sz="1619"/>
+            </a:pPr>
+            <a:r>
+              <a:t>ybar = log(getNumberValue('ybar_i'));</a:t>
+            </a:r>
+          </a:p>
+          <a:p>
+            <a:pPr marL="0" indent="0" defTabSz="525779">
               <a:spcBef>
                 <a:spcPts val="400"/>
               </a:spcBef>
               <a:buSzTx/>
               <a:buNone/>
-              <a:defRPr sz="1566"/>
-            </a:pPr>
-            <a:r>
-              <a:t>function pushbutton4_Callback(hObject, eventdata, handles)</a:t>
-            </a:r>
-          </a:p>
-          <a:p>
-            <a:pPr marL="0" indent="0" defTabSz="508254">
+              <a:defRPr sz="1619"/>
+            </a:pPr>
+            <a:r>
+              <a:t>istar = log(getNumberValue('istar_i'));</a:t>
+            </a:r>
+          </a:p>
+          <a:p>
+            <a:pPr marL="0" indent="0" defTabSz="525779">
               <a:spcBef>
                 <a:spcPts val="400"/>
               </a:spcBef>
               <a:buSzTx/>
               <a:buNone/>
-              <a:defRPr sz="1566"/>
-            </a:pPr>
-            <a:r>
-              <a:t>ybar = log(getNumberValue('ybar_i'));</a:t>
-            </a:r>
-          </a:p>
-          <a:p>
-            <a:pPr marL="0" indent="0" defTabSz="508254">
+              <a:defRPr sz="1619"/>
+            </a:pPr>
+            <a:r>
+              <a:t>pstar = log(getNumberValue('pstar_i'));</a:t>
+            </a:r>
+          </a:p>
+          <a:p>
+            <a:pPr marL="0" indent="0" defTabSz="525779">
               <a:spcBef>
                 <a:spcPts val="400"/>
               </a:spcBef>
               <a:buSzTx/>
               <a:buNone/>
-              <a:defRPr sz="1566"/>
-            </a:pPr>
-            <a:r>
-              <a:t>istar = log(getNumberValue('istar_i'));</a:t>
-            </a:r>
-          </a:p>
-          <a:p>
-            <a:pPr marL="0" indent="0" defTabSz="508254">
+              <a:defRPr sz="1619"/>
+            </a:pPr>
+            <a:r>
+              <a:t>m = log(getNumberValue('m'));</a:t>
+            </a:r>
+          </a:p>
+          <a:p>
+            <a:pPr marL="0" indent="0" defTabSz="525779">
               <a:spcBef>
                 <a:spcPts val="400"/>
               </a:spcBef>
               <a:buSzTx/>
               <a:buNone/>
-              <a:defRPr sz="1566"/>
-            </a:pPr>
-            <a:r>
-              <a:t>pstar = log(getNumberValue('pstar_i'));</a:t>
-            </a:r>
-          </a:p>
-          <a:p>
-            <a:pPr marL="0" indent="0" defTabSz="508254">
+              <a:defRPr sz="1619"/>
+            </a:pPr>
+          </a:p>
+          <a:p>
+            <a:pPr marL="0" indent="0" defTabSz="525779">
               <a:spcBef>
                 <a:spcPts val="400"/>
               </a:spcBef>
               <a:buSzTx/>
               <a:buNone/>
-              <a:defRPr sz="1566"/>
-            </a:pPr>
-            <a:r>
-              <a:t>m = log(getNumberValue('m'));</a:t>
-            </a:r>
-          </a:p>
-          <a:p>
-            <a:pPr marL="0" indent="0" defTabSz="508254">
+              <a:defRPr sz="1619"/>
+            </a:pPr>
+            <a:r>
+              <a:t>theta = getNumberValue('theta_i');</a:t>
+            </a:r>
+          </a:p>
+          <a:p>
+            <a:pPr marL="0" indent="0" defTabSz="525779">
               <a:spcBef>
                 <a:spcPts val="400"/>
               </a:spcBef>
               <a:buSzTx/>
               <a:buNone/>
-              <a:defRPr sz="1566"/>
-            </a:pPr>
-          </a:p>
-          <a:p>
-            <a:pPr marL="0" indent="0" defTabSz="508254">
+              <a:defRPr sz="1619"/>
+            </a:pPr>
+            <a:r>
+              <a:t>lambda = getNumberValue('lambda_i');</a:t>
+            </a:r>
+          </a:p>
+          <a:p>
+            <a:pPr marL="0" indent="0" defTabSz="525779">
               <a:spcBef>
                 <a:spcPts val="400"/>
               </a:spcBef>
               <a:buSzTx/>
               <a:buNone/>
-              <a:defRPr sz="1566"/>
-            </a:pPr>
-            <a:r>
-              <a:t>theta = getNumberValue('theta_i');</a:t>
-            </a:r>
-          </a:p>
-          <a:p>
-            <a:pPr marL="0" indent="0" defTabSz="508254">
+              <a:defRPr sz="1619"/>
+            </a:pPr>
+            <a:r>
+              <a:t>delta = getNumberValue('delta_i');</a:t>
+            </a:r>
+          </a:p>
+          <a:p>
+            <a:pPr marL="0" indent="0" defTabSz="525779">
               <a:spcBef>
                 <a:spcPts val="400"/>
               </a:spcBef>
               <a:buSzTx/>
               <a:buNone/>
-              <a:defRPr sz="1566"/>
-            </a:pPr>
-            <a:r>
-              <a:t>lambda = getNumberValue('lambda_i');</a:t>
-            </a:r>
-          </a:p>
-          <a:p>
-            <a:pPr marL="0" indent="0" defTabSz="508254">
+              <a:defRPr sz="1619"/>
+            </a:pPr>
+            <a:r>
+              <a:t>sigma = getNumberValue('sigma_i');</a:t>
+            </a:r>
+          </a:p>
+          <a:p>
+            <a:pPr marL="0" indent="0" defTabSz="525779">
               <a:spcBef>
                 <a:spcPts val="400"/>
               </a:spcBef>
               <a:buSzTx/>
               <a:buNone/>
-              <a:defRPr sz="1566"/>
-            </a:pPr>
-            <a:r>
-              <a:t>delta = getNumberValue('delta_i');</a:t>
-            </a:r>
-          </a:p>
-          <a:p>
-            <a:pPr marL="0" indent="0" defTabSz="508254">
+              <a:defRPr sz="1619"/>
+            </a:pPr>
+            <a:r>
+              <a:t>alpha = getNumberValue('alpha_i');</a:t>
+            </a:r>
+          </a:p>
+          <a:p>
+            <a:pPr marL="0" indent="0" defTabSz="525779">
               <a:spcBef>
                 <a:spcPts val="400"/>
               </a:spcBef>
               <a:buSzTx/>
               <a:buNone/>
-              <a:defRPr sz="1566"/>
-            </a:pPr>
-            <a:r>
-              <a:t>sigma = getNumberValue('sigma_i');</a:t>
-            </a:r>
-          </a:p>
-          <a:p>
-            <a:pPr marL="0" indent="0" defTabSz="508254">
+              <a:defRPr sz="1619"/>
+            </a:pPr>
+          </a:p>
+          <a:p>
+            <a:pPr marL="0" indent="0" defTabSz="525779">
               <a:spcBef>
                 <a:spcPts val="400"/>
               </a:spcBef>
               <a:buSzTx/>
               <a:buNone/>
-              <a:defRPr sz="1566"/>
-            </a:pPr>
-            <a:r>
-              <a:t>alpha = getNumberValue('alpha_i');</a:t>
-            </a:r>
-          </a:p>
-          <a:p>
-            <a:pPr marL="0" indent="0" defTabSz="508254">
+              <a:defRPr sz="1619"/>
+            </a:pPr>
+            <a:r>
+              <a:t>limit = 6;</a:t>
+            </a:r>
+          </a:p>
+          <a:p>
+            <a:pPr marL="0" indent="0" defTabSz="525779">
               <a:spcBef>
                 <a:spcPts val="400"/>
               </a:spcBef>
               <a:buSzTx/>
               <a:buNone/>
-              <a:defRPr sz="1566"/>
-            </a:pPr>
-          </a:p>
-          <a:p>
-            <a:pPr marL="0" indent="0" defTabSz="508254">
+              <a:defRPr sz="1619"/>
+            </a:pPr>
+            <a:r>
+              <a:t>%Determinando la matriz A y b</a:t>
+            </a:r>
+          </a:p>
+          <a:p>
+            <a:pPr marL="0" indent="0" defTabSz="525779">
               <a:spcBef>
                 <a:spcPts val="400"/>
               </a:spcBef>
               <a:buSzTx/>
               <a:buNone/>
-              <a:defRPr sz="1566"/>
-            </a:pPr>
-            <a:r>
-              <a:t>limit = 6;</a:t>
-            </a:r>
-          </a:p>
-          <a:p>
-            <a:pPr marL="0" indent="0" defTabSz="508254">
+              <a:defRPr sz="1619"/>
+            </a:pPr>
+            <a:r>
+              <a:t>A = [(-alpha)*(delta + sigma/lambda) alpha*delta; 1/lambda 0];</a:t>
+            </a:r>
+          </a:p>
+          <a:p>
+            <a:pPr marL="0" indent="0" defTabSz="525779">
               <a:spcBef>
                 <a:spcPts val="400"/>
               </a:spcBef>
               <a:buSzTx/>
               <a:buNone/>
-              <a:defRPr sz="1566"/>
-            </a:pPr>
-            <a:r>
-              <a:t>%Determinando la matriz A y b</a:t>
-            </a:r>
-          </a:p>
-          <a:p>
-            <a:pPr marL="0" indent="0" defTabSz="508254">
+              <a:defRPr sz="1619"/>
+            </a:pPr>
+            <a:r>
+              <a:t>b = [alpha*((sigma*m)*(1/lambda) - (1 + (sigma*theta)*(1/lambda))*ybar) ; (1/lambda)*(theta*ybar - m) - istar];</a:t>
+            </a:r>
+          </a:p>
+          <a:p>
+            <a:pPr marL="0" indent="0" defTabSz="525779">
               <a:spcBef>
                 <a:spcPts val="400"/>
               </a:spcBef>
               <a:buSzTx/>
               <a:buNone/>
-              <a:defRPr sz="1566"/>
-            </a:pPr>
-            <a:r>
-              <a:t>A = [(-alpha)*(delta + sigma/lambda) alpha*delta; 1/lambda 0];</a:t>
-            </a:r>
-          </a:p>
-          <a:p>
-            <a:pPr marL="0" indent="0" defTabSz="508254">
+              <a:defRPr sz="1619"/>
+            </a:pPr>
+          </a:p>
+          <a:p>
+            <a:pPr marL="0" indent="0" defTabSz="525779">
               <a:spcBef>
                 <a:spcPts val="400"/>
               </a:spcBef>
               <a:buSzTx/>
               <a:buNone/>
-              <a:defRPr sz="1566"/>
-            </a:pPr>
-            <a:r>
-              <a:t>b = [alpha*((sigma*m)*(1/lambda) - (1 + (sigma*theta)*(1/lambda))*ybar) ; (1/lambda)*(theta*ybar - m) - istar];</a:t>
-            </a:r>
-          </a:p>
-          <a:p>
-            <a:pPr marL="0" indent="0" defTabSz="508254">
+              <a:defRPr sz="1619"/>
+            </a:pPr>
+            <a:r>
+              <a:t>%Condiciones Iniciales</a:t>
+            </a:r>
+          </a:p>
+          <a:p>
+            <a:pPr marL="0" indent="0" defTabSz="525779">
               <a:spcBef>
                 <a:spcPts val="400"/>
               </a:spcBef>
               <a:buSzTx/>
               <a:buNone/>
-              <a:defRPr sz="1566"/>
-            </a:pPr>
-            <a:r>
-              <a:t>Mss = -(A^-1)*b;</a:t>
-            </a:r>
-          </a:p>
-          <a:p>
-            <a:pPr marL="0" indent="0" defTabSz="508254">
+              <a:defRPr sz="1619"/>
+            </a:pPr>
+            <a:r>
+              <a:t>St = getNumberValue('s0');</a:t>
+            </a:r>
+          </a:p>
+          <a:p>
+            <a:pPr marL="0" indent="0" defTabSz="525779">
               <a:spcBef>
                 <a:spcPts val="400"/>
               </a:spcBef>
               <a:buSzTx/>
               <a:buNone/>
-              <a:defRPr sz="1566"/>
-            </a:pPr>
-          </a:p>
-          <a:p>
-            <a:pPr marL="0" indent="0" defTabSz="508254">
-              <a:spcBef>
-                <a:spcPts val="400"/>
-              </a:spcBef>
-              <a:buSzTx/>
-              <a:buNone/>
-              <a:defRPr sz="1566"/>
-            </a:pPr>
+              <a:defRPr sz="1619"/>
+            </a:pPr>
+            <a:r>
+              <a:t>Pt = getNumberValue('p0');</a:t>
+            </a:r>
           </a:p>
         </p:txBody>
       </p:sp>
       <p:sp>
         <p:nvSpPr>
-          <p:cNvPr id="164" name="Shape 164"/>
+          <p:cNvPr id="163" name="Shape 163"/>
           <p:cNvSpPr/>
           <p:nvPr/>
         </p:nvSpPr>
@@ -4781,170 +4262,362 @@
           </a:bodyPr>
           <a:lstStyle/>
           <a:p>
-            <a:pPr algn="l">
-              <a:spcBef>
-                <a:spcPts val="500"/>
-              </a:spcBef>
-              <a:defRPr sz="1800"/>
-            </a:pPr>
-            <a:r>
-              <a:t>% Valores de Estado Estacionario</a:t>
-            </a:r>
-          </a:p>
-          <a:p>
-            <a:pPr algn="l">
-              <a:spcBef>
-                <a:spcPts val="500"/>
-              </a:spcBef>
-              <a:defRPr sz="1800"/>
-            </a:pPr>
-            <a:r>
-              <a:t>Pss = Mss(1,1);</a:t>
-            </a:r>
-          </a:p>
-          <a:p>
-            <a:pPr algn="l">
-              <a:spcBef>
-                <a:spcPts val="500"/>
-              </a:spcBef>
-              <a:defRPr sz="1800"/>
-            </a:pPr>
-            <a:r>
-              <a:t>Sss = Mss(2,1);</a:t>
-            </a:r>
-          </a:p>
-          <a:p>
-            <a:pPr algn="l">
-              <a:spcBef>
-                <a:spcPts val="500"/>
-              </a:spcBef>
-              <a:defRPr sz="1800"/>
-            </a:pPr>
-          </a:p>
-          <a:p>
-            <a:pPr algn="l">
-              <a:spcBef>
-                <a:spcPts val="500"/>
-              </a:spcBef>
-              <a:defRPr sz="1800"/>
-            </a:pPr>
-            <a:r>
-              <a:t>%Calculando las ra?ces</a:t>
-            </a:r>
-          </a:p>
-          <a:p>
-            <a:pPr algn="l">
-              <a:spcBef>
-                <a:spcPts val="500"/>
-              </a:spcBef>
-              <a:defRPr sz="1800"/>
-            </a:pPr>
-            <a:r>
-              <a:t>trA = -alpha*(delta + (sigma/lambda));</a:t>
-            </a:r>
-          </a:p>
-          <a:p>
-            <a:pPr algn="l">
-              <a:spcBef>
-                <a:spcPts val="500"/>
-              </a:spcBef>
-              <a:defRPr sz="1800"/>
-            </a:pPr>
-            <a:r>
-              <a:t>DELTA = (alpha^2)*(delta + (sigma/lambda))^2 + 4*(alpha*delta/lambda);</a:t>
-            </a:r>
-          </a:p>
-          <a:p>
-            <a:pPr algn="l">
-              <a:spcBef>
-                <a:spcPts val="500"/>
-              </a:spcBef>
-              <a:defRPr sz="1800"/>
-            </a:pPr>
-            <a:r>
-              <a:t>tau2 = ((trA) - sqrt(DELTA))/2;</a:t>
-            </a:r>
-          </a:p>
-          <a:p>
-            <a:pPr algn="l">
-              <a:spcBef>
-                <a:spcPts val="500"/>
-              </a:spcBef>
-              <a:defRPr sz="1800"/>
-            </a:pPr>
-          </a:p>
-          <a:p>
-            <a:pPr algn="l">
-              <a:spcBef>
-                <a:spcPts val="500"/>
-              </a:spcBef>
-              <a:defRPr sz="1800"/>
-            </a:pPr>
-            <a:r>
-              <a:t>St = 0 : 1 : 4;</a:t>
-            </a:r>
-          </a:p>
-          <a:p>
-            <a:pPr algn="l">
-              <a:spcBef>
-                <a:spcPts val="500"/>
-              </a:spcBef>
-              <a:defRPr sz="1800"/>
-            </a:pPr>
-            <a:r>
-              <a:t>axes(handles.axes1);</a:t>
-            </a:r>
-          </a:p>
-          <a:p>
-            <a:pPr algn="l">
-              <a:spcBef>
-                <a:spcPts val="500"/>
-              </a:spcBef>
-              <a:defRPr sz="1800"/>
-            </a:pPr>
-            <a:r>
-              <a:t>% Brazo estable - saddle path</a:t>
-            </a:r>
-          </a:p>
-          <a:p>
-            <a:pPr algn="l">
-              <a:spcBef>
-                <a:spcPts val="500"/>
-              </a:spcBef>
-              <a:defRPr sz="1800"/>
-            </a:pPr>
-            <a:r>
-              <a:t>p_saddle = (St - Sss + (1/(lambda*tau2))*Pss)*(lambda*tau2);</a:t>
-            </a:r>
-          </a:p>
-          <a:p>
-            <a:pPr algn="l">
-              <a:spcBef>
-                <a:spcPts val="500"/>
-              </a:spcBef>
-              <a:defRPr sz="1800"/>
-            </a:pPr>
-          </a:p>
-          <a:p>
-            <a:pPr algn="l">
-              <a:spcBef>
-                <a:spcPts val="500"/>
-              </a:spcBef>
-              <a:defRPr sz="1800"/>
-            </a:pPr>
-            <a:r>
-              <a:t>plot(St,p_saddle,':y','LineWidth',3); hold on;</a:t>
-            </a:r>
-          </a:p>
-          <a:p>
-            <a:pPr algn="l">
-              <a:spcBef>
-                <a:spcPts val="500"/>
-              </a:spcBef>
-              <a:defRPr sz="1800"/>
-            </a:pPr>
-            <a:r>
-              <a:t>legend('Curva de fase S','Curva de fase P','equilibrio de EE','Brazo estable')</a:t>
+            <a:pPr algn="l" defTabSz="239522">
+              <a:spcBef>
+                <a:spcPts val="200"/>
+              </a:spcBef>
+              <a:defRPr sz="1230"/>
+            </a:pPr>
+            <a:r>
+              <a:t>i=1;</a:t>
+            </a:r>
+          </a:p>
+          <a:p>
+            <a:pPr algn="l" defTabSz="239522">
+              <a:spcBef>
+                <a:spcPts val="200"/>
+              </a:spcBef>
+              <a:defRPr sz="1230"/>
+            </a:pPr>
+            <a:r>
+              <a:t>while i&lt;60;</a:t>
+            </a:r>
+          </a:p>
+          <a:p>
+            <a:pPr algn="l" defTabSz="239522">
+              <a:spcBef>
+                <a:spcPts val="200"/>
+              </a:spcBef>
+              <a:defRPr sz="1230"/>
+            </a:pPr>
+            <a:r>
+              <a:t>    %agregamos el punto anterior</a:t>
+            </a:r>
+          </a:p>
+          <a:p>
+            <a:pPr algn="l" defTabSz="239522">
+              <a:spcBef>
+                <a:spcPts val="200"/>
+              </a:spcBef>
+              <a:defRPr sz="1230"/>
+            </a:pPr>
+            <a:r>
+              <a:t>    if St &lt; limit &amp;&amp; Pt &lt; limit &amp;&amp; St &gt;= 0 &amp;&amp; Pt &gt;= 0-2</a:t>
+            </a:r>
+          </a:p>
+          <a:p>
+            <a:pPr algn="l" defTabSz="239522">
+              <a:spcBef>
+                <a:spcPts val="200"/>
+              </a:spcBef>
+              <a:defRPr sz="1230"/>
+            </a:pPr>
+          </a:p>
+          <a:p>
+            <a:pPr algn="l" defTabSz="239522">
+              <a:spcBef>
+                <a:spcPts val="200"/>
+              </a:spcBef>
+              <a:defRPr sz="1230"/>
+            </a:pPr>
+            <a:r>
+              <a:t>        %Plotting path</a:t>
+            </a:r>
+          </a:p>
+          <a:p>
+            <a:pPr algn="l" defTabSz="239522">
+              <a:spcBef>
+                <a:spcPts val="200"/>
+              </a:spcBef>
+              <a:defRPr sz="1230"/>
+            </a:pPr>
+            <a:r>
+              <a:t>        axes(handles.axes1);</a:t>
+            </a:r>
+          </a:p>
+          <a:p>
+            <a:pPr algn="l" defTabSz="239522">
+              <a:spcBef>
+                <a:spcPts val="200"/>
+              </a:spcBef>
+              <a:defRPr sz="1230"/>
+            </a:pPr>
+            <a:r>
+              <a:t>        plot(St,Pt,'*g');</a:t>
+            </a:r>
+          </a:p>
+          <a:p>
+            <a:pPr algn="l" defTabSz="239522">
+              <a:spcBef>
+                <a:spcPts val="200"/>
+              </a:spcBef>
+              <a:defRPr sz="1230"/>
+            </a:pPr>
+          </a:p>
+          <a:p>
+            <a:pPr algn="l" defTabSz="239522">
+              <a:spcBef>
+                <a:spcPts val="200"/>
+              </a:spcBef>
+              <a:defRPr sz="1230"/>
+            </a:pPr>
+            <a:r>
+              <a:t>        %Plotting cambios en S y P</a:t>
+            </a:r>
+          </a:p>
+          <a:p>
+            <a:pPr algn="l" defTabSz="239522">
+              <a:spcBef>
+                <a:spcPts val="200"/>
+              </a:spcBef>
+              <a:defRPr sz="1230"/>
+            </a:pPr>
+            <a:r>
+              <a:t>        axes(handles.axes2);</a:t>
+            </a:r>
+          </a:p>
+          <a:p>
+            <a:pPr algn="l" defTabSz="239522">
+              <a:spcBef>
+                <a:spcPts val="200"/>
+              </a:spcBef>
+              <a:defRPr sz="1230"/>
+            </a:pPr>
+            <a:r>
+              <a:t>        plot(i-1,St,'*r','LineWidth',1);</a:t>
+            </a:r>
+          </a:p>
+          <a:p>
+            <a:pPr algn="l" defTabSz="239522">
+              <a:spcBef>
+                <a:spcPts val="200"/>
+              </a:spcBef>
+              <a:defRPr sz="1230"/>
+            </a:pPr>
+            <a:r>
+              <a:t>        grid on;</a:t>
+            </a:r>
+          </a:p>
+          <a:p>
+            <a:pPr algn="l" defTabSz="239522">
+              <a:spcBef>
+                <a:spcPts val="200"/>
+              </a:spcBef>
+              <a:defRPr sz="1230"/>
+            </a:pPr>
+            <a:r>
+              <a:t>        xlabel(handles.axes2,'Time Step')</a:t>
+            </a:r>
+          </a:p>
+          <a:p>
+            <a:pPr algn="l" defTabSz="239522">
+              <a:spcBef>
+                <a:spcPts val="200"/>
+              </a:spcBef>
+              <a:defRPr sz="1230"/>
+            </a:pPr>
+            <a:r>
+              <a:t>        ylabel(handles.axes2,'Tipo de cambio')</a:t>
+            </a:r>
+          </a:p>
+          <a:p>
+            <a:pPr algn="l" defTabSz="239522">
+              <a:spcBef>
+                <a:spcPts val="200"/>
+              </a:spcBef>
+              <a:defRPr sz="1230"/>
+            </a:pPr>
+          </a:p>
+          <a:p>
+            <a:pPr algn="l" defTabSz="239522">
+              <a:spcBef>
+                <a:spcPts val="200"/>
+              </a:spcBef>
+              <a:defRPr sz="1230"/>
+            </a:pPr>
+            <a:r>
+              <a:t>        axes(handles.axes3);</a:t>
+            </a:r>
+          </a:p>
+          <a:p>
+            <a:pPr algn="l" defTabSz="239522">
+              <a:spcBef>
+                <a:spcPts val="200"/>
+              </a:spcBef>
+              <a:defRPr sz="1230"/>
+            </a:pPr>
+            <a:r>
+              <a:t>        plot(i-1,Pt,'*r','LineWidth',1);</a:t>
+            </a:r>
+          </a:p>
+          <a:p>
+            <a:pPr algn="l" defTabSz="239522">
+              <a:spcBef>
+                <a:spcPts val="200"/>
+              </a:spcBef>
+              <a:defRPr sz="1230"/>
+            </a:pPr>
+            <a:r>
+              <a:t>        grid on;</a:t>
+            </a:r>
+          </a:p>
+          <a:p>
+            <a:pPr algn="l" defTabSz="239522">
+              <a:spcBef>
+                <a:spcPts val="200"/>
+              </a:spcBef>
+              <a:defRPr sz="1230"/>
+            </a:pPr>
+            <a:r>
+              <a:t>        xlabel(handles.axes3,'Time Step')</a:t>
+            </a:r>
+          </a:p>
+          <a:p>
+            <a:pPr algn="l" defTabSz="239522">
+              <a:spcBef>
+                <a:spcPts val="200"/>
+              </a:spcBef>
+              <a:defRPr sz="1230"/>
+            </a:pPr>
+            <a:r>
+              <a:t>        ylabel(handles.axes3,'Precios domesticos')</a:t>
+            </a:r>
+          </a:p>
+          <a:p>
+            <a:pPr algn="l" defTabSz="239522">
+              <a:spcBef>
+                <a:spcPts val="200"/>
+              </a:spcBef>
+              <a:defRPr sz="1230"/>
+            </a:pPr>
+          </a:p>
+          <a:p>
+            <a:pPr algn="l" defTabSz="239522">
+              <a:spcBef>
+                <a:spcPts val="200"/>
+              </a:spcBef>
+              <a:defRPr sz="1230"/>
+            </a:pPr>
+            <a:r>
+              <a:t>        smoothening = 0.05;</a:t>
+            </a:r>
+          </a:p>
+          <a:p>
+            <a:pPr algn="l" defTabSz="239522">
+              <a:spcBef>
+                <a:spcPts val="200"/>
+              </a:spcBef>
+              <a:defRPr sz="1230"/>
+            </a:pPr>
+            <a:r>
+              <a:t>        %Calculamos pr?ximo punto partiendo de matrices</a:t>
+            </a:r>
+          </a:p>
+          <a:p>
+            <a:pPr algn="l" defTabSz="239522">
+              <a:spcBef>
+                <a:spcPts val="200"/>
+              </a:spcBef>
+              <a:defRPr sz="1230"/>
+            </a:pPr>
+            <a:r>
+              <a:t>        Mt = (A*[Pt;St] + b)*smoothening;</a:t>
+            </a:r>
+          </a:p>
+          <a:p>
+            <a:pPr algn="l" defTabSz="239522">
+              <a:spcBef>
+                <a:spcPts val="200"/>
+              </a:spcBef>
+              <a:defRPr sz="1230"/>
+            </a:pPr>
+            <a:r>
+              <a:t>        Pt = Mt(1,1) + Pt;</a:t>
+            </a:r>
+          </a:p>
+          <a:p>
+            <a:pPr algn="l" defTabSz="239522">
+              <a:spcBef>
+                <a:spcPts val="200"/>
+              </a:spcBef>
+              <a:defRPr sz="1230"/>
+            </a:pPr>
+            <a:r>
+              <a:t>        St = Mt(2,1) + St;</a:t>
+            </a:r>
+          </a:p>
+          <a:p>
+            <a:pPr algn="l" defTabSz="239522">
+              <a:spcBef>
+                <a:spcPts val="200"/>
+              </a:spcBef>
+              <a:defRPr sz="1230"/>
+            </a:pPr>
+          </a:p>
+          <a:p>
+            <a:pPr algn="l" defTabSz="239522">
+              <a:spcBef>
+                <a:spcPts val="200"/>
+              </a:spcBef>
+              <a:defRPr sz="1230"/>
+            </a:pPr>
+            <a:r>
+              <a:t>        %pausamos el computo 0.15 segundos</a:t>
+            </a:r>
+          </a:p>
+          <a:p>
+            <a:pPr algn="l" defTabSz="239522">
+              <a:spcBef>
+                <a:spcPts val="200"/>
+              </a:spcBef>
+              <a:defRPr sz="1230"/>
+            </a:pPr>
+            <a:r>
+              <a:t>        pause(0.15)</a:t>
+            </a:r>
+          </a:p>
+          <a:p>
+            <a:pPr algn="l" defTabSz="239522">
+              <a:spcBef>
+                <a:spcPts val="200"/>
+              </a:spcBef>
+              <a:defRPr sz="1230"/>
+            </a:pPr>
+            <a:r>
+              <a:t>    else</a:t>
+            </a:r>
+          </a:p>
+          <a:p>
+            <a:pPr algn="l" defTabSz="239522">
+              <a:spcBef>
+                <a:spcPts val="200"/>
+              </a:spcBef>
+              <a:defRPr sz="1230"/>
+            </a:pPr>
+            <a:r>
+              <a:t>    end</a:t>
+            </a:r>
+          </a:p>
+          <a:p>
+            <a:pPr algn="l" defTabSz="239522">
+              <a:spcBef>
+                <a:spcPts val="200"/>
+              </a:spcBef>
+              <a:defRPr sz="1230"/>
+            </a:pPr>
+            <a:r>
+              <a:t>    i = i+1;</a:t>
+            </a:r>
+          </a:p>
+          <a:p>
+            <a:pPr algn="l" defTabSz="239522">
+              <a:spcBef>
+                <a:spcPts val="200"/>
+              </a:spcBef>
+              <a:defRPr sz="1230"/>
+            </a:pPr>
+            <a:r>
+              <a:t>end;</a:t>
             </a:r>
           </a:p>
         </p:txBody>
@@ -4977,7 +4650,7 @@
       </p:grpSpPr>
       <p:sp>
         <p:nvSpPr>
-          <p:cNvPr id="166" name="Shape 166"/>
+          <p:cNvPr id="165" name="Shape 165"/>
           <p:cNvSpPr/>
           <p:nvPr>
             <p:ph type="title"/>
@@ -4994,24 +4667,22 @@
         </p:spPr>
         <p:txBody>
           <a:bodyPr/>
-          <a:lstStyle/>
-          <a:p>
-            <a:pPr defTabSz="391414">
-              <a:defRPr sz="5360"/>
-            </a:pPr>
-            <a:r>
-              <a:t>Trayectoria por saddle path dado s</a:t>
-            </a:r>
-            <a:r>
-              <a:rPr baseline="-5999"/>
-              <a:t>o</a:t>
+          <a:lstStyle>
+            <a:lvl1pPr defTabSz="368045">
+              <a:defRPr sz="5040"/>
+            </a:lvl1pPr>
+          </a:lstStyle>
+          <a:p>
+            <a:pPr/>
+            <a:r>
+              <a:t>Diagrama Brazo estable - saddle path</a:t>
             </a:r>
           </a:p>
         </p:txBody>
       </p:sp>
       <p:sp>
         <p:nvSpPr>
-          <p:cNvPr id="167" name="Shape 167"/>
+          <p:cNvPr id="166" name="Shape 166"/>
           <p:cNvSpPr/>
           <p:nvPr>
             <p:ph type="body" sz="half" idx="1"/>
@@ -5030,431 +4701,265 @@
           <a:bodyPr/>
           <a:lstStyle/>
           <a:p>
-            <a:pPr marL="0" indent="0" defTabSz="356362">
-              <a:spcBef>
-                <a:spcPts val="300"/>
-              </a:spcBef>
-              <a:buSzTx/>
-              <a:buNone/>
-              <a:defRPr sz="1098"/>
-            </a:pPr>
-            <a:r>
-              <a:t>function pushbutton3_Callback(hObject, eventdata, handles)</a:t>
-            </a:r>
-          </a:p>
-          <a:p>
-            <a:pPr marL="0" indent="0" defTabSz="356362">
-              <a:spcBef>
-                <a:spcPts val="300"/>
-              </a:spcBef>
-              <a:buSzTx/>
-              <a:buNone/>
-              <a:defRPr sz="1098"/>
+            <a:pPr marL="0" indent="0" defTabSz="508254">
+              <a:spcBef>
+                <a:spcPts val="400"/>
+              </a:spcBef>
+              <a:buSzTx/>
+              <a:buNone/>
+              <a:defRPr sz="1566"/>
+            </a:pPr>
+          </a:p>
+          <a:p>
+            <a:pPr marL="0" indent="0" defTabSz="508254">
+              <a:spcBef>
+                <a:spcPts val="400"/>
+              </a:spcBef>
+              <a:buSzTx/>
+              <a:buNone/>
+              <a:defRPr sz="1566"/>
+            </a:pPr>
+          </a:p>
+          <a:p>
+            <a:pPr marL="0" indent="0" defTabSz="508254">
+              <a:spcBef>
+                <a:spcPts val="400"/>
+              </a:spcBef>
+              <a:buSzTx/>
+              <a:buNone/>
+              <a:defRPr sz="1566"/>
+            </a:pPr>
+            <a:r>
+              <a:t>function pushbutton4_Callback(hObject, eventdata, handles)</a:t>
+            </a:r>
+          </a:p>
+          <a:p>
+            <a:pPr marL="0" indent="0" defTabSz="508254">
+              <a:spcBef>
+                <a:spcPts val="400"/>
+              </a:spcBef>
+              <a:buSzTx/>
+              <a:buNone/>
+              <a:defRPr sz="1566"/>
             </a:pPr>
             <a:r>
               <a:t>ybar = log(getNumberValue('ybar_i'));</a:t>
             </a:r>
           </a:p>
           <a:p>
-            <a:pPr marL="0" indent="0" defTabSz="356362">
-              <a:spcBef>
-                <a:spcPts val="300"/>
-              </a:spcBef>
-              <a:buSzTx/>
-              <a:buNone/>
-              <a:defRPr sz="1098"/>
+            <a:pPr marL="0" indent="0" defTabSz="508254">
+              <a:spcBef>
+                <a:spcPts val="400"/>
+              </a:spcBef>
+              <a:buSzTx/>
+              <a:buNone/>
+              <a:defRPr sz="1566"/>
             </a:pPr>
             <a:r>
               <a:t>istar = log(getNumberValue('istar_i'));</a:t>
             </a:r>
           </a:p>
           <a:p>
-            <a:pPr marL="0" indent="0" defTabSz="356362">
-              <a:spcBef>
-                <a:spcPts val="300"/>
-              </a:spcBef>
-              <a:buSzTx/>
-              <a:buNone/>
-              <a:defRPr sz="1098"/>
+            <a:pPr marL="0" indent="0" defTabSz="508254">
+              <a:spcBef>
+                <a:spcPts val="400"/>
+              </a:spcBef>
+              <a:buSzTx/>
+              <a:buNone/>
+              <a:defRPr sz="1566"/>
             </a:pPr>
             <a:r>
               <a:t>pstar = log(getNumberValue('pstar_i'));</a:t>
             </a:r>
           </a:p>
           <a:p>
-            <a:pPr marL="0" indent="0" defTabSz="356362">
-              <a:spcBef>
-                <a:spcPts val="300"/>
-              </a:spcBef>
-              <a:buSzTx/>
-              <a:buNone/>
-              <a:defRPr sz="1098"/>
+            <a:pPr marL="0" indent="0" defTabSz="508254">
+              <a:spcBef>
+                <a:spcPts val="400"/>
+              </a:spcBef>
+              <a:buSzTx/>
+              <a:buNone/>
+              <a:defRPr sz="1566"/>
             </a:pPr>
             <a:r>
               <a:t>m = log(getNumberValue('m'));</a:t>
             </a:r>
           </a:p>
           <a:p>
-            <a:pPr marL="0" indent="0" defTabSz="356362">
-              <a:spcBef>
-                <a:spcPts val="300"/>
-              </a:spcBef>
-              <a:buSzTx/>
-              <a:buNone/>
-              <a:defRPr sz="1098"/>
-            </a:pPr>
-          </a:p>
-          <a:p>
-            <a:pPr marL="0" indent="0" defTabSz="356362">
-              <a:spcBef>
-                <a:spcPts val="300"/>
-              </a:spcBef>
-              <a:buSzTx/>
-              <a:buNone/>
-              <a:defRPr sz="1098"/>
+            <a:pPr marL="0" indent="0" defTabSz="508254">
+              <a:spcBef>
+                <a:spcPts val="400"/>
+              </a:spcBef>
+              <a:buSzTx/>
+              <a:buNone/>
+              <a:defRPr sz="1566"/>
+            </a:pPr>
+          </a:p>
+          <a:p>
+            <a:pPr marL="0" indent="0" defTabSz="508254">
+              <a:spcBef>
+                <a:spcPts val="400"/>
+              </a:spcBef>
+              <a:buSzTx/>
+              <a:buNone/>
+              <a:defRPr sz="1566"/>
             </a:pPr>
             <a:r>
               <a:t>theta = getNumberValue('theta_i');</a:t>
             </a:r>
           </a:p>
           <a:p>
-            <a:pPr marL="0" indent="0" defTabSz="356362">
-              <a:spcBef>
-                <a:spcPts val="300"/>
-              </a:spcBef>
-              <a:buSzTx/>
-              <a:buNone/>
-              <a:defRPr sz="1098"/>
+            <a:pPr marL="0" indent="0" defTabSz="508254">
+              <a:spcBef>
+                <a:spcPts val="400"/>
+              </a:spcBef>
+              <a:buSzTx/>
+              <a:buNone/>
+              <a:defRPr sz="1566"/>
             </a:pPr>
             <a:r>
               <a:t>lambda = getNumberValue('lambda_i');</a:t>
             </a:r>
           </a:p>
           <a:p>
-            <a:pPr marL="0" indent="0" defTabSz="356362">
-              <a:spcBef>
-                <a:spcPts val="300"/>
-              </a:spcBef>
-              <a:buSzTx/>
-              <a:buNone/>
-              <a:defRPr sz="1098"/>
+            <a:pPr marL="0" indent="0" defTabSz="508254">
+              <a:spcBef>
+                <a:spcPts val="400"/>
+              </a:spcBef>
+              <a:buSzTx/>
+              <a:buNone/>
+              <a:defRPr sz="1566"/>
             </a:pPr>
             <a:r>
               <a:t>delta = getNumberValue('delta_i');</a:t>
             </a:r>
           </a:p>
           <a:p>
-            <a:pPr marL="0" indent="0" defTabSz="356362">
-              <a:spcBef>
-                <a:spcPts val="300"/>
-              </a:spcBef>
-              <a:buSzTx/>
-              <a:buNone/>
-              <a:defRPr sz="1098"/>
+            <a:pPr marL="0" indent="0" defTabSz="508254">
+              <a:spcBef>
+                <a:spcPts val="400"/>
+              </a:spcBef>
+              <a:buSzTx/>
+              <a:buNone/>
+              <a:defRPr sz="1566"/>
             </a:pPr>
             <a:r>
               <a:t>sigma = getNumberValue('sigma_i');</a:t>
             </a:r>
           </a:p>
           <a:p>
-            <a:pPr marL="0" indent="0" defTabSz="356362">
-              <a:spcBef>
-                <a:spcPts val="300"/>
-              </a:spcBef>
-              <a:buSzTx/>
-              <a:buNone/>
-              <a:defRPr sz="1098"/>
+            <a:pPr marL="0" indent="0" defTabSz="508254">
+              <a:spcBef>
+                <a:spcPts val="400"/>
+              </a:spcBef>
+              <a:buSzTx/>
+              <a:buNone/>
+              <a:defRPr sz="1566"/>
             </a:pPr>
             <a:r>
               <a:t>alpha = getNumberValue('alpha_i');</a:t>
             </a:r>
           </a:p>
           <a:p>
-            <a:pPr marL="0" indent="0" defTabSz="356362">
-              <a:spcBef>
-                <a:spcPts val="300"/>
-              </a:spcBef>
-              <a:buSzTx/>
-              <a:buNone/>
-              <a:defRPr sz="1098"/>
-            </a:pPr>
-          </a:p>
-          <a:p>
-            <a:pPr marL="0" indent="0" defTabSz="356362">
-              <a:spcBef>
-                <a:spcPts val="300"/>
-              </a:spcBef>
-              <a:buSzTx/>
-              <a:buNone/>
-              <a:defRPr sz="1098"/>
+            <a:pPr marL="0" indent="0" defTabSz="508254">
+              <a:spcBef>
+                <a:spcPts val="400"/>
+              </a:spcBef>
+              <a:buSzTx/>
+              <a:buNone/>
+              <a:defRPr sz="1566"/>
+            </a:pPr>
+          </a:p>
+          <a:p>
+            <a:pPr marL="0" indent="0" defTabSz="508254">
+              <a:spcBef>
+                <a:spcPts val="400"/>
+              </a:spcBef>
+              <a:buSzTx/>
+              <a:buNone/>
+              <a:defRPr sz="1566"/>
             </a:pPr>
             <a:r>
               <a:t>limit = 6;</a:t>
             </a:r>
           </a:p>
           <a:p>
-            <a:pPr marL="0" indent="0" defTabSz="356362">
-              <a:spcBef>
-                <a:spcPts val="300"/>
-              </a:spcBef>
-              <a:buSzTx/>
-              <a:buNone/>
-              <a:defRPr sz="1098"/>
-            </a:pPr>
-            <a:r>
-              <a:t>%Condiciones Iniciales</a:t>
-            </a:r>
-          </a:p>
-          <a:p>
-            <a:pPr marL="0" indent="0" defTabSz="356362">
-              <a:spcBef>
-                <a:spcPts val="300"/>
-              </a:spcBef>
-              <a:buSzTx/>
-              <a:buNone/>
-              <a:defRPr sz="1098"/>
-            </a:pPr>
-            <a:r>
-              <a:t>St = getNumberValue('S0_saddle');</a:t>
-            </a:r>
-          </a:p>
-          <a:p>
-            <a:pPr marL="0" indent="0" defTabSz="356362">
-              <a:spcBef>
-                <a:spcPts val="300"/>
-              </a:spcBef>
-              <a:buSzTx/>
-              <a:buNone/>
-              <a:defRPr sz="1098"/>
-            </a:pPr>
-          </a:p>
-          <a:p>
-            <a:pPr marL="0" indent="0" defTabSz="356362">
-              <a:spcBef>
-                <a:spcPts val="300"/>
-              </a:spcBef>
-              <a:buSzTx/>
-              <a:buNone/>
-              <a:defRPr sz="1098"/>
+            <a:pPr marL="0" indent="0" defTabSz="508254">
+              <a:spcBef>
+                <a:spcPts val="400"/>
+              </a:spcBef>
+              <a:buSzTx/>
+              <a:buNone/>
+              <a:defRPr sz="1566"/>
             </a:pPr>
             <a:r>
               <a:t>%Determinando la matriz A y b</a:t>
             </a:r>
           </a:p>
           <a:p>
-            <a:pPr marL="0" indent="0" defTabSz="356362">
-              <a:spcBef>
-                <a:spcPts val="300"/>
-              </a:spcBef>
-              <a:buSzTx/>
-              <a:buNone/>
-              <a:defRPr sz="1098"/>
+            <a:pPr marL="0" indent="0" defTabSz="508254">
+              <a:spcBef>
+                <a:spcPts val="400"/>
+              </a:spcBef>
+              <a:buSzTx/>
+              <a:buNone/>
+              <a:defRPr sz="1566"/>
             </a:pPr>
             <a:r>
               <a:t>A = [(-alpha)*(delta + sigma/lambda) alpha*delta; 1/lambda 0];</a:t>
             </a:r>
           </a:p>
           <a:p>
-            <a:pPr marL="0" indent="0" defTabSz="356362">
-              <a:spcBef>
-                <a:spcPts val="300"/>
-              </a:spcBef>
-              <a:buSzTx/>
-              <a:buNone/>
-              <a:defRPr sz="1098"/>
+            <a:pPr marL="0" indent="0" defTabSz="508254">
+              <a:spcBef>
+                <a:spcPts val="400"/>
+              </a:spcBef>
+              <a:buSzTx/>
+              <a:buNone/>
+              <a:defRPr sz="1566"/>
             </a:pPr>
             <a:r>
               <a:t>b = [alpha*((sigma*m)*(1/lambda) - (1 + (sigma*theta)*(1/lambda))*ybar) ; (1/lambda)*(theta*ybar - m) - istar];</a:t>
             </a:r>
           </a:p>
           <a:p>
-            <a:pPr marL="0" indent="0" defTabSz="356362">
-              <a:spcBef>
-                <a:spcPts val="300"/>
-              </a:spcBef>
-              <a:buSzTx/>
-              <a:buNone/>
-              <a:defRPr sz="1098"/>
+            <a:pPr marL="0" indent="0" defTabSz="508254">
+              <a:spcBef>
+                <a:spcPts val="400"/>
+              </a:spcBef>
+              <a:buSzTx/>
+              <a:buNone/>
+              <a:defRPr sz="1566"/>
             </a:pPr>
             <a:r>
               <a:t>Mss = -(A^-1)*b;</a:t>
             </a:r>
           </a:p>
           <a:p>
-            <a:pPr marL="0" indent="0" defTabSz="356362">
-              <a:spcBef>
-                <a:spcPts val="300"/>
-              </a:spcBef>
-              <a:buSzTx/>
-              <a:buNone/>
-              <a:defRPr sz="1098"/>
-            </a:pPr>
-          </a:p>
-          <a:p>
-            <a:pPr marL="0" indent="0" defTabSz="356362">
-              <a:spcBef>
-                <a:spcPts val="300"/>
-              </a:spcBef>
-              <a:buSzTx/>
-              <a:buNone/>
-              <a:defRPr sz="1098"/>
-            </a:pPr>
-            <a:r>
-              <a:t>% Valores de Estado Estacionario</a:t>
-            </a:r>
-          </a:p>
-          <a:p>
-            <a:pPr marL="0" indent="0" defTabSz="356362">
-              <a:spcBef>
-                <a:spcPts val="300"/>
-              </a:spcBef>
-              <a:buSzTx/>
-              <a:buNone/>
-              <a:defRPr sz="1098"/>
-            </a:pPr>
-            <a:r>
-              <a:t>Pss = getNumberValue('pss')</a:t>
-            </a:r>
-          </a:p>
-          <a:p>
-            <a:pPr marL="0" indent="0" defTabSz="356362">
-              <a:spcBef>
-                <a:spcPts val="300"/>
-              </a:spcBef>
-              <a:buSzTx/>
-              <a:buNone/>
-              <a:defRPr sz="1098"/>
-            </a:pPr>
-            <a:r>
-              <a:t>Sss = getNumberValue('sss')</a:t>
-            </a:r>
-          </a:p>
-          <a:p>
-            <a:pPr marL="0" indent="0" defTabSz="356362">
-              <a:spcBef>
-                <a:spcPts val="300"/>
-              </a:spcBef>
-              <a:buSzTx/>
-              <a:buNone/>
-              <a:defRPr sz="1098"/>
-            </a:pPr>
-          </a:p>
-          <a:p>
-            <a:pPr marL="0" indent="0" defTabSz="356362">
-              <a:spcBef>
-                <a:spcPts val="300"/>
-              </a:spcBef>
-              <a:buSzTx/>
-              <a:buNone/>
-              <a:defRPr sz="1098"/>
-            </a:pPr>
-            <a:r>
-              <a:t>%Calculando las raices</a:t>
-            </a:r>
-          </a:p>
-          <a:p>
-            <a:pPr marL="0" indent="0" defTabSz="356362">
-              <a:spcBef>
-                <a:spcPts val="300"/>
-              </a:spcBef>
-              <a:buSzTx/>
-              <a:buNone/>
-              <a:defRPr sz="1098"/>
-            </a:pPr>
-            <a:r>
-              <a:t>trA = -alpha*(delta + (sigma/lambda));</a:t>
-            </a:r>
-          </a:p>
-          <a:p>
-            <a:pPr marL="0" indent="0" defTabSz="356362">
-              <a:spcBef>
-                <a:spcPts val="300"/>
-              </a:spcBef>
-              <a:buSzTx/>
-              <a:buNone/>
-              <a:defRPr sz="1098"/>
-            </a:pPr>
-            <a:r>
-              <a:t>DELTA = (alpha^2)*(delta + (sigma/lambda))^2 + 4*(alpha*delta/lambda);</a:t>
-            </a:r>
-          </a:p>
-          <a:p>
-            <a:pPr marL="0" indent="0" defTabSz="356362">
-              <a:spcBef>
-                <a:spcPts val="300"/>
-              </a:spcBef>
-              <a:buSzTx/>
-              <a:buNone/>
-              <a:defRPr sz="1098"/>
-            </a:pPr>
-            <a:r>
-              <a:t>tau2 = ((trA) - sqrt(DELTA))/2;</a:t>
-            </a:r>
-          </a:p>
-          <a:p>
-            <a:pPr marL="0" indent="0" defTabSz="356362">
-              <a:spcBef>
-                <a:spcPts val="300"/>
-              </a:spcBef>
-              <a:buSzTx/>
-              <a:buNone/>
-              <a:defRPr sz="1098"/>
-            </a:pPr>
-          </a:p>
-          <a:p>
-            <a:pPr marL="0" indent="0" defTabSz="356362">
-              <a:spcBef>
-                <a:spcPts val="300"/>
-              </a:spcBef>
-              <a:buSzTx/>
-              <a:buNone/>
-              <a:defRPr sz="1098"/>
-            </a:pPr>
-            <a:r>
-              <a:t>axes(handles.axes1);</a:t>
-            </a:r>
-          </a:p>
-          <a:p>
-            <a:pPr marL="0" indent="0" defTabSz="356362">
-              <a:spcBef>
-                <a:spcPts val="300"/>
-              </a:spcBef>
-              <a:buSzTx/>
-              <a:buNone/>
-              <a:defRPr sz="1098"/>
-            </a:pPr>
-          </a:p>
-          <a:p>
-            <a:pPr marL="0" indent="0" defTabSz="356362">
-              <a:spcBef>
-                <a:spcPts val="300"/>
-              </a:spcBef>
-              <a:buSzTx/>
-              <a:buNone/>
-              <a:defRPr sz="1098"/>
-            </a:pPr>
-            <a:r>
-              <a:t>% Condiciones iniciales Saddle Path</a:t>
-            </a:r>
-          </a:p>
-          <a:p>
-            <a:pPr marL="0" indent="0" defTabSz="356362">
-              <a:spcBef>
-                <a:spcPts val="300"/>
-              </a:spcBef>
-              <a:buSzTx/>
-              <a:buNone/>
-              <a:defRPr sz="1098"/>
-            </a:pPr>
-            <a:r>
-              <a:t>Pt =  (St - Sss)*(lambda*tau2) + Pss;</a:t>
-            </a:r>
+            <a:pPr marL="0" indent="0" defTabSz="508254">
+              <a:spcBef>
+                <a:spcPts val="400"/>
+              </a:spcBef>
+              <a:buSzTx/>
+              <a:buNone/>
+              <a:defRPr sz="1566"/>
+            </a:pPr>
+          </a:p>
+          <a:p>
+            <a:pPr marL="0" indent="0" defTabSz="508254">
+              <a:spcBef>
+                <a:spcPts val="400"/>
+              </a:spcBef>
+              <a:buSzTx/>
+              <a:buNone/>
+              <a:defRPr sz="1566"/>
+            </a:pPr>
           </a:p>
         </p:txBody>
       </p:sp>
       <p:sp>
         <p:nvSpPr>
-          <p:cNvPr id="168" name="Shape 168"/>
+          <p:cNvPr id="167" name="Shape 167"/>
           <p:cNvSpPr/>
           <p:nvPr/>
         </p:nvSpPr>
@@ -5481,362 +4986,170 @@
           </a:bodyPr>
           <a:lstStyle/>
           <a:p>
-            <a:pPr algn="l" defTabSz="356362">
-              <a:spcBef>
-                <a:spcPts val="300"/>
-              </a:spcBef>
-              <a:defRPr sz="1098"/>
-            </a:pPr>
-            <a:r>
-              <a:t>i=1;</a:t>
-            </a:r>
-          </a:p>
-          <a:p>
-            <a:pPr algn="l" defTabSz="356362">
-              <a:spcBef>
-                <a:spcPts val="300"/>
-              </a:spcBef>
-              <a:defRPr sz="1098"/>
-            </a:pPr>
-            <a:r>
-              <a:t>while i&lt;60;</a:t>
-            </a:r>
-          </a:p>
-          <a:p>
-            <a:pPr algn="l" defTabSz="356362">
-              <a:spcBef>
-                <a:spcPts val="300"/>
-              </a:spcBef>
-              <a:defRPr sz="1098"/>
-            </a:pPr>
-            <a:r>
-              <a:t>    %agregamos el punto anterior</a:t>
-            </a:r>
-          </a:p>
-          <a:p>
-            <a:pPr algn="l" defTabSz="356362">
-              <a:spcBef>
-                <a:spcPts val="300"/>
-              </a:spcBef>
-              <a:defRPr sz="1098"/>
-            </a:pPr>
-            <a:r>
-              <a:t>    if St &lt; limit &amp;&amp; Pt &lt; limit &amp;&amp; St &gt;= 0 &amp;&amp; Pt &gt;= -2</a:t>
-            </a:r>
-          </a:p>
-          <a:p>
-            <a:pPr algn="l" defTabSz="356362">
-              <a:spcBef>
-                <a:spcPts val="300"/>
-              </a:spcBef>
-              <a:defRPr sz="1098"/>
-            </a:pPr>
-          </a:p>
-          <a:p>
-            <a:pPr algn="l" defTabSz="356362">
-              <a:spcBef>
-                <a:spcPts val="300"/>
-              </a:spcBef>
-              <a:defRPr sz="1098"/>
-            </a:pPr>
-            <a:r>
-              <a:t>        %Plotting path</a:t>
-            </a:r>
-          </a:p>
-          <a:p>
-            <a:pPr algn="l" defTabSz="356362">
-              <a:spcBef>
-                <a:spcPts val="300"/>
-              </a:spcBef>
-              <a:defRPr sz="1098"/>
-            </a:pPr>
-            <a:r>
-              <a:t>        axes(handles.axes1);</a:t>
-            </a:r>
-          </a:p>
-          <a:p>
-            <a:pPr algn="l" defTabSz="356362">
-              <a:spcBef>
-                <a:spcPts val="300"/>
-              </a:spcBef>
-              <a:defRPr sz="1098"/>
-            </a:pPr>
-            <a:r>
-              <a:t>        plot(St,Pt,'*g');</a:t>
-            </a:r>
-          </a:p>
-          <a:p>
-            <a:pPr algn="l" defTabSz="356362">
-              <a:spcBef>
-                <a:spcPts val="300"/>
-              </a:spcBef>
-              <a:defRPr sz="1098"/>
-            </a:pPr>
-          </a:p>
-          <a:p>
-            <a:pPr algn="l" defTabSz="356362">
-              <a:spcBef>
-                <a:spcPts val="300"/>
-              </a:spcBef>
-              <a:defRPr sz="1098"/>
-            </a:pPr>
-            <a:r>
-              <a:t>        %Plotting cambios en S y P</a:t>
-            </a:r>
-          </a:p>
-          <a:p>
-            <a:pPr algn="l" defTabSz="356362">
-              <a:spcBef>
-                <a:spcPts val="300"/>
-              </a:spcBef>
-              <a:defRPr sz="1098"/>
-            </a:pPr>
-            <a:r>
-              <a:t>        axes(handles.axes2);</a:t>
-            </a:r>
-          </a:p>
-          <a:p>
-            <a:pPr algn="l" defTabSz="356362">
-              <a:spcBef>
-                <a:spcPts val="300"/>
-              </a:spcBef>
-              <a:defRPr sz="1098"/>
-            </a:pPr>
-            <a:r>
-              <a:t>        plot(i-1,St,'*r','LineWidth',1);</a:t>
-            </a:r>
-          </a:p>
-          <a:p>
-            <a:pPr algn="l" defTabSz="356362">
-              <a:spcBef>
-                <a:spcPts val="300"/>
-              </a:spcBef>
-              <a:defRPr sz="1098"/>
-            </a:pPr>
-            <a:r>
-              <a:t>        grid on;</a:t>
-            </a:r>
-          </a:p>
-          <a:p>
-            <a:pPr algn="l" defTabSz="356362">
-              <a:spcBef>
-                <a:spcPts val="300"/>
-              </a:spcBef>
-              <a:defRPr sz="1098"/>
-            </a:pPr>
-            <a:r>
-              <a:t>        xlabel(handles.axes2,'Time Step')</a:t>
-            </a:r>
-          </a:p>
-          <a:p>
-            <a:pPr algn="l" defTabSz="356362">
-              <a:spcBef>
-                <a:spcPts val="300"/>
-              </a:spcBef>
-              <a:defRPr sz="1098"/>
-            </a:pPr>
-            <a:r>
-              <a:t>        ylabel(handles.axes2,'Tipo de cambio')</a:t>
-            </a:r>
-          </a:p>
-          <a:p>
-            <a:pPr algn="l" defTabSz="356362">
-              <a:spcBef>
-                <a:spcPts val="300"/>
-              </a:spcBef>
-              <a:defRPr sz="1098"/>
-            </a:pPr>
-          </a:p>
-          <a:p>
-            <a:pPr algn="l" defTabSz="356362">
-              <a:spcBef>
-                <a:spcPts val="300"/>
-              </a:spcBef>
-              <a:defRPr sz="1098"/>
-            </a:pPr>
-            <a:r>
-              <a:t>        axes(handles.axes3);</a:t>
-            </a:r>
-          </a:p>
-          <a:p>
-            <a:pPr algn="l" defTabSz="356362">
-              <a:spcBef>
-                <a:spcPts val="300"/>
-              </a:spcBef>
-              <a:defRPr sz="1098"/>
-            </a:pPr>
-            <a:r>
-              <a:t>        plot(i-1,Pt,'*r','LineWidth',1);</a:t>
-            </a:r>
-          </a:p>
-          <a:p>
-            <a:pPr algn="l" defTabSz="356362">
-              <a:spcBef>
-                <a:spcPts val="300"/>
-              </a:spcBef>
-              <a:defRPr sz="1098"/>
-            </a:pPr>
-            <a:r>
-              <a:t>        grid on;</a:t>
-            </a:r>
-          </a:p>
-          <a:p>
-            <a:pPr algn="l" defTabSz="356362">
-              <a:spcBef>
-                <a:spcPts val="300"/>
-              </a:spcBef>
-              <a:defRPr sz="1098"/>
-            </a:pPr>
-            <a:r>
-              <a:t>        xlabel(handles.axes3,'Time Step')</a:t>
-            </a:r>
-          </a:p>
-          <a:p>
-            <a:pPr algn="l" defTabSz="356362">
-              <a:spcBef>
-                <a:spcPts val="300"/>
-              </a:spcBef>
-              <a:defRPr sz="1098"/>
-            </a:pPr>
-            <a:r>
-              <a:t>        ylabel(handles.axes3,'Precios domesticos')</a:t>
-            </a:r>
-          </a:p>
-          <a:p>
-            <a:pPr algn="l" defTabSz="356362">
-              <a:spcBef>
-                <a:spcPts val="300"/>
-              </a:spcBef>
-              <a:defRPr sz="1098"/>
-            </a:pPr>
-          </a:p>
-          <a:p>
-            <a:pPr algn="l" defTabSz="356362">
-              <a:spcBef>
-                <a:spcPts val="300"/>
-              </a:spcBef>
-              <a:defRPr sz="1098"/>
-            </a:pPr>
-            <a:r>
-              <a:t>        smoothening = 0.1;</a:t>
-            </a:r>
-          </a:p>
-          <a:p>
-            <a:pPr algn="l" defTabSz="356362">
-              <a:spcBef>
-                <a:spcPts val="300"/>
-              </a:spcBef>
-              <a:defRPr sz="1098"/>
-            </a:pPr>
-            <a:r>
-              <a:t>        %Calculamos proximo punto partiendo de matrices</a:t>
-            </a:r>
-          </a:p>
-          <a:p>
-            <a:pPr algn="l" defTabSz="356362">
-              <a:spcBef>
-                <a:spcPts val="300"/>
-              </a:spcBef>
-              <a:defRPr sz="1098"/>
-            </a:pPr>
-            <a:r>
-              <a:t>        Mt = (A*[Pt;St] + b)*smoothening;</a:t>
-            </a:r>
-          </a:p>
-          <a:p>
-            <a:pPr algn="l" defTabSz="356362">
-              <a:spcBef>
-                <a:spcPts val="300"/>
-              </a:spcBef>
-              <a:defRPr sz="1098"/>
-            </a:pPr>
-            <a:r>
-              <a:t>        Pt = Mt(1,1) + Pt;</a:t>
-            </a:r>
-          </a:p>
-          <a:p>
-            <a:pPr algn="l" defTabSz="356362">
-              <a:spcBef>
-                <a:spcPts val="300"/>
-              </a:spcBef>
-              <a:defRPr sz="1098"/>
-            </a:pPr>
-            <a:r>
-              <a:t>        St = Mt(2,1) + St;</a:t>
-            </a:r>
-          </a:p>
-          <a:p>
-            <a:pPr algn="l" defTabSz="356362">
-              <a:spcBef>
-                <a:spcPts val="300"/>
-              </a:spcBef>
-              <a:defRPr sz="1098"/>
-            </a:pPr>
-          </a:p>
-          <a:p>
-            <a:pPr algn="l" defTabSz="356362">
-              <a:spcBef>
-                <a:spcPts val="300"/>
-              </a:spcBef>
-              <a:defRPr sz="1098"/>
-            </a:pPr>
-            <a:r>
-              <a:t>        %pausamos el computo 0.15 segundos</a:t>
-            </a:r>
-          </a:p>
-          <a:p>
-            <a:pPr algn="l" defTabSz="356362">
-              <a:spcBef>
-                <a:spcPts val="300"/>
-              </a:spcBef>
-              <a:defRPr sz="1098"/>
-            </a:pPr>
-            <a:r>
-              <a:t>        pause(0.15)</a:t>
-            </a:r>
-          </a:p>
-          <a:p>
-            <a:pPr algn="l" defTabSz="356362">
-              <a:spcBef>
-                <a:spcPts val="300"/>
-              </a:spcBef>
-              <a:defRPr sz="1098"/>
-            </a:pPr>
-            <a:r>
-              <a:t>    else</a:t>
-            </a:r>
-          </a:p>
-          <a:p>
-            <a:pPr algn="l" defTabSz="356362">
-              <a:spcBef>
-                <a:spcPts val="300"/>
-              </a:spcBef>
-              <a:defRPr sz="1098"/>
-            </a:pPr>
-            <a:r>
-              <a:t>    end</a:t>
-            </a:r>
-          </a:p>
-          <a:p>
-            <a:pPr algn="l" defTabSz="356362">
-              <a:spcBef>
-                <a:spcPts val="300"/>
-              </a:spcBef>
-              <a:defRPr sz="1098"/>
-            </a:pPr>
-            <a:r>
-              <a:t>    i = i+1;</a:t>
-            </a:r>
-          </a:p>
-          <a:p>
-            <a:pPr algn="l" defTabSz="356362">
-              <a:spcBef>
-                <a:spcPts val="300"/>
-              </a:spcBef>
-              <a:defRPr sz="1098"/>
-            </a:pPr>
-            <a:r>
-              <a:t>end;</a:t>
+            <a:pPr algn="l">
+              <a:spcBef>
+                <a:spcPts val="500"/>
+              </a:spcBef>
+              <a:defRPr sz="1800"/>
+            </a:pPr>
+            <a:r>
+              <a:t>% Valores de Estado Estacionario</a:t>
+            </a:r>
+          </a:p>
+          <a:p>
+            <a:pPr algn="l">
+              <a:spcBef>
+                <a:spcPts val="500"/>
+              </a:spcBef>
+              <a:defRPr sz="1800"/>
+            </a:pPr>
+            <a:r>
+              <a:t>Pss = Mss(1,1);</a:t>
+            </a:r>
+          </a:p>
+          <a:p>
+            <a:pPr algn="l">
+              <a:spcBef>
+                <a:spcPts val="500"/>
+              </a:spcBef>
+              <a:defRPr sz="1800"/>
+            </a:pPr>
+            <a:r>
+              <a:t>Sss = Mss(2,1);</a:t>
+            </a:r>
+          </a:p>
+          <a:p>
+            <a:pPr algn="l">
+              <a:spcBef>
+                <a:spcPts val="500"/>
+              </a:spcBef>
+              <a:defRPr sz="1800"/>
+            </a:pPr>
+          </a:p>
+          <a:p>
+            <a:pPr algn="l">
+              <a:spcBef>
+                <a:spcPts val="500"/>
+              </a:spcBef>
+              <a:defRPr sz="1800"/>
+            </a:pPr>
+            <a:r>
+              <a:t>%Calculando las ra?ces</a:t>
+            </a:r>
+          </a:p>
+          <a:p>
+            <a:pPr algn="l">
+              <a:spcBef>
+                <a:spcPts val="500"/>
+              </a:spcBef>
+              <a:defRPr sz="1800"/>
+            </a:pPr>
+            <a:r>
+              <a:t>trA = -alpha*(delta + (sigma/lambda));</a:t>
+            </a:r>
+          </a:p>
+          <a:p>
+            <a:pPr algn="l">
+              <a:spcBef>
+                <a:spcPts val="500"/>
+              </a:spcBef>
+              <a:defRPr sz="1800"/>
+            </a:pPr>
+            <a:r>
+              <a:t>DELTA = (alpha^2)*(delta + (sigma/lambda))^2 + 4*(alpha*delta/lambda);</a:t>
+            </a:r>
+          </a:p>
+          <a:p>
+            <a:pPr algn="l">
+              <a:spcBef>
+                <a:spcPts val="500"/>
+              </a:spcBef>
+              <a:defRPr sz="1800"/>
+            </a:pPr>
+            <a:r>
+              <a:t>tau2 = ((trA) - sqrt(DELTA))/2;</a:t>
+            </a:r>
+          </a:p>
+          <a:p>
+            <a:pPr algn="l">
+              <a:spcBef>
+                <a:spcPts val="500"/>
+              </a:spcBef>
+              <a:defRPr sz="1800"/>
+            </a:pPr>
+          </a:p>
+          <a:p>
+            <a:pPr algn="l">
+              <a:spcBef>
+                <a:spcPts val="500"/>
+              </a:spcBef>
+              <a:defRPr sz="1800"/>
+            </a:pPr>
+            <a:r>
+              <a:t>St = 0 : 1 : 4;</a:t>
+            </a:r>
+          </a:p>
+          <a:p>
+            <a:pPr algn="l">
+              <a:spcBef>
+                <a:spcPts val="500"/>
+              </a:spcBef>
+              <a:defRPr sz="1800"/>
+            </a:pPr>
+            <a:r>
+              <a:t>axes(handles.axes1);</a:t>
+            </a:r>
+          </a:p>
+          <a:p>
+            <a:pPr algn="l">
+              <a:spcBef>
+                <a:spcPts val="500"/>
+              </a:spcBef>
+              <a:defRPr sz="1800"/>
+            </a:pPr>
+            <a:r>
+              <a:t>% Brazo estable - saddle path</a:t>
+            </a:r>
+          </a:p>
+          <a:p>
+            <a:pPr algn="l">
+              <a:spcBef>
+                <a:spcPts val="500"/>
+              </a:spcBef>
+              <a:defRPr sz="1800"/>
+            </a:pPr>
+            <a:r>
+              <a:t>p_saddle = (St - Sss + (1/(lambda*tau2))*Pss)*(lambda*tau2);</a:t>
+            </a:r>
+          </a:p>
+          <a:p>
+            <a:pPr algn="l">
+              <a:spcBef>
+                <a:spcPts val="500"/>
+              </a:spcBef>
+              <a:defRPr sz="1800"/>
+            </a:pPr>
+          </a:p>
+          <a:p>
+            <a:pPr algn="l">
+              <a:spcBef>
+                <a:spcPts val="500"/>
+              </a:spcBef>
+              <a:defRPr sz="1800"/>
+            </a:pPr>
+            <a:r>
+              <a:t>plot(St,p_saddle,':y','LineWidth',3); hold on;</a:t>
+            </a:r>
+          </a:p>
+          <a:p>
+            <a:pPr algn="l">
+              <a:spcBef>
+                <a:spcPts val="500"/>
+              </a:spcBef>
+              <a:defRPr sz="1800"/>
+            </a:pPr>
+            <a:r>
+              <a:t>legend('Curva de fase S','Curva de fase P','equilibrio de EE','Brazo estable')</a:t>
             </a:r>
           </a:p>
         </p:txBody>
@@ -5869,7 +5182,7 @@
       </p:grpSpPr>
       <p:sp>
         <p:nvSpPr>
-          <p:cNvPr id="170" name="Shape 170"/>
+          <p:cNvPr id="169" name="Shape 169"/>
           <p:cNvSpPr/>
           <p:nvPr>
             <p:ph type="title"/>
@@ -5886,22 +5199,24 @@
         </p:spPr>
         <p:txBody>
           <a:bodyPr/>
-          <a:lstStyle>
-            <a:lvl1pPr defTabSz="455675">
-              <a:defRPr sz="6240"/>
-            </a:lvl1pPr>
-          </a:lstStyle>
-          <a:p>
-            <a:pPr/>
-            <a:r>
-              <a:t>Shock a la oferta monetaria</a:t>
+          <a:lstStyle/>
+          <a:p>
+            <a:pPr defTabSz="391414">
+              <a:defRPr sz="5360"/>
+            </a:pPr>
+            <a:r>
+              <a:t>Trayectoria por saddle path dado s</a:t>
+            </a:r>
+            <a:r>
+              <a:rPr baseline="-5999"/>
+              <a:t>o</a:t>
             </a:r>
           </a:p>
         </p:txBody>
       </p:sp>
       <p:sp>
         <p:nvSpPr>
-          <p:cNvPr id="171" name="Shape 171"/>
+          <p:cNvPr id="170" name="Shape 170"/>
           <p:cNvSpPr/>
           <p:nvPr>
             <p:ph type="body" sz="half" idx="1"/>
@@ -5909,7 +5224,7 @@
         </p:nvSpPr>
         <p:spPr>
           <a:xfrm>
-            <a:off x="1104900" y="1589714"/>
+            <a:off x="952500" y="1589714"/>
             <a:ext cx="5499688" cy="7300286"/>
           </a:xfrm>
           <a:prstGeom prst="rect">
@@ -5920,712 +5235,431 @@
           <a:bodyPr/>
           <a:lstStyle/>
           <a:p>
-            <a:pPr marL="0" indent="0" defTabSz="233679">
-              <a:spcBef>
-                <a:spcPts val="200"/>
-              </a:spcBef>
-              <a:buSzTx/>
-              <a:buNone/>
-              <a:defRPr sz="720"/>
-            </a:pPr>
-            <a:r>
-              <a:t>function pushbutton5_Callback(hObject, eventdata, handles)</a:t>
-            </a:r>
-          </a:p>
-          <a:p>
-            <a:pPr marL="0" indent="0" defTabSz="233679">
-              <a:spcBef>
-                <a:spcPts val="200"/>
-              </a:spcBef>
-              <a:buSzTx/>
-              <a:buNone/>
-              <a:defRPr sz="720"/>
+            <a:pPr marL="0" indent="0" defTabSz="356362">
+              <a:spcBef>
+                <a:spcPts val="300"/>
+              </a:spcBef>
+              <a:buSzTx/>
+              <a:buNone/>
+              <a:defRPr sz="1098"/>
+            </a:pPr>
+            <a:r>
+              <a:t>function pushbutton3_Callback(hObject, eventdata, handles)</a:t>
+            </a:r>
+          </a:p>
+          <a:p>
+            <a:pPr marL="0" indent="0" defTabSz="356362">
+              <a:spcBef>
+                <a:spcPts val="300"/>
+              </a:spcBef>
+              <a:buSzTx/>
+              <a:buNone/>
+              <a:defRPr sz="1098"/>
             </a:pPr>
             <a:r>
               <a:t>ybar = log(getNumberValue('ybar_i'));</a:t>
             </a:r>
           </a:p>
           <a:p>
-            <a:pPr marL="0" indent="0" defTabSz="233679">
-              <a:spcBef>
-                <a:spcPts val="200"/>
-              </a:spcBef>
-              <a:buSzTx/>
-              <a:buNone/>
-              <a:defRPr sz="720"/>
+            <a:pPr marL="0" indent="0" defTabSz="356362">
+              <a:spcBef>
+                <a:spcPts val="300"/>
+              </a:spcBef>
+              <a:buSzTx/>
+              <a:buNone/>
+              <a:defRPr sz="1098"/>
             </a:pPr>
             <a:r>
               <a:t>istar = log(getNumberValue('istar_i'));</a:t>
             </a:r>
           </a:p>
           <a:p>
-            <a:pPr marL="0" indent="0" defTabSz="233679">
-              <a:spcBef>
-                <a:spcPts val="200"/>
-              </a:spcBef>
-              <a:buSzTx/>
-              <a:buNone/>
-              <a:defRPr sz="720"/>
+            <a:pPr marL="0" indent="0" defTabSz="356362">
+              <a:spcBef>
+                <a:spcPts val="300"/>
+              </a:spcBef>
+              <a:buSzTx/>
+              <a:buNone/>
+              <a:defRPr sz="1098"/>
             </a:pPr>
             <a:r>
               <a:t>pstar = log(getNumberValue('pstar_i'));</a:t>
             </a:r>
           </a:p>
           <a:p>
-            <a:pPr marL="0" indent="0" defTabSz="233679">
-              <a:spcBef>
-                <a:spcPts val="200"/>
-              </a:spcBef>
-              <a:buSzTx/>
-              <a:buNone/>
-              <a:defRPr sz="720"/>
-            </a:pPr>
-            <a:r>
-              <a:t>m = log(getNumberValue('m_nuevo') + getNumberValue('m'));</a:t>
-            </a:r>
-          </a:p>
-          <a:p>
-            <a:pPr marL="0" indent="0" defTabSz="233679">
-              <a:spcBef>
-                <a:spcPts val="200"/>
-              </a:spcBef>
-              <a:buSzTx/>
-              <a:buNone/>
-              <a:defRPr sz="720"/>
-            </a:pPr>
-          </a:p>
-          <a:p>
-            <a:pPr marL="0" indent="0" defTabSz="233679">
-              <a:spcBef>
-                <a:spcPts val="200"/>
-              </a:spcBef>
-              <a:buSzTx/>
-              <a:buNone/>
-              <a:defRPr sz="720"/>
-            </a:pPr>
-            <a:r>
-              <a:t>%Shock a la oferta monetaria propagado a la GUI</a:t>
-            </a:r>
-          </a:p>
-          <a:p>
-            <a:pPr marL="0" indent="0" defTabSz="233679">
-              <a:spcBef>
-                <a:spcPts val="200"/>
-              </a:spcBef>
-              <a:buSzTx/>
-              <a:buNone/>
-              <a:defRPr sz="720"/>
-            </a:pPr>
-            <a:r>
-              <a:t>m_o =findobj('Tag','m');</a:t>
-            </a:r>
-          </a:p>
-          <a:p>
-            <a:pPr marL="0" indent="0" defTabSz="233679">
-              <a:spcBef>
-                <a:spcPts val="200"/>
-              </a:spcBef>
-              <a:buSzTx/>
-              <a:buNone/>
-              <a:defRPr sz="720"/>
-            </a:pPr>
-            <a:r>
-              <a:t>set(m_o,'String',exp(m));</a:t>
-            </a:r>
-          </a:p>
-          <a:p>
-            <a:pPr marL="0" indent="0" defTabSz="233679">
-              <a:spcBef>
-                <a:spcPts val="200"/>
-              </a:spcBef>
-              <a:buSzTx/>
-              <a:buNone/>
-              <a:defRPr sz="720"/>
-            </a:pPr>
-          </a:p>
-          <a:p>
-            <a:pPr marL="0" indent="0" defTabSz="233679">
-              <a:spcBef>
-                <a:spcPts val="200"/>
-              </a:spcBef>
-              <a:buSzTx/>
-              <a:buNone/>
-              <a:defRPr sz="720"/>
+            <a:pPr marL="0" indent="0" defTabSz="356362">
+              <a:spcBef>
+                <a:spcPts val="300"/>
+              </a:spcBef>
+              <a:buSzTx/>
+              <a:buNone/>
+              <a:defRPr sz="1098"/>
+            </a:pPr>
+            <a:r>
+              <a:t>m = log(getNumberValue('m'));</a:t>
+            </a:r>
+          </a:p>
+          <a:p>
+            <a:pPr marL="0" indent="0" defTabSz="356362">
+              <a:spcBef>
+                <a:spcPts val="300"/>
+              </a:spcBef>
+              <a:buSzTx/>
+              <a:buNone/>
+              <a:defRPr sz="1098"/>
+            </a:pPr>
+          </a:p>
+          <a:p>
+            <a:pPr marL="0" indent="0" defTabSz="356362">
+              <a:spcBef>
+                <a:spcPts val="300"/>
+              </a:spcBef>
+              <a:buSzTx/>
+              <a:buNone/>
+              <a:defRPr sz="1098"/>
             </a:pPr>
             <a:r>
               <a:t>theta = getNumberValue('theta_i');</a:t>
             </a:r>
           </a:p>
           <a:p>
-            <a:pPr marL="0" indent="0" defTabSz="233679">
-              <a:spcBef>
-                <a:spcPts val="200"/>
-              </a:spcBef>
-              <a:buSzTx/>
-              <a:buNone/>
-              <a:defRPr sz="720"/>
+            <a:pPr marL="0" indent="0" defTabSz="356362">
+              <a:spcBef>
+                <a:spcPts val="300"/>
+              </a:spcBef>
+              <a:buSzTx/>
+              <a:buNone/>
+              <a:defRPr sz="1098"/>
             </a:pPr>
             <a:r>
               <a:t>lambda = getNumberValue('lambda_i');</a:t>
             </a:r>
           </a:p>
           <a:p>
-            <a:pPr marL="0" indent="0" defTabSz="233679">
-              <a:spcBef>
-                <a:spcPts val="200"/>
-              </a:spcBef>
-              <a:buSzTx/>
-              <a:buNone/>
-              <a:defRPr sz="720"/>
+            <a:pPr marL="0" indent="0" defTabSz="356362">
+              <a:spcBef>
+                <a:spcPts val="300"/>
+              </a:spcBef>
+              <a:buSzTx/>
+              <a:buNone/>
+              <a:defRPr sz="1098"/>
             </a:pPr>
             <a:r>
               <a:t>delta = getNumberValue('delta_i');</a:t>
             </a:r>
           </a:p>
           <a:p>
-            <a:pPr marL="0" indent="0" defTabSz="233679">
-              <a:spcBef>
-                <a:spcPts val="200"/>
-              </a:spcBef>
-              <a:buSzTx/>
-              <a:buNone/>
-              <a:defRPr sz="720"/>
+            <a:pPr marL="0" indent="0" defTabSz="356362">
+              <a:spcBef>
+                <a:spcPts val="300"/>
+              </a:spcBef>
+              <a:buSzTx/>
+              <a:buNone/>
+              <a:defRPr sz="1098"/>
             </a:pPr>
             <a:r>
               <a:t>sigma = getNumberValue('sigma_i');</a:t>
             </a:r>
           </a:p>
           <a:p>
-            <a:pPr marL="0" indent="0" defTabSz="233679">
-              <a:spcBef>
-                <a:spcPts val="200"/>
-              </a:spcBef>
-              <a:buSzTx/>
-              <a:buNone/>
-              <a:defRPr sz="720"/>
+            <a:pPr marL="0" indent="0" defTabSz="356362">
+              <a:spcBef>
+                <a:spcPts val="300"/>
+              </a:spcBef>
+              <a:buSzTx/>
+              <a:buNone/>
+              <a:defRPr sz="1098"/>
             </a:pPr>
             <a:r>
               <a:t>alpha = getNumberValue('alpha_i');</a:t>
             </a:r>
           </a:p>
           <a:p>
-            <a:pPr marL="0" indent="0" defTabSz="233679">
-              <a:spcBef>
-                <a:spcPts val="200"/>
-              </a:spcBef>
-              <a:buSzTx/>
-              <a:buNone/>
-              <a:defRPr sz="720"/>
-            </a:pPr>
-          </a:p>
-          <a:p>
-            <a:pPr marL="0" indent="0" defTabSz="233679">
-              <a:spcBef>
-                <a:spcPts val="200"/>
-              </a:spcBef>
-              <a:buSzTx/>
-              <a:buNone/>
-              <a:defRPr sz="720"/>
+            <a:pPr marL="0" indent="0" defTabSz="356362">
+              <a:spcBef>
+                <a:spcPts val="300"/>
+              </a:spcBef>
+              <a:buSzTx/>
+              <a:buNone/>
+              <a:defRPr sz="1098"/>
+            </a:pPr>
+          </a:p>
+          <a:p>
+            <a:pPr marL="0" indent="0" defTabSz="356362">
+              <a:spcBef>
+                <a:spcPts val="300"/>
+              </a:spcBef>
+              <a:buSzTx/>
+              <a:buNone/>
+              <a:defRPr sz="1098"/>
             </a:pPr>
             <a:r>
               <a:t>limit = 6;</a:t>
             </a:r>
           </a:p>
           <a:p>
-            <a:pPr marL="0" indent="0" defTabSz="233679">
-              <a:spcBef>
-                <a:spcPts val="200"/>
-              </a:spcBef>
-              <a:buSzTx/>
-              <a:buNone/>
-              <a:defRPr sz="720"/>
+            <a:pPr marL="0" indent="0" defTabSz="356362">
+              <a:spcBef>
+                <a:spcPts val="300"/>
+              </a:spcBef>
+              <a:buSzTx/>
+              <a:buNone/>
+              <a:defRPr sz="1098"/>
+            </a:pPr>
+            <a:r>
+              <a:t>%Condiciones Iniciales</a:t>
+            </a:r>
+          </a:p>
+          <a:p>
+            <a:pPr marL="0" indent="0" defTabSz="356362">
+              <a:spcBef>
+                <a:spcPts val="300"/>
+              </a:spcBef>
+              <a:buSzTx/>
+              <a:buNone/>
+              <a:defRPr sz="1098"/>
+            </a:pPr>
+            <a:r>
+              <a:t>St = getNumberValue('S0_saddle');</a:t>
+            </a:r>
+          </a:p>
+          <a:p>
+            <a:pPr marL="0" indent="0" defTabSz="356362">
+              <a:spcBef>
+                <a:spcPts val="300"/>
+              </a:spcBef>
+              <a:buSzTx/>
+              <a:buNone/>
+              <a:defRPr sz="1098"/>
+            </a:pPr>
+          </a:p>
+          <a:p>
+            <a:pPr marL="0" indent="0" defTabSz="356362">
+              <a:spcBef>
+                <a:spcPts val="300"/>
+              </a:spcBef>
+              <a:buSzTx/>
+              <a:buNone/>
+              <a:defRPr sz="1098"/>
             </a:pPr>
             <a:r>
               <a:t>%Determinando la matriz A y b</a:t>
             </a:r>
           </a:p>
           <a:p>
-            <a:pPr marL="0" indent="0" defTabSz="233679">
-              <a:spcBef>
-                <a:spcPts val="200"/>
-              </a:spcBef>
-              <a:buSzTx/>
-              <a:buNone/>
-              <a:defRPr sz="720"/>
+            <a:pPr marL="0" indent="0" defTabSz="356362">
+              <a:spcBef>
+                <a:spcPts val="300"/>
+              </a:spcBef>
+              <a:buSzTx/>
+              <a:buNone/>
+              <a:defRPr sz="1098"/>
             </a:pPr>
             <a:r>
               <a:t>A = [(-alpha)*(delta + sigma/lambda) alpha*delta; 1/lambda 0];</a:t>
             </a:r>
           </a:p>
           <a:p>
-            <a:pPr marL="0" indent="0" defTabSz="233679">
-              <a:spcBef>
-                <a:spcPts val="200"/>
-              </a:spcBef>
-              <a:buSzTx/>
-              <a:buNone/>
-              <a:defRPr sz="720"/>
+            <a:pPr marL="0" indent="0" defTabSz="356362">
+              <a:spcBef>
+                <a:spcPts val="300"/>
+              </a:spcBef>
+              <a:buSzTx/>
+              <a:buNone/>
+              <a:defRPr sz="1098"/>
             </a:pPr>
             <a:r>
               <a:t>b = [alpha*((sigma*m)*(1/lambda) - (1 + (sigma*theta)*(1/lambda))*ybar) ; (1/lambda)*(theta*ybar - m) - istar];</a:t>
             </a:r>
           </a:p>
           <a:p>
-            <a:pPr marL="0" indent="0" defTabSz="233679">
-              <a:spcBef>
-                <a:spcPts val="200"/>
-              </a:spcBef>
-              <a:buSzTx/>
-              <a:buNone/>
-              <a:defRPr sz="720"/>
+            <a:pPr marL="0" indent="0" defTabSz="356362">
+              <a:spcBef>
+                <a:spcPts val="300"/>
+              </a:spcBef>
+              <a:buSzTx/>
+              <a:buNone/>
+              <a:defRPr sz="1098"/>
             </a:pPr>
             <a:r>
               <a:t>Mss = -(A^-1)*b;</a:t>
             </a:r>
           </a:p>
           <a:p>
-            <a:pPr marL="0" indent="0" defTabSz="233679">
-              <a:spcBef>
-                <a:spcPts val="200"/>
-              </a:spcBef>
-              <a:buSzTx/>
-              <a:buNone/>
-              <a:defRPr sz="720"/>
-            </a:pPr>
-          </a:p>
-          <a:p>
-            <a:pPr marL="0" indent="0" defTabSz="233679">
-              <a:spcBef>
-                <a:spcPts val="200"/>
-              </a:spcBef>
-              <a:buSzTx/>
-              <a:buNone/>
-              <a:defRPr sz="720"/>
+            <a:pPr marL="0" indent="0" defTabSz="356362">
+              <a:spcBef>
+                <a:spcPts val="300"/>
+              </a:spcBef>
+              <a:buSzTx/>
+              <a:buNone/>
+              <a:defRPr sz="1098"/>
+            </a:pPr>
+          </a:p>
+          <a:p>
+            <a:pPr marL="0" indent="0" defTabSz="356362">
+              <a:spcBef>
+                <a:spcPts val="300"/>
+              </a:spcBef>
+              <a:buSzTx/>
+              <a:buNone/>
+              <a:defRPr sz="1098"/>
             </a:pPr>
             <a:r>
               <a:t>% Valores de Estado Estacionario</a:t>
             </a:r>
           </a:p>
           <a:p>
-            <a:pPr marL="0" indent="0" defTabSz="233679">
-              <a:spcBef>
-                <a:spcPts val="200"/>
-              </a:spcBef>
-              <a:buSzTx/>
-              <a:buNone/>
-              <a:defRPr sz="720"/>
-            </a:pPr>
-            <a:r>
-              <a:t>pss_old = getNumberValue('pss');</a:t>
-            </a:r>
-          </a:p>
-          <a:p>
-            <a:pPr marL="0" indent="0" defTabSz="233679">
-              <a:spcBef>
-                <a:spcPts val="200"/>
-              </a:spcBef>
-              <a:buSzTx/>
-              <a:buNone/>
-              <a:defRPr sz="720"/>
-            </a:pPr>
-            <a:r>
-              <a:t>sss_old = getNumberValue('sss');</a:t>
-            </a:r>
-          </a:p>
-          <a:p>
-            <a:pPr marL="0" indent="0" defTabSz="233679">
-              <a:spcBef>
-                <a:spcPts val="200"/>
-              </a:spcBef>
-              <a:buSzTx/>
-              <a:buNone/>
-              <a:defRPr sz="720"/>
-            </a:pPr>
-            <a:r>
-              <a:t>pss = Mss(1,1);</a:t>
-            </a:r>
-          </a:p>
-          <a:p>
-            <a:pPr marL="0" indent="0" defTabSz="233679">
-              <a:spcBef>
-                <a:spcPts val="200"/>
-              </a:spcBef>
-              <a:buSzTx/>
-              <a:buNone/>
-              <a:defRPr sz="720"/>
-            </a:pPr>
-            <a:r>
-              <a:t>sss = Mss(2,1);</a:t>
-            </a:r>
-          </a:p>
-          <a:p>
-            <a:pPr marL="0" indent="0" defTabSz="233679">
-              <a:spcBef>
-                <a:spcPts val="200"/>
-              </a:spcBef>
-              <a:buSzTx/>
-              <a:buNone/>
-              <a:defRPr sz="720"/>
-            </a:pPr>
-          </a:p>
-          <a:p>
-            <a:pPr marL="0" indent="0" defTabSz="233679">
-              <a:spcBef>
-                <a:spcPts val="200"/>
-              </a:spcBef>
-              <a:buSzTx/>
-              <a:buNone/>
-              <a:defRPr sz="720"/>
-            </a:pPr>
-            <a:r>
-              <a:t>%Set valores en GUI</a:t>
-            </a:r>
-          </a:p>
-          <a:p>
-            <a:pPr marL="0" indent="0" defTabSz="233679">
-              <a:spcBef>
-                <a:spcPts val="200"/>
-              </a:spcBef>
-              <a:buSzTx/>
-              <a:buNone/>
-              <a:defRPr sz="720"/>
-            </a:pPr>
-            <a:r>
-              <a:t>pss_o =findobj('Tag','pss');</a:t>
-            </a:r>
-          </a:p>
-          <a:p>
-            <a:pPr marL="0" indent="0" defTabSz="233679">
-              <a:spcBef>
-                <a:spcPts val="200"/>
-              </a:spcBef>
-              <a:buSzTx/>
-              <a:buNone/>
-              <a:defRPr sz="720"/>
-            </a:pPr>
-            <a:r>
-              <a:t>set(pss_o,'String',pss);</a:t>
-            </a:r>
-          </a:p>
-          <a:p>
-            <a:pPr marL="0" indent="0" defTabSz="233679">
-              <a:spcBef>
-                <a:spcPts val="200"/>
-              </a:spcBef>
-              <a:buSzTx/>
-              <a:buNone/>
-              <a:defRPr sz="720"/>
-            </a:pPr>
-            <a:r>
-              <a:t>sss_o =findobj('Tag','sss');</a:t>
-            </a:r>
-          </a:p>
-          <a:p>
-            <a:pPr marL="0" indent="0" defTabSz="233679">
-              <a:spcBef>
-                <a:spcPts val="200"/>
-              </a:spcBef>
-              <a:buSzTx/>
-              <a:buNone/>
-              <a:defRPr sz="720"/>
-            </a:pPr>
-            <a:r>
-              <a:t>set(sss_o,'String',sss);</a:t>
-            </a:r>
-          </a:p>
-          <a:p>
-            <a:pPr marL="0" indent="0" defTabSz="233679">
-              <a:spcBef>
-                <a:spcPts val="200"/>
-              </a:spcBef>
-              <a:buSzTx/>
-              <a:buNone/>
-              <a:defRPr sz="720"/>
-            </a:pPr>
-          </a:p>
-          <a:p>
-            <a:pPr marL="0" indent="0" defTabSz="233679">
-              <a:spcBef>
-                <a:spcPts val="200"/>
-              </a:spcBef>
-              <a:buSzTx/>
-              <a:buNone/>
-              <a:defRPr sz="720"/>
-            </a:pPr>
-            <a:r>
-              <a:t>st = 0 : 1 : limit;</a:t>
-            </a:r>
-          </a:p>
-          <a:p>
-            <a:pPr marL="0" indent="0" defTabSz="233679">
-              <a:spcBef>
-                <a:spcPts val="200"/>
-              </a:spcBef>
-              <a:buSzTx/>
-              <a:buNone/>
-              <a:defRPr sz="720"/>
-            </a:pPr>
-          </a:p>
-          <a:p>
-            <a:pPr marL="0" indent="0" defTabSz="233679">
-              <a:spcBef>
-                <a:spcPts val="200"/>
-              </a:spcBef>
-              <a:buSzTx/>
-              <a:buNone/>
-              <a:defRPr sz="720"/>
+            <a:pPr marL="0" indent="0" defTabSz="356362">
+              <a:spcBef>
+                <a:spcPts val="300"/>
+              </a:spcBef>
+              <a:buSzTx/>
+              <a:buNone/>
+              <a:defRPr sz="1098"/>
+            </a:pPr>
+            <a:r>
+              <a:t>Pss = getNumberValue('pss')</a:t>
+            </a:r>
+          </a:p>
+          <a:p>
+            <a:pPr marL="0" indent="0" defTabSz="356362">
+              <a:spcBef>
+                <a:spcPts val="300"/>
+              </a:spcBef>
+              <a:buSzTx/>
+              <a:buNone/>
+              <a:defRPr sz="1098"/>
+            </a:pPr>
+            <a:r>
+              <a:t>Sss = getNumberValue('sss')</a:t>
+            </a:r>
+          </a:p>
+          <a:p>
+            <a:pPr marL="0" indent="0" defTabSz="356362">
+              <a:spcBef>
+                <a:spcPts val="300"/>
+              </a:spcBef>
+              <a:buSzTx/>
+              <a:buNone/>
+              <a:defRPr sz="1098"/>
+            </a:pPr>
+          </a:p>
+          <a:p>
+            <a:pPr marL="0" indent="0" defTabSz="356362">
+              <a:spcBef>
+                <a:spcPts val="300"/>
+              </a:spcBef>
+              <a:buSzTx/>
+              <a:buNone/>
+              <a:defRPr sz="1098"/>
+            </a:pPr>
+            <a:r>
+              <a:t>%Calculando las raices</a:t>
+            </a:r>
+          </a:p>
+          <a:p>
+            <a:pPr marL="0" indent="0" defTabSz="356362">
+              <a:spcBef>
+                <a:spcPts val="300"/>
+              </a:spcBef>
+              <a:buSzTx/>
+              <a:buNone/>
+              <a:defRPr sz="1098"/>
+            </a:pPr>
+            <a:r>
+              <a:t>trA = -alpha*(delta + (sigma/lambda));</a:t>
+            </a:r>
+          </a:p>
+          <a:p>
+            <a:pPr marL="0" indent="0" defTabSz="356362">
+              <a:spcBef>
+                <a:spcPts val="300"/>
+              </a:spcBef>
+              <a:buSzTx/>
+              <a:buNone/>
+              <a:defRPr sz="1098"/>
+            </a:pPr>
+            <a:r>
+              <a:t>DELTA = (alpha^2)*(delta + (sigma/lambda))^2 + 4*(alpha*delta/lambda);</a:t>
+            </a:r>
+          </a:p>
+          <a:p>
+            <a:pPr marL="0" indent="0" defTabSz="356362">
+              <a:spcBef>
+                <a:spcPts val="300"/>
+              </a:spcBef>
+              <a:buSzTx/>
+              <a:buNone/>
+              <a:defRPr sz="1098"/>
+            </a:pPr>
+            <a:r>
+              <a:t>tau2 = ((trA) - sqrt(DELTA))/2;</a:t>
+            </a:r>
+          </a:p>
+          <a:p>
+            <a:pPr marL="0" indent="0" defTabSz="356362">
+              <a:spcBef>
+                <a:spcPts val="300"/>
+              </a:spcBef>
+              <a:buSzTx/>
+              <a:buNone/>
+              <a:defRPr sz="1098"/>
+            </a:pPr>
+          </a:p>
+          <a:p>
+            <a:pPr marL="0" indent="0" defTabSz="356362">
+              <a:spcBef>
+                <a:spcPts val="300"/>
+              </a:spcBef>
+              <a:buSzTx/>
+              <a:buNone/>
+              <a:defRPr sz="1098"/>
             </a:pPr>
             <a:r>
               <a:t>axes(handles.axes1);</a:t>
             </a:r>
           </a:p>
           <a:p>
-            <a:pPr marL="0" indent="0" defTabSz="233679">
-              <a:spcBef>
-                <a:spcPts val="200"/>
-              </a:spcBef>
-              <a:buSzTx/>
-              <a:buNone/>
-              <a:defRPr sz="720"/>
-            </a:pPr>
-          </a:p>
-          <a:p>
-            <a:pPr marL="0" indent="0" defTabSz="233679">
-              <a:spcBef>
-                <a:spcPts val="200"/>
-              </a:spcBef>
-              <a:buSzTx/>
-              <a:buNone/>
-              <a:defRPr sz="720"/>
-            </a:pPr>
-            <a:r>
-              <a:t>% Ceroclina del sistema es pt =</a:t>
-            </a:r>
-          </a:p>
-          <a:p>
-            <a:pPr marL="0" indent="0" defTabSz="233679">
-              <a:spcBef>
-                <a:spcPts val="200"/>
-              </a:spcBef>
-              <a:buSzTx/>
-              <a:buNone/>
-              <a:defRPr sz="720"/>
-            </a:pPr>
-            <a:r>
-              <a:t>p_fase = (delta / ((sigma/lambda) + delta))*(st -sss) + pss;</a:t>
-            </a:r>
-          </a:p>
-          <a:p>
-            <a:pPr marL="0" indent="0" defTabSz="233679">
-              <a:spcBef>
-                <a:spcPts val="200"/>
-              </a:spcBef>
-              <a:buSzTx/>
-              <a:buNone/>
-              <a:defRPr sz="720"/>
-            </a:pPr>
-          </a:p>
-          <a:p>
-            <a:pPr marL="0" indent="0" defTabSz="233679">
-              <a:spcBef>
-                <a:spcPts val="200"/>
-              </a:spcBef>
-              <a:buSzTx/>
-              <a:buNone/>
-              <a:defRPr sz="720"/>
-            </a:pPr>
-            <a:r>
-              <a:t>plot([0 limit],[pss pss],'--b',st,p_fase,':r',sss,pss,'*m','LineWidth',2); hold on;</a:t>
-            </a:r>
-          </a:p>
-          <a:p>
-            <a:pPr marL="0" indent="0" defTabSz="233679">
-              <a:spcBef>
-                <a:spcPts val="200"/>
-              </a:spcBef>
-              <a:buSzTx/>
-              <a:buNone/>
-              <a:defRPr sz="720"/>
-            </a:pPr>
-          </a:p>
-          <a:p>
-            <a:pPr marL="0" indent="0" defTabSz="233679">
-              <a:spcBef>
-                <a:spcPts val="200"/>
-              </a:spcBef>
-              <a:buSzTx/>
-              <a:buNone/>
-              <a:defRPr sz="720"/>
-            </a:pPr>
-            <a:r>
-              <a:t>%Calculando las raices</a:t>
-            </a:r>
-          </a:p>
-          <a:p>
-            <a:pPr marL="0" indent="0" defTabSz="233679">
-              <a:spcBef>
-                <a:spcPts val="200"/>
-              </a:spcBef>
-              <a:buSzTx/>
-              <a:buNone/>
-              <a:defRPr sz="720"/>
-            </a:pPr>
-            <a:r>
-              <a:t>trA = -alpha*(delta + (sigma/lambda));</a:t>
-            </a:r>
-          </a:p>
-          <a:p>
-            <a:pPr marL="0" indent="0" defTabSz="233679">
-              <a:spcBef>
-                <a:spcPts val="200"/>
-              </a:spcBef>
-              <a:buSzTx/>
-              <a:buNone/>
-              <a:defRPr sz="720"/>
-            </a:pPr>
-            <a:r>
-              <a:t>DELTA = (alpha^2)*(delta + (sigma/lambda))^2 + 4*(alpha*delta/lambda);</a:t>
-            </a:r>
-          </a:p>
-          <a:p>
-            <a:pPr marL="0" indent="0" defTabSz="233679">
-              <a:spcBef>
-                <a:spcPts val="200"/>
-              </a:spcBef>
-              <a:buSzTx/>
-              <a:buNone/>
-              <a:defRPr sz="720"/>
-            </a:pPr>
-            <a:r>
-              <a:t>tau2 = ((trA) - sqrt(DELTA))/2;</a:t>
-            </a:r>
-          </a:p>
-          <a:p>
-            <a:pPr marL="0" indent="0" defTabSz="233679">
-              <a:spcBef>
-                <a:spcPts val="200"/>
-              </a:spcBef>
-              <a:buSzTx/>
-              <a:buNone/>
-              <a:defRPr sz="720"/>
-            </a:pPr>
-          </a:p>
-          <a:p>
-            <a:pPr marL="0" indent="0" defTabSz="233679">
-              <a:spcBef>
-                <a:spcPts val="200"/>
-              </a:spcBef>
-              <a:buSzTx/>
-              <a:buNone/>
-              <a:defRPr sz="720"/>
-            </a:pPr>
-            <a:r>
-              <a:t>st = 0 : 1 : 5;</a:t>
-            </a:r>
-          </a:p>
-          <a:p>
-            <a:pPr marL="0" indent="0" defTabSz="233679">
-              <a:spcBef>
-                <a:spcPts val="200"/>
-              </a:spcBef>
-              <a:buSzTx/>
-              <a:buNone/>
-              <a:defRPr sz="720"/>
-            </a:pPr>
-            <a:r>
-              <a:t>axes(handles.axes1);</a:t>
-            </a:r>
-          </a:p>
-          <a:p>
-            <a:pPr marL="0" indent="0" defTabSz="233679">
-              <a:spcBef>
-                <a:spcPts val="200"/>
-              </a:spcBef>
-              <a:buSzTx/>
-              <a:buNone/>
-              <a:defRPr sz="720"/>
-            </a:pPr>
-            <a:r>
-              <a:t>% Brazo estable - saddle path</a:t>
-            </a:r>
-          </a:p>
-          <a:p>
-            <a:pPr marL="0" indent="0" defTabSz="233679">
-              <a:spcBef>
-                <a:spcPts val="200"/>
-              </a:spcBef>
-              <a:buSzTx/>
-              <a:buNone/>
-              <a:defRPr sz="720"/>
-            </a:pPr>
-            <a:r>
-              <a:t>p_saddle = (st - sss + (1/(lambda*tau2))*pss)*(lambda*tau2);</a:t>
-            </a:r>
-          </a:p>
-          <a:p>
-            <a:pPr marL="0" indent="0" defTabSz="233679">
-              <a:spcBef>
-                <a:spcPts val="200"/>
-              </a:spcBef>
-              <a:buSzTx/>
-              <a:buNone/>
-              <a:defRPr sz="720"/>
-            </a:pPr>
-          </a:p>
-          <a:p>
-            <a:pPr marL="0" indent="0" defTabSz="233679">
-              <a:spcBef>
-                <a:spcPts val="200"/>
-              </a:spcBef>
-              <a:buSzTx/>
-              <a:buNone/>
-              <a:defRPr sz="720"/>
-            </a:pPr>
-            <a:r>
-              <a:t>plot(st,p_saddle,':y','LineWidth',3); hold on;</a:t>
-            </a:r>
-          </a:p>
-          <a:p>
-            <a:pPr marL="0" indent="0" defTabSz="233679">
-              <a:spcBef>
-                <a:spcPts val="200"/>
-              </a:spcBef>
-              <a:buSzTx/>
-              <a:buNone/>
-              <a:defRPr sz="720"/>
-            </a:pPr>
-          </a:p>
-          <a:p>
-            <a:pPr marL="0" indent="0" defTabSz="233679">
-              <a:spcBef>
-                <a:spcPts val="200"/>
-              </a:spcBef>
-              <a:buSzTx/>
-              <a:buNone/>
-              <a:defRPr sz="720"/>
-            </a:pPr>
-            <a:r>
-              <a:t>St = sss_old</a:t>
-            </a:r>
-          </a:p>
-          <a:p>
-            <a:pPr marL="0" indent="0" defTabSz="233679">
-              <a:spcBef>
-                <a:spcPts val="200"/>
-              </a:spcBef>
-              <a:buSzTx/>
-              <a:buNone/>
-              <a:defRPr sz="720"/>
-            </a:pPr>
-            <a:r>
-              <a:t>Pt = pss_old</a:t>
+            <a:pPr marL="0" indent="0" defTabSz="356362">
+              <a:spcBef>
+                <a:spcPts val="300"/>
+              </a:spcBef>
+              <a:buSzTx/>
+              <a:buNone/>
+              <a:defRPr sz="1098"/>
+            </a:pPr>
+          </a:p>
+          <a:p>
+            <a:pPr marL="0" indent="0" defTabSz="356362">
+              <a:spcBef>
+                <a:spcPts val="300"/>
+              </a:spcBef>
+              <a:buSzTx/>
+              <a:buNone/>
+              <a:defRPr sz="1098"/>
+            </a:pPr>
+            <a:r>
+              <a:t>% Condiciones iniciales Saddle Path</a:t>
+            </a:r>
+          </a:p>
+          <a:p>
+            <a:pPr marL="0" indent="0" defTabSz="356362">
+              <a:spcBef>
+                <a:spcPts val="300"/>
+              </a:spcBef>
+              <a:buSzTx/>
+              <a:buNone/>
+              <a:defRPr sz="1098"/>
+            </a:pPr>
+            <a:r>
+              <a:t>Pt =  (St - Sss)*(lambda*tau2) + Pss;</a:t>
             </a:r>
           </a:p>
         </p:txBody>
       </p:sp>
       <p:sp>
         <p:nvSpPr>
-          <p:cNvPr id="172" name="Shape 172"/>
+          <p:cNvPr id="171" name="Shape 171"/>
           <p:cNvSpPr/>
           <p:nvPr/>
         </p:nvSpPr>
@@ -6652,403 +5686,359 @@
           </a:bodyPr>
           <a:lstStyle/>
           <a:p>
-            <a:pPr algn="l" defTabSz="344677">
-              <a:spcBef>
-                <a:spcPts val="200"/>
-              </a:spcBef>
-              <a:defRPr sz="1062"/>
+            <a:pPr algn="l" defTabSz="356362">
+              <a:spcBef>
+                <a:spcPts val="300"/>
+              </a:spcBef>
+              <a:defRPr sz="1098"/>
             </a:pPr>
             <a:r>
               <a:t>i=1;</a:t>
             </a:r>
           </a:p>
           <a:p>
-            <a:pPr algn="l" defTabSz="344677">
-              <a:spcBef>
-                <a:spcPts val="200"/>
-              </a:spcBef>
-              <a:defRPr sz="1062"/>
+            <a:pPr algn="l" defTabSz="356362">
+              <a:spcBef>
+                <a:spcPts val="300"/>
+              </a:spcBef>
+              <a:defRPr sz="1098"/>
             </a:pPr>
             <a:r>
               <a:t>while i&lt;60;</a:t>
             </a:r>
           </a:p>
           <a:p>
-            <a:pPr algn="l" defTabSz="344677">
-              <a:spcBef>
-                <a:spcPts val="200"/>
-              </a:spcBef>
-              <a:defRPr sz="1062"/>
-            </a:pPr>
-            <a:r>
-              <a:t>    %Plotting cambios en S y P</a:t>
-            </a:r>
-          </a:p>
-          <a:p>
-            <a:pPr algn="l" defTabSz="344677">
-              <a:spcBef>
-                <a:spcPts val="200"/>
-              </a:spcBef>
-              <a:defRPr sz="1062"/>
-            </a:pPr>
-            <a:r>
-              <a:t>    axes(handles.axes2);</a:t>
-            </a:r>
-          </a:p>
-          <a:p>
-            <a:pPr algn="l" defTabSz="344677">
-              <a:spcBef>
-                <a:spcPts val="200"/>
-              </a:spcBef>
-              <a:defRPr sz="1062"/>
-            </a:pPr>
-            <a:r>
-              <a:t>    plot(i-1,St,'*r','LineWidth',1);</a:t>
-            </a:r>
-          </a:p>
-          <a:p>
-            <a:pPr algn="l" defTabSz="344677">
-              <a:spcBef>
-                <a:spcPts val="200"/>
-              </a:spcBef>
-              <a:defRPr sz="1062"/>
-            </a:pPr>
-            <a:r>
-              <a:t>    grid on;</a:t>
-            </a:r>
-          </a:p>
-          <a:p>
-            <a:pPr algn="l" defTabSz="344677">
-              <a:spcBef>
-                <a:spcPts val="200"/>
-              </a:spcBef>
-              <a:defRPr sz="1062"/>
-            </a:pPr>
-            <a:r>
-              <a:t>    xlabel(handles.axes2,'Time Step')</a:t>
-            </a:r>
-          </a:p>
-          <a:p>
-            <a:pPr algn="l" defTabSz="344677">
-              <a:spcBef>
-                <a:spcPts val="200"/>
-              </a:spcBef>
-              <a:defRPr sz="1062"/>
-            </a:pPr>
-            <a:r>
-              <a:t>    ylabel(handles.axes2,'Tipo de cambio')</a:t>
-            </a:r>
-          </a:p>
-          <a:p>
-            <a:pPr algn="l" defTabSz="344677">
-              <a:spcBef>
-                <a:spcPts val="200"/>
-              </a:spcBef>
-              <a:defRPr sz="1062"/>
-            </a:pPr>
-          </a:p>
-          <a:p>
-            <a:pPr algn="l" defTabSz="344677">
-              <a:spcBef>
-                <a:spcPts val="200"/>
-              </a:spcBef>
-              <a:defRPr sz="1062"/>
-            </a:pPr>
-            <a:r>
-              <a:t>    axes(handles.axes3);</a:t>
-            </a:r>
-          </a:p>
-          <a:p>
-            <a:pPr algn="l" defTabSz="344677">
-              <a:spcBef>
-                <a:spcPts val="200"/>
-              </a:spcBef>
-              <a:defRPr sz="1062"/>
-            </a:pPr>
-            <a:r>
-              <a:t>    plot(i-1,Pt,'*r','LineWidth',1);</a:t>
-            </a:r>
-          </a:p>
-          <a:p>
-            <a:pPr algn="l" defTabSz="344677">
-              <a:spcBef>
-                <a:spcPts val="200"/>
-              </a:spcBef>
-              <a:defRPr sz="1062"/>
-            </a:pPr>
-            <a:r>
-              <a:t>    grid on;</a:t>
-            </a:r>
-          </a:p>
-          <a:p>
-            <a:pPr algn="l" defTabSz="344677">
-              <a:spcBef>
-                <a:spcPts val="200"/>
-              </a:spcBef>
-              <a:defRPr sz="1062"/>
-            </a:pPr>
-            <a:r>
-              <a:t>    xlabel(handles.axes3,'Time Step')</a:t>
-            </a:r>
-          </a:p>
-          <a:p>
-            <a:pPr algn="l" defTabSz="344677">
-              <a:spcBef>
-                <a:spcPts val="200"/>
-              </a:spcBef>
-              <a:defRPr sz="1062"/>
-            </a:pPr>
-            <a:r>
-              <a:t>    ylabel(handles.axes3,'Precios domesticos')</a:t>
-            </a:r>
-          </a:p>
-          <a:p>
-            <a:pPr algn="l" defTabSz="344677">
-              <a:spcBef>
-                <a:spcPts val="200"/>
-              </a:spcBef>
-              <a:defRPr sz="1062"/>
-            </a:pPr>
-          </a:p>
-          <a:p>
-            <a:pPr algn="l" defTabSz="344677">
-              <a:spcBef>
-                <a:spcPts val="200"/>
-              </a:spcBef>
-              <a:defRPr sz="1062"/>
+            <a:pPr algn="l" defTabSz="356362">
+              <a:spcBef>
+                <a:spcPts val="300"/>
+              </a:spcBef>
+              <a:defRPr sz="1098"/>
             </a:pPr>
             <a:r>
               <a:t>    %agregamos el punto anterior</a:t>
             </a:r>
           </a:p>
           <a:p>
-            <a:pPr algn="l" defTabSz="344677">
-              <a:spcBef>
-                <a:spcPts val="200"/>
-              </a:spcBef>
-              <a:defRPr sz="1062"/>
-            </a:pPr>
-            <a:r>
-              <a:t>    axes(handles.axes1);</a:t>
-            </a:r>
-          </a:p>
-          <a:p>
-            <a:pPr algn="l" defTabSz="344677">
-              <a:spcBef>
-                <a:spcPts val="200"/>
-              </a:spcBef>
-              <a:defRPr sz="1062"/>
-            </a:pPr>
-            <a:r>
-              <a:t>    if i == 1</a:t>
-            </a:r>
-          </a:p>
-          <a:p>
-            <a:pPr algn="l" defTabSz="344677">
-              <a:spcBef>
-                <a:spcPts val="200"/>
-              </a:spcBef>
-              <a:defRPr sz="1062"/>
-            </a:pPr>
-            <a:r>
-              <a:t>        s_first_shock = (sss - (1/(lambda*tau2))*pss) + (1/(lambda*tau2))*pss_old;</a:t>
-            </a:r>
-          </a:p>
-          <a:p>
-            <a:pPr algn="l" defTabSz="344677">
-              <a:spcBef>
-                <a:spcPts val="200"/>
-              </a:spcBef>
-              <a:defRPr sz="1062"/>
-            </a:pPr>
-            <a:r>
-              <a:t>        %Plotting initial shock</a:t>
-            </a:r>
-          </a:p>
-          <a:p>
-            <a:pPr algn="l" defTabSz="344677">
-              <a:spcBef>
-                <a:spcPts val="200"/>
-              </a:spcBef>
-              <a:defRPr sz="1062"/>
-            </a:pPr>
-            <a:r>
-              <a:t>        plot([sss_old s_first_shock],[pss_old pss_old],'g','LineWidth',4);</a:t>
-            </a:r>
-          </a:p>
-          <a:p>
-            <a:pPr algn="l" defTabSz="344677">
-              <a:spcBef>
-                <a:spcPts val="200"/>
-              </a:spcBef>
-              <a:defRPr sz="1062"/>
-            </a:pPr>
-            <a:r>
-              <a:t>        St = s_first_shock;</a:t>
-            </a:r>
-          </a:p>
-          <a:p>
-            <a:pPr algn="l" defTabSz="344677">
-              <a:spcBef>
-                <a:spcPts val="200"/>
-              </a:spcBef>
-              <a:defRPr sz="1062"/>
-            </a:pPr>
-            <a:r>
-              <a:t>        Pt = pss_old;</a:t>
-            </a:r>
-          </a:p>
-          <a:p>
-            <a:pPr algn="l" defTabSz="344677">
-              <a:spcBef>
-                <a:spcPts val="200"/>
-              </a:spcBef>
-              <a:defRPr sz="1062"/>
+            <a:pPr algn="l" defTabSz="356362">
+              <a:spcBef>
+                <a:spcPts val="300"/>
+              </a:spcBef>
+              <a:defRPr sz="1098"/>
+            </a:pPr>
+            <a:r>
+              <a:t>    if St &lt; limit &amp;&amp; Pt &lt; limit &amp;&amp; St &gt;= 0 &amp;&amp; Pt &gt;= -2</a:t>
+            </a:r>
+          </a:p>
+          <a:p>
+            <a:pPr algn="l" defTabSz="356362">
+              <a:spcBef>
+                <a:spcPts val="300"/>
+              </a:spcBef>
+              <a:defRPr sz="1098"/>
+            </a:pPr>
+          </a:p>
+          <a:p>
+            <a:pPr algn="l" defTabSz="356362">
+              <a:spcBef>
+                <a:spcPts val="300"/>
+              </a:spcBef>
+              <a:defRPr sz="1098"/>
+            </a:pPr>
+            <a:r>
+              <a:t>        %Plotting path</a:t>
+            </a:r>
+          </a:p>
+          <a:p>
+            <a:pPr algn="l" defTabSz="356362">
+              <a:spcBef>
+                <a:spcPts val="300"/>
+              </a:spcBef>
+              <a:defRPr sz="1098"/>
+            </a:pPr>
+            <a:r>
+              <a:t>        axes(handles.axes1);</a:t>
+            </a:r>
+          </a:p>
+          <a:p>
+            <a:pPr algn="l" defTabSz="356362">
+              <a:spcBef>
+                <a:spcPts val="300"/>
+              </a:spcBef>
+              <a:defRPr sz="1098"/>
+            </a:pPr>
+            <a:r>
+              <a:t>        plot(St,Pt,'*g');</a:t>
+            </a:r>
+          </a:p>
+          <a:p>
+            <a:pPr algn="l" defTabSz="356362">
+              <a:spcBef>
+                <a:spcPts val="300"/>
+              </a:spcBef>
+              <a:defRPr sz="1098"/>
+            </a:pPr>
+          </a:p>
+          <a:p>
+            <a:pPr algn="l" defTabSz="356362">
+              <a:spcBef>
+                <a:spcPts val="300"/>
+              </a:spcBef>
+              <a:defRPr sz="1098"/>
+            </a:pPr>
+            <a:r>
+              <a:t>        %Plotting cambios en S y P</a:t>
+            </a:r>
+          </a:p>
+          <a:p>
+            <a:pPr algn="l" defTabSz="356362">
+              <a:spcBef>
+                <a:spcPts val="300"/>
+              </a:spcBef>
+              <a:defRPr sz="1098"/>
+            </a:pPr>
+            <a:r>
+              <a:t>        axes(handles.axes2);</a:t>
+            </a:r>
+          </a:p>
+          <a:p>
+            <a:pPr algn="l" defTabSz="356362">
+              <a:spcBef>
+                <a:spcPts val="300"/>
+              </a:spcBef>
+              <a:defRPr sz="1098"/>
+            </a:pPr>
+            <a:r>
+              <a:t>        plot(i-1,St,'*r','LineWidth',1);</a:t>
+            </a:r>
+          </a:p>
+          <a:p>
+            <a:pPr algn="l" defTabSz="356362">
+              <a:spcBef>
+                <a:spcPts val="300"/>
+              </a:spcBef>
+              <a:defRPr sz="1098"/>
+            </a:pPr>
+            <a:r>
+              <a:t>        grid on;</a:t>
+            </a:r>
+          </a:p>
+          <a:p>
+            <a:pPr algn="l" defTabSz="356362">
+              <a:spcBef>
+                <a:spcPts val="300"/>
+              </a:spcBef>
+              <a:defRPr sz="1098"/>
+            </a:pPr>
+            <a:r>
+              <a:t>        xlabel(handles.axes2,'Time Step')</a:t>
+            </a:r>
+          </a:p>
+          <a:p>
+            <a:pPr algn="l" defTabSz="356362">
+              <a:spcBef>
+                <a:spcPts val="300"/>
+              </a:spcBef>
+              <a:defRPr sz="1098"/>
+            </a:pPr>
+            <a:r>
+              <a:t>        ylabel(handles.axes2,'Tipo de cambio')</a:t>
+            </a:r>
+          </a:p>
+          <a:p>
+            <a:pPr algn="l" defTabSz="356362">
+              <a:spcBef>
+                <a:spcPts val="300"/>
+              </a:spcBef>
+              <a:defRPr sz="1098"/>
+            </a:pPr>
+          </a:p>
+          <a:p>
+            <a:pPr algn="l" defTabSz="356362">
+              <a:spcBef>
+                <a:spcPts val="300"/>
+              </a:spcBef>
+              <a:defRPr sz="1098"/>
+            </a:pPr>
+            <a:r>
+              <a:t>        axes(handles.axes3);</a:t>
+            </a:r>
+          </a:p>
+          <a:p>
+            <a:pPr algn="l" defTabSz="356362">
+              <a:spcBef>
+                <a:spcPts val="300"/>
+              </a:spcBef>
+              <a:defRPr sz="1098"/>
+            </a:pPr>
+            <a:r>
+              <a:t>        plot(i-1,Pt,'*r','LineWidth',1);</a:t>
+            </a:r>
+          </a:p>
+          <a:p>
+            <a:pPr algn="l" defTabSz="356362">
+              <a:spcBef>
+                <a:spcPts val="300"/>
+              </a:spcBef>
+              <a:defRPr sz="1098"/>
+            </a:pPr>
+            <a:r>
+              <a:t>        grid on;</a:t>
+            </a:r>
+          </a:p>
+          <a:p>
+            <a:pPr algn="l" defTabSz="356362">
+              <a:spcBef>
+                <a:spcPts val="300"/>
+              </a:spcBef>
+              <a:defRPr sz="1098"/>
+            </a:pPr>
+            <a:r>
+              <a:t>        xlabel(handles.axes3,'Time Step')</a:t>
+            </a:r>
+          </a:p>
+          <a:p>
+            <a:pPr algn="l" defTabSz="356362">
+              <a:spcBef>
+                <a:spcPts val="300"/>
+              </a:spcBef>
+              <a:defRPr sz="1098"/>
+            </a:pPr>
+            <a:r>
+              <a:t>        ylabel(handles.axes3,'Precios domesticos')</a:t>
+            </a:r>
+          </a:p>
+          <a:p>
+            <a:pPr algn="l" defTabSz="356362">
+              <a:spcBef>
+                <a:spcPts val="300"/>
+              </a:spcBef>
+              <a:defRPr sz="1098"/>
+            </a:pPr>
+          </a:p>
+          <a:p>
+            <a:pPr algn="l" defTabSz="356362">
+              <a:spcBef>
+                <a:spcPts val="300"/>
+              </a:spcBef>
+              <a:defRPr sz="1098"/>
+            </a:pPr>
+            <a:r>
+              <a:t>        smoothening = 0.1;</a:t>
+            </a:r>
+          </a:p>
+          <a:p>
+            <a:pPr algn="l" defTabSz="356362">
+              <a:spcBef>
+                <a:spcPts val="300"/>
+              </a:spcBef>
+              <a:defRPr sz="1098"/>
+            </a:pPr>
+            <a:r>
+              <a:t>        %Calculamos proximo punto partiendo de matrices</a:t>
+            </a:r>
+          </a:p>
+          <a:p>
+            <a:pPr algn="l" defTabSz="356362">
+              <a:spcBef>
+                <a:spcPts val="300"/>
+              </a:spcBef>
+              <a:defRPr sz="1098"/>
+            </a:pPr>
+            <a:r>
+              <a:t>        Mt = (A*[Pt;St] + b)*smoothening;</a:t>
+            </a:r>
+          </a:p>
+          <a:p>
+            <a:pPr algn="l" defTabSz="356362">
+              <a:spcBef>
+                <a:spcPts val="300"/>
+              </a:spcBef>
+              <a:defRPr sz="1098"/>
+            </a:pPr>
+            <a:r>
+              <a:t>        Pt = Mt(1,1) + Pt;</a:t>
+            </a:r>
+          </a:p>
+          <a:p>
+            <a:pPr algn="l" defTabSz="356362">
+              <a:spcBef>
+                <a:spcPts val="300"/>
+              </a:spcBef>
+              <a:defRPr sz="1098"/>
+            </a:pPr>
+            <a:r>
+              <a:t>        St = Mt(2,1) + St;</a:t>
+            </a:r>
+          </a:p>
+          <a:p>
+            <a:pPr algn="l" defTabSz="356362">
+              <a:spcBef>
+                <a:spcPts val="300"/>
+              </a:spcBef>
+              <a:defRPr sz="1098"/>
+            </a:pPr>
+          </a:p>
+          <a:p>
+            <a:pPr algn="l" defTabSz="356362">
+              <a:spcBef>
+                <a:spcPts val="300"/>
+              </a:spcBef>
+              <a:defRPr sz="1098"/>
+            </a:pPr>
+            <a:r>
+              <a:t>        %pausamos el computo 0.15 segundos</a:t>
+            </a:r>
+          </a:p>
+          <a:p>
+            <a:pPr algn="l" defTabSz="356362">
+              <a:spcBef>
+                <a:spcPts val="300"/>
+              </a:spcBef>
+              <a:defRPr sz="1098"/>
+            </a:pPr>
+            <a:r>
+              <a:t>        pause(0.15)</a:t>
+            </a:r>
+          </a:p>
+          <a:p>
+            <a:pPr algn="l" defTabSz="356362">
+              <a:spcBef>
+                <a:spcPts val="300"/>
+              </a:spcBef>
+              <a:defRPr sz="1098"/>
             </a:pPr>
             <a:r>
               <a:t>    else</a:t>
             </a:r>
           </a:p>
           <a:p>
-            <a:pPr algn="l" defTabSz="344677">
-              <a:spcBef>
-                <a:spcPts val="200"/>
-              </a:spcBef>
-              <a:defRPr sz="1062"/>
-            </a:pPr>
-            <a:r>
-              <a:t>        plot(St,Pt,'*g');</a:t>
-            </a:r>
-          </a:p>
-          <a:p>
-            <a:pPr algn="l" defTabSz="344677">
-              <a:spcBef>
-                <a:spcPts val="200"/>
-              </a:spcBef>
-              <a:defRPr sz="1062"/>
+            <a:pPr algn="l" defTabSz="356362">
+              <a:spcBef>
+                <a:spcPts val="300"/>
+              </a:spcBef>
+              <a:defRPr sz="1098"/>
             </a:pPr>
             <a:r>
               <a:t>    end</a:t>
             </a:r>
           </a:p>
           <a:p>
-            <a:pPr algn="l" defTabSz="344677">
-              <a:spcBef>
-                <a:spcPts val="200"/>
-              </a:spcBef>
-              <a:defRPr sz="1062"/>
-            </a:pPr>
-          </a:p>
-          <a:p>
-            <a:pPr algn="l" defTabSz="344677">
-              <a:spcBef>
-                <a:spcPts val="200"/>
-              </a:spcBef>
-              <a:defRPr sz="1062"/>
-            </a:pPr>
-            <a:r>
-              <a:t>    smoothening = 0.1;</a:t>
-            </a:r>
-          </a:p>
-          <a:p>
-            <a:pPr algn="l" defTabSz="344677">
-              <a:spcBef>
-                <a:spcPts val="200"/>
-              </a:spcBef>
-              <a:defRPr sz="1062"/>
-            </a:pPr>
-            <a:r>
-              <a:t>    %Calculamos proximo punto partiendo de matrices</a:t>
-            </a:r>
-          </a:p>
-          <a:p>
-            <a:pPr algn="l" defTabSz="344677">
-              <a:spcBef>
-                <a:spcPts val="200"/>
-              </a:spcBef>
-              <a:defRPr sz="1062"/>
-            </a:pPr>
-            <a:r>
-              <a:t>    Mt = (A*[Pt;St] + b)*smoothening;</a:t>
-            </a:r>
-          </a:p>
-          <a:p>
-            <a:pPr algn="l" defTabSz="344677">
-              <a:spcBef>
-                <a:spcPts val="200"/>
-              </a:spcBef>
-              <a:defRPr sz="1062"/>
-            </a:pPr>
-            <a:r>
-              <a:t>    Pt = Mt(1,1) + Pt;</a:t>
-            </a:r>
-          </a:p>
-          <a:p>
-            <a:pPr algn="l" defTabSz="344677">
-              <a:spcBef>
-                <a:spcPts val="200"/>
-              </a:spcBef>
-              <a:defRPr sz="1062"/>
-            </a:pPr>
-            <a:r>
-              <a:t>    St = Mt(2,1) + St;</a:t>
-            </a:r>
-          </a:p>
-          <a:p>
-            <a:pPr algn="l" defTabSz="344677">
-              <a:spcBef>
-                <a:spcPts val="200"/>
-              </a:spcBef>
-              <a:defRPr sz="1062"/>
-            </a:pPr>
-          </a:p>
-          <a:p>
-            <a:pPr algn="l" defTabSz="344677">
-              <a:spcBef>
-                <a:spcPts val="200"/>
-              </a:spcBef>
-              <a:defRPr sz="1062"/>
-            </a:pPr>
-            <a:r>
-              <a:t>    %pausamos el computo 0.15 segundos</a:t>
-            </a:r>
-          </a:p>
-          <a:p>
-            <a:pPr algn="l" defTabSz="344677">
-              <a:spcBef>
-                <a:spcPts val="200"/>
-              </a:spcBef>
-              <a:defRPr sz="1062"/>
-            </a:pPr>
-            <a:r>
-              <a:t>    pause(0.15)</a:t>
-            </a:r>
-          </a:p>
-          <a:p>
-            <a:pPr algn="l" defTabSz="344677">
-              <a:spcBef>
-                <a:spcPts val="200"/>
-              </a:spcBef>
-              <a:defRPr sz="1062"/>
-            </a:pPr>
-          </a:p>
-          <a:p>
-            <a:pPr algn="l" defTabSz="344677">
-              <a:spcBef>
-                <a:spcPts val="200"/>
-              </a:spcBef>
-              <a:defRPr sz="1062"/>
+            <a:pPr algn="l" defTabSz="356362">
+              <a:spcBef>
+                <a:spcPts val="300"/>
+              </a:spcBef>
+              <a:defRPr sz="1098"/>
             </a:pPr>
             <a:r>
               <a:t>    i = i+1;</a:t>
             </a:r>
           </a:p>
           <a:p>
-            <a:pPr algn="l" defTabSz="344677">
-              <a:spcBef>
-                <a:spcPts val="200"/>
-              </a:spcBef>
-              <a:defRPr sz="1062"/>
+            <a:pPr algn="l" defTabSz="356362">
+              <a:spcBef>
+                <a:spcPts val="300"/>
+              </a:spcBef>
+              <a:defRPr sz="1098"/>
             </a:pPr>
             <a:r>
               <a:t>end;</a:t>
@@ -7084,13 +6074,49 @@
       </p:grpSpPr>
       <p:sp>
         <p:nvSpPr>
-          <p:cNvPr id="174" name="Shape 174"/>
+          <p:cNvPr id="173" name="Shape 173"/>
           <p:cNvSpPr/>
           <p:nvPr>
             <p:ph type="title"/>
           </p:nvPr>
         </p:nvSpPr>
         <p:spPr>
+          <a:xfrm>
+            <a:off x="952500" y="444500"/>
+            <a:ext cx="11099800" cy="1048111"/>
+          </a:xfrm>
+          <a:prstGeom prst="rect">
+            <a:avLst/>
+          </a:prstGeom>
+        </p:spPr>
+        <p:txBody>
+          <a:bodyPr/>
+          <a:lstStyle>
+            <a:lvl1pPr defTabSz="455675">
+              <a:defRPr sz="6240"/>
+            </a:lvl1pPr>
+          </a:lstStyle>
+          <a:p>
+            <a:pPr/>
+            <a:r>
+              <a:t>Shock a la oferta monetaria</a:t>
+            </a:r>
+          </a:p>
+        </p:txBody>
+      </p:sp>
+      <p:sp>
+        <p:nvSpPr>
+          <p:cNvPr id="174" name="Shape 174"/>
+          <p:cNvSpPr/>
+          <p:nvPr>
+            <p:ph type="body" sz="half" idx="1"/>
+          </p:nvPr>
+        </p:nvSpPr>
+        <p:spPr>
+          <a:xfrm>
+            <a:off x="1104900" y="1589714"/>
+            <a:ext cx="5499688" cy="7300286"/>
+          </a:xfrm>
           <a:prstGeom prst="rect">
             <a:avLst/>
           </a:prstGeom>
@@ -7099,17 +6125,1138 @@
           <a:bodyPr/>
           <a:lstStyle/>
           <a:p>
-            <a:pPr/>
-            <a:r>
-              <a:t>Simulación</a:t>
-            </a:r>
-          </a:p>
-          <a:p>
-            <a:pPr>
-              <a:defRPr sz="3200"/>
-            </a:pPr>
-            <a:r>
-              <a:t>(con GIFS)</a:t>
+            <a:pPr marL="0" indent="0" defTabSz="233679">
+              <a:spcBef>
+                <a:spcPts val="200"/>
+              </a:spcBef>
+              <a:buSzTx/>
+              <a:buNone/>
+              <a:defRPr sz="720"/>
+            </a:pPr>
+            <a:r>
+              <a:t>function pushbutton5_Callback(hObject, eventdata, handles)</a:t>
+            </a:r>
+          </a:p>
+          <a:p>
+            <a:pPr marL="0" indent="0" defTabSz="233679">
+              <a:spcBef>
+                <a:spcPts val="200"/>
+              </a:spcBef>
+              <a:buSzTx/>
+              <a:buNone/>
+              <a:defRPr sz="720"/>
+            </a:pPr>
+            <a:r>
+              <a:t>ybar = log(getNumberValue('ybar_i'));</a:t>
+            </a:r>
+          </a:p>
+          <a:p>
+            <a:pPr marL="0" indent="0" defTabSz="233679">
+              <a:spcBef>
+                <a:spcPts val="200"/>
+              </a:spcBef>
+              <a:buSzTx/>
+              <a:buNone/>
+              <a:defRPr sz="720"/>
+            </a:pPr>
+            <a:r>
+              <a:t>istar = log(getNumberValue('istar_i'));</a:t>
+            </a:r>
+          </a:p>
+          <a:p>
+            <a:pPr marL="0" indent="0" defTabSz="233679">
+              <a:spcBef>
+                <a:spcPts val="200"/>
+              </a:spcBef>
+              <a:buSzTx/>
+              <a:buNone/>
+              <a:defRPr sz="720"/>
+            </a:pPr>
+            <a:r>
+              <a:t>pstar = log(getNumberValue('pstar_i'));</a:t>
+            </a:r>
+          </a:p>
+          <a:p>
+            <a:pPr marL="0" indent="0" defTabSz="233679">
+              <a:spcBef>
+                <a:spcPts val="200"/>
+              </a:spcBef>
+              <a:buSzTx/>
+              <a:buNone/>
+              <a:defRPr sz="720"/>
+            </a:pPr>
+            <a:r>
+              <a:t>m = log(getNumberValue('m_nuevo') + getNumberValue('m'));</a:t>
+            </a:r>
+          </a:p>
+          <a:p>
+            <a:pPr marL="0" indent="0" defTabSz="233679">
+              <a:spcBef>
+                <a:spcPts val="200"/>
+              </a:spcBef>
+              <a:buSzTx/>
+              <a:buNone/>
+              <a:defRPr sz="720"/>
+            </a:pPr>
+          </a:p>
+          <a:p>
+            <a:pPr marL="0" indent="0" defTabSz="233679">
+              <a:spcBef>
+                <a:spcPts val="200"/>
+              </a:spcBef>
+              <a:buSzTx/>
+              <a:buNone/>
+              <a:defRPr sz="720"/>
+            </a:pPr>
+            <a:r>
+              <a:t>%Shock a la oferta monetaria propagado a la GUI</a:t>
+            </a:r>
+          </a:p>
+          <a:p>
+            <a:pPr marL="0" indent="0" defTabSz="233679">
+              <a:spcBef>
+                <a:spcPts val="200"/>
+              </a:spcBef>
+              <a:buSzTx/>
+              <a:buNone/>
+              <a:defRPr sz="720"/>
+            </a:pPr>
+            <a:r>
+              <a:t>m_o =findobj('Tag','m');</a:t>
+            </a:r>
+          </a:p>
+          <a:p>
+            <a:pPr marL="0" indent="0" defTabSz="233679">
+              <a:spcBef>
+                <a:spcPts val="200"/>
+              </a:spcBef>
+              <a:buSzTx/>
+              <a:buNone/>
+              <a:defRPr sz="720"/>
+            </a:pPr>
+            <a:r>
+              <a:t>set(m_o,'String',exp(m));</a:t>
+            </a:r>
+          </a:p>
+          <a:p>
+            <a:pPr marL="0" indent="0" defTabSz="233679">
+              <a:spcBef>
+                <a:spcPts val="200"/>
+              </a:spcBef>
+              <a:buSzTx/>
+              <a:buNone/>
+              <a:defRPr sz="720"/>
+            </a:pPr>
+          </a:p>
+          <a:p>
+            <a:pPr marL="0" indent="0" defTabSz="233679">
+              <a:spcBef>
+                <a:spcPts val="200"/>
+              </a:spcBef>
+              <a:buSzTx/>
+              <a:buNone/>
+              <a:defRPr sz="720"/>
+            </a:pPr>
+            <a:r>
+              <a:t>theta = getNumberValue('theta_i');</a:t>
+            </a:r>
+          </a:p>
+          <a:p>
+            <a:pPr marL="0" indent="0" defTabSz="233679">
+              <a:spcBef>
+                <a:spcPts val="200"/>
+              </a:spcBef>
+              <a:buSzTx/>
+              <a:buNone/>
+              <a:defRPr sz="720"/>
+            </a:pPr>
+            <a:r>
+              <a:t>lambda = getNumberValue('lambda_i');</a:t>
+            </a:r>
+          </a:p>
+          <a:p>
+            <a:pPr marL="0" indent="0" defTabSz="233679">
+              <a:spcBef>
+                <a:spcPts val="200"/>
+              </a:spcBef>
+              <a:buSzTx/>
+              <a:buNone/>
+              <a:defRPr sz="720"/>
+            </a:pPr>
+            <a:r>
+              <a:t>delta = getNumberValue('delta_i');</a:t>
+            </a:r>
+          </a:p>
+          <a:p>
+            <a:pPr marL="0" indent="0" defTabSz="233679">
+              <a:spcBef>
+                <a:spcPts val="200"/>
+              </a:spcBef>
+              <a:buSzTx/>
+              <a:buNone/>
+              <a:defRPr sz="720"/>
+            </a:pPr>
+            <a:r>
+              <a:t>sigma = getNumberValue('sigma_i');</a:t>
+            </a:r>
+          </a:p>
+          <a:p>
+            <a:pPr marL="0" indent="0" defTabSz="233679">
+              <a:spcBef>
+                <a:spcPts val="200"/>
+              </a:spcBef>
+              <a:buSzTx/>
+              <a:buNone/>
+              <a:defRPr sz="720"/>
+            </a:pPr>
+            <a:r>
+              <a:t>alpha = getNumberValue('alpha_i');</a:t>
+            </a:r>
+          </a:p>
+          <a:p>
+            <a:pPr marL="0" indent="0" defTabSz="233679">
+              <a:spcBef>
+                <a:spcPts val="200"/>
+              </a:spcBef>
+              <a:buSzTx/>
+              <a:buNone/>
+              <a:defRPr sz="720"/>
+            </a:pPr>
+          </a:p>
+          <a:p>
+            <a:pPr marL="0" indent="0" defTabSz="233679">
+              <a:spcBef>
+                <a:spcPts val="200"/>
+              </a:spcBef>
+              <a:buSzTx/>
+              <a:buNone/>
+              <a:defRPr sz="720"/>
+            </a:pPr>
+            <a:r>
+              <a:t>limit = 6;</a:t>
+            </a:r>
+          </a:p>
+          <a:p>
+            <a:pPr marL="0" indent="0" defTabSz="233679">
+              <a:spcBef>
+                <a:spcPts val="200"/>
+              </a:spcBef>
+              <a:buSzTx/>
+              <a:buNone/>
+              <a:defRPr sz="720"/>
+            </a:pPr>
+            <a:r>
+              <a:t>%Determinando la matriz A y b</a:t>
+            </a:r>
+          </a:p>
+          <a:p>
+            <a:pPr marL="0" indent="0" defTabSz="233679">
+              <a:spcBef>
+                <a:spcPts val="200"/>
+              </a:spcBef>
+              <a:buSzTx/>
+              <a:buNone/>
+              <a:defRPr sz="720"/>
+            </a:pPr>
+            <a:r>
+              <a:t>A = [(-alpha)*(delta + sigma/lambda) alpha*delta; 1/lambda 0];</a:t>
+            </a:r>
+          </a:p>
+          <a:p>
+            <a:pPr marL="0" indent="0" defTabSz="233679">
+              <a:spcBef>
+                <a:spcPts val="200"/>
+              </a:spcBef>
+              <a:buSzTx/>
+              <a:buNone/>
+              <a:defRPr sz="720"/>
+            </a:pPr>
+            <a:r>
+              <a:t>b = [alpha*((sigma*m)*(1/lambda) - (1 + (sigma*theta)*(1/lambda))*ybar) ; (1/lambda)*(theta*ybar - m) - istar];</a:t>
+            </a:r>
+          </a:p>
+          <a:p>
+            <a:pPr marL="0" indent="0" defTabSz="233679">
+              <a:spcBef>
+                <a:spcPts val="200"/>
+              </a:spcBef>
+              <a:buSzTx/>
+              <a:buNone/>
+              <a:defRPr sz="720"/>
+            </a:pPr>
+            <a:r>
+              <a:t>Mss = -(A^-1)*b;</a:t>
+            </a:r>
+          </a:p>
+          <a:p>
+            <a:pPr marL="0" indent="0" defTabSz="233679">
+              <a:spcBef>
+                <a:spcPts val="200"/>
+              </a:spcBef>
+              <a:buSzTx/>
+              <a:buNone/>
+              <a:defRPr sz="720"/>
+            </a:pPr>
+          </a:p>
+          <a:p>
+            <a:pPr marL="0" indent="0" defTabSz="233679">
+              <a:spcBef>
+                <a:spcPts val="200"/>
+              </a:spcBef>
+              <a:buSzTx/>
+              <a:buNone/>
+              <a:defRPr sz="720"/>
+            </a:pPr>
+            <a:r>
+              <a:t>% Valores de Estado Estacionario</a:t>
+            </a:r>
+          </a:p>
+          <a:p>
+            <a:pPr marL="0" indent="0" defTabSz="233679">
+              <a:spcBef>
+                <a:spcPts val="200"/>
+              </a:spcBef>
+              <a:buSzTx/>
+              <a:buNone/>
+              <a:defRPr sz="720"/>
+            </a:pPr>
+            <a:r>
+              <a:t>pss_old = getNumberValue('pss');</a:t>
+            </a:r>
+          </a:p>
+          <a:p>
+            <a:pPr marL="0" indent="0" defTabSz="233679">
+              <a:spcBef>
+                <a:spcPts val="200"/>
+              </a:spcBef>
+              <a:buSzTx/>
+              <a:buNone/>
+              <a:defRPr sz="720"/>
+            </a:pPr>
+            <a:r>
+              <a:t>sss_old = getNumberValue('sss');</a:t>
+            </a:r>
+          </a:p>
+          <a:p>
+            <a:pPr marL="0" indent="0" defTabSz="233679">
+              <a:spcBef>
+                <a:spcPts val="200"/>
+              </a:spcBef>
+              <a:buSzTx/>
+              <a:buNone/>
+              <a:defRPr sz="720"/>
+            </a:pPr>
+            <a:r>
+              <a:t>pss = Mss(1,1);</a:t>
+            </a:r>
+          </a:p>
+          <a:p>
+            <a:pPr marL="0" indent="0" defTabSz="233679">
+              <a:spcBef>
+                <a:spcPts val="200"/>
+              </a:spcBef>
+              <a:buSzTx/>
+              <a:buNone/>
+              <a:defRPr sz="720"/>
+            </a:pPr>
+            <a:r>
+              <a:t>sss = Mss(2,1);</a:t>
+            </a:r>
+          </a:p>
+          <a:p>
+            <a:pPr marL="0" indent="0" defTabSz="233679">
+              <a:spcBef>
+                <a:spcPts val="200"/>
+              </a:spcBef>
+              <a:buSzTx/>
+              <a:buNone/>
+              <a:defRPr sz="720"/>
+            </a:pPr>
+          </a:p>
+          <a:p>
+            <a:pPr marL="0" indent="0" defTabSz="233679">
+              <a:spcBef>
+                <a:spcPts val="200"/>
+              </a:spcBef>
+              <a:buSzTx/>
+              <a:buNone/>
+              <a:defRPr sz="720"/>
+            </a:pPr>
+            <a:r>
+              <a:t>%Set valores en GUI</a:t>
+            </a:r>
+          </a:p>
+          <a:p>
+            <a:pPr marL="0" indent="0" defTabSz="233679">
+              <a:spcBef>
+                <a:spcPts val="200"/>
+              </a:spcBef>
+              <a:buSzTx/>
+              <a:buNone/>
+              <a:defRPr sz="720"/>
+            </a:pPr>
+            <a:r>
+              <a:t>pss_o =findobj('Tag','pss');</a:t>
+            </a:r>
+          </a:p>
+          <a:p>
+            <a:pPr marL="0" indent="0" defTabSz="233679">
+              <a:spcBef>
+                <a:spcPts val="200"/>
+              </a:spcBef>
+              <a:buSzTx/>
+              <a:buNone/>
+              <a:defRPr sz="720"/>
+            </a:pPr>
+            <a:r>
+              <a:t>set(pss_o,'String',pss);</a:t>
+            </a:r>
+          </a:p>
+          <a:p>
+            <a:pPr marL="0" indent="0" defTabSz="233679">
+              <a:spcBef>
+                <a:spcPts val="200"/>
+              </a:spcBef>
+              <a:buSzTx/>
+              <a:buNone/>
+              <a:defRPr sz="720"/>
+            </a:pPr>
+            <a:r>
+              <a:t>sss_o =findobj('Tag','sss');</a:t>
+            </a:r>
+          </a:p>
+          <a:p>
+            <a:pPr marL="0" indent="0" defTabSz="233679">
+              <a:spcBef>
+                <a:spcPts val="200"/>
+              </a:spcBef>
+              <a:buSzTx/>
+              <a:buNone/>
+              <a:defRPr sz="720"/>
+            </a:pPr>
+            <a:r>
+              <a:t>set(sss_o,'String',sss);</a:t>
+            </a:r>
+          </a:p>
+          <a:p>
+            <a:pPr marL="0" indent="0" defTabSz="233679">
+              <a:spcBef>
+                <a:spcPts val="200"/>
+              </a:spcBef>
+              <a:buSzTx/>
+              <a:buNone/>
+              <a:defRPr sz="720"/>
+            </a:pPr>
+          </a:p>
+          <a:p>
+            <a:pPr marL="0" indent="0" defTabSz="233679">
+              <a:spcBef>
+                <a:spcPts val="200"/>
+              </a:spcBef>
+              <a:buSzTx/>
+              <a:buNone/>
+              <a:defRPr sz="720"/>
+            </a:pPr>
+            <a:r>
+              <a:t>st = 0 : 1 : limit;</a:t>
+            </a:r>
+          </a:p>
+          <a:p>
+            <a:pPr marL="0" indent="0" defTabSz="233679">
+              <a:spcBef>
+                <a:spcPts val="200"/>
+              </a:spcBef>
+              <a:buSzTx/>
+              <a:buNone/>
+              <a:defRPr sz="720"/>
+            </a:pPr>
+          </a:p>
+          <a:p>
+            <a:pPr marL="0" indent="0" defTabSz="233679">
+              <a:spcBef>
+                <a:spcPts val="200"/>
+              </a:spcBef>
+              <a:buSzTx/>
+              <a:buNone/>
+              <a:defRPr sz="720"/>
+            </a:pPr>
+            <a:r>
+              <a:t>axes(handles.axes1);</a:t>
+            </a:r>
+          </a:p>
+          <a:p>
+            <a:pPr marL="0" indent="0" defTabSz="233679">
+              <a:spcBef>
+                <a:spcPts val="200"/>
+              </a:spcBef>
+              <a:buSzTx/>
+              <a:buNone/>
+              <a:defRPr sz="720"/>
+            </a:pPr>
+          </a:p>
+          <a:p>
+            <a:pPr marL="0" indent="0" defTabSz="233679">
+              <a:spcBef>
+                <a:spcPts val="200"/>
+              </a:spcBef>
+              <a:buSzTx/>
+              <a:buNone/>
+              <a:defRPr sz="720"/>
+            </a:pPr>
+            <a:r>
+              <a:t>% Ceroclina del sistema es pt =</a:t>
+            </a:r>
+          </a:p>
+          <a:p>
+            <a:pPr marL="0" indent="0" defTabSz="233679">
+              <a:spcBef>
+                <a:spcPts val="200"/>
+              </a:spcBef>
+              <a:buSzTx/>
+              <a:buNone/>
+              <a:defRPr sz="720"/>
+            </a:pPr>
+            <a:r>
+              <a:t>p_fase = (delta / ((sigma/lambda) + delta))*(st -sss) + pss;</a:t>
+            </a:r>
+          </a:p>
+          <a:p>
+            <a:pPr marL="0" indent="0" defTabSz="233679">
+              <a:spcBef>
+                <a:spcPts val="200"/>
+              </a:spcBef>
+              <a:buSzTx/>
+              <a:buNone/>
+              <a:defRPr sz="720"/>
+            </a:pPr>
+          </a:p>
+          <a:p>
+            <a:pPr marL="0" indent="0" defTabSz="233679">
+              <a:spcBef>
+                <a:spcPts val="200"/>
+              </a:spcBef>
+              <a:buSzTx/>
+              <a:buNone/>
+              <a:defRPr sz="720"/>
+            </a:pPr>
+            <a:r>
+              <a:t>plot([0 limit],[pss pss],'--b',st,p_fase,':r',sss,pss,'*m','LineWidth',2); hold on;</a:t>
+            </a:r>
+          </a:p>
+          <a:p>
+            <a:pPr marL="0" indent="0" defTabSz="233679">
+              <a:spcBef>
+                <a:spcPts val="200"/>
+              </a:spcBef>
+              <a:buSzTx/>
+              <a:buNone/>
+              <a:defRPr sz="720"/>
+            </a:pPr>
+          </a:p>
+          <a:p>
+            <a:pPr marL="0" indent="0" defTabSz="233679">
+              <a:spcBef>
+                <a:spcPts val="200"/>
+              </a:spcBef>
+              <a:buSzTx/>
+              <a:buNone/>
+              <a:defRPr sz="720"/>
+            </a:pPr>
+            <a:r>
+              <a:t>%Calculando las raices</a:t>
+            </a:r>
+          </a:p>
+          <a:p>
+            <a:pPr marL="0" indent="0" defTabSz="233679">
+              <a:spcBef>
+                <a:spcPts val="200"/>
+              </a:spcBef>
+              <a:buSzTx/>
+              <a:buNone/>
+              <a:defRPr sz="720"/>
+            </a:pPr>
+            <a:r>
+              <a:t>trA = -alpha*(delta + (sigma/lambda));</a:t>
+            </a:r>
+          </a:p>
+          <a:p>
+            <a:pPr marL="0" indent="0" defTabSz="233679">
+              <a:spcBef>
+                <a:spcPts val="200"/>
+              </a:spcBef>
+              <a:buSzTx/>
+              <a:buNone/>
+              <a:defRPr sz="720"/>
+            </a:pPr>
+            <a:r>
+              <a:t>DELTA = (alpha^2)*(delta + (sigma/lambda))^2 + 4*(alpha*delta/lambda);</a:t>
+            </a:r>
+          </a:p>
+          <a:p>
+            <a:pPr marL="0" indent="0" defTabSz="233679">
+              <a:spcBef>
+                <a:spcPts val="200"/>
+              </a:spcBef>
+              <a:buSzTx/>
+              <a:buNone/>
+              <a:defRPr sz="720"/>
+            </a:pPr>
+            <a:r>
+              <a:t>tau2 = ((trA) - sqrt(DELTA))/2;</a:t>
+            </a:r>
+          </a:p>
+          <a:p>
+            <a:pPr marL="0" indent="0" defTabSz="233679">
+              <a:spcBef>
+                <a:spcPts val="200"/>
+              </a:spcBef>
+              <a:buSzTx/>
+              <a:buNone/>
+              <a:defRPr sz="720"/>
+            </a:pPr>
+          </a:p>
+          <a:p>
+            <a:pPr marL="0" indent="0" defTabSz="233679">
+              <a:spcBef>
+                <a:spcPts val="200"/>
+              </a:spcBef>
+              <a:buSzTx/>
+              <a:buNone/>
+              <a:defRPr sz="720"/>
+            </a:pPr>
+            <a:r>
+              <a:t>st = 0 : 1 : 5;</a:t>
+            </a:r>
+          </a:p>
+          <a:p>
+            <a:pPr marL="0" indent="0" defTabSz="233679">
+              <a:spcBef>
+                <a:spcPts val="200"/>
+              </a:spcBef>
+              <a:buSzTx/>
+              <a:buNone/>
+              <a:defRPr sz="720"/>
+            </a:pPr>
+            <a:r>
+              <a:t>axes(handles.axes1);</a:t>
+            </a:r>
+          </a:p>
+          <a:p>
+            <a:pPr marL="0" indent="0" defTabSz="233679">
+              <a:spcBef>
+                <a:spcPts val="200"/>
+              </a:spcBef>
+              <a:buSzTx/>
+              <a:buNone/>
+              <a:defRPr sz="720"/>
+            </a:pPr>
+            <a:r>
+              <a:t>% Brazo estable - saddle path</a:t>
+            </a:r>
+          </a:p>
+          <a:p>
+            <a:pPr marL="0" indent="0" defTabSz="233679">
+              <a:spcBef>
+                <a:spcPts val="200"/>
+              </a:spcBef>
+              <a:buSzTx/>
+              <a:buNone/>
+              <a:defRPr sz="720"/>
+            </a:pPr>
+            <a:r>
+              <a:t>p_saddle = (st - sss + (1/(lambda*tau2))*pss)*(lambda*tau2);</a:t>
+            </a:r>
+          </a:p>
+          <a:p>
+            <a:pPr marL="0" indent="0" defTabSz="233679">
+              <a:spcBef>
+                <a:spcPts val="200"/>
+              </a:spcBef>
+              <a:buSzTx/>
+              <a:buNone/>
+              <a:defRPr sz="720"/>
+            </a:pPr>
+          </a:p>
+          <a:p>
+            <a:pPr marL="0" indent="0" defTabSz="233679">
+              <a:spcBef>
+                <a:spcPts val="200"/>
+              </a:spcBef>
+              <a:buSzTx/>
+              <a:buNone/>
+              <a:defRPr sz="720"/>
+            </a:pPr>
+            <a:r>
+              <a:t>plot(st,p_saddle,':y','LineWidth',3); hold on;</a:t>
+            </a:r>
+          </a:p>
+          <a:p>
+            <a:pPr marL="0" indent="0" defTabSz="233679">
+              <a:spcBef>
+                <a:spcPts val="200"/>
+              </a:spcBef>
+              <a:buSzTx/>
+              <a:buNone/>
+              <a:defRPr sz="720"/>
+            </a:pPr>
+          </a:p>
+          <a:p>
+            <a:pPr marL="0" indent="0" defTabSz="233679">
+              <a:spcBef>
+                <a:spcPts val="200"/>
+              </a:spcBef>
+              <a:buSzTx/>
+              <a:buNone/>
+              <a:defRPr sz="720"/>
+            </a:pPr>
+            <a:r>
+              <a:t>St = sss_old</a:t>
+            </a:r>
+          </a:p>
+          <a:p>
+            <a:pPr marL="0" indent="0" defTabSz="233679">
+              <a:spcBef>
+                <a:spcPts val="200"/>
+              </a:spcBef>
+              <a:buSzTx/>
+              <a:buNone/>
+              <a:defRPr sz="720"/>
+            </a:pPr>
+            <a:r>
+              <a:t>Pt = pss_old</a:t>
+            </a:r>
+          </a:p>
+        </p:txBody>
+      </p:sp>
+      <p:sp>
+        <p:nvSpPr>
+          <p:cNvPr id="175" name="Shape 175"/>
+          <p:cNvSpPr/>
+          <p:nvPr/>
+        </p:nvSpPr>
+        <p:spPr>
+          <a:xfrm>
+            <a:off x="6635456" y="1589714"/>
+            <a:ext cx="5499688" cy="7300286"/>
+          </a:xfrm>
+          <a:prstGeom prst="rect">
+            <a:avLst/>
+          </a:prstGeom>
+          <a:ln w="12700">
+            <a:miter lim="400000"/>
+          </a:ln>
+          <a:extLst>
+            <a:ext uri="{C572A759-6A51-4108-AA02-DFA0A04FC94B}">
+              <ma14:wrappingTextBoxFlag xmlns:ma14="http://schemas.microsoft.com/office/mac/drawingml/2011/main" val="1"/>
+            </a:ext>
+          </a:extLst>
+        </p:spPr>
+        <p:txBody>
+          <a:bodyPr lIns="50800" tIns="50800" rIns="50800" bIns="50800" anchor="ctr">
+            <a:normAutofit fontScale="100000" lnSpcReduction="0"/>
+          </a:bodyPr>
+          <a:lstStyle/>
+          <a:p>
+            <a:pPr algn="l" defTabSz="344677">
+              <a:spcBef>
+                <a:spcPts val="200"/>
+              </a:spcBef>
+              <a:defRPr sz="1062"/>
+            </a:pPr>
+            <a:r>
+              <a:t>i=1;</a:t>
+            </a:r>
+          </a:p>
+          <a:p>
+            <a:pPr algn="l" defTabSz="344677">
+              <a:spcBef>
+                <a:spcPts val="200"/>
+              </a:spcBef>
+              <a:defRPr sz="1062"/>
+            </a:pPr>
+            <a:r>
+              <a:t>while i&lt;60;</a:t>
+            </a:r>
+          </a:p>
+          <a:p>
+            <a:pPr algn="l" defTabSz="344677">
+              <a:spcBef>
+                <a:spcPts val="200"/>
+              </a:spcBef>
+              <a:defRPr sz="1062"/>
+            </a:pPr>
+            <a:r>
+              <a:t>    %Plotting cambios en S y P</a:t>
+            </a:r>
+          </a:p>
+          <a:p>
+            <a:pPr algn="l" defTabSz="344677">
+              <a:spcBef>
+                <a:spcPts val="200"/>
+              </a:spcBef>
+              <a:defRPr sz="1062"/>
+            </a:pPr>
+            <a:r>
+              <a:t>    axes(handles.axes2);</a:t>
+            </a:r>
+          </a:p>
+          <a:p>
+            <a:pPr algn="l" defTabSz="344677">
+              <a:spcBef>
+                <a:spcPts val="200"/>
+              </a:spcBef>
+              <a:defRPr sz="1062"/>
+            </a:pPr>
+            <a:r>
+              <a:t>    plot(i-1,St,'*r','LineWidth',1);</a:t>
+            </a:r>
+          </a:p>
+          <a:p>
+            <a:pPr algn="l" defTabSz="344677">
+              <a:spcBef>
+                <a:spcPts val="200"/>
+              </a:spcBef>
+              <a:defRPr sz="1062"/>
+            </a:pPr>
+            <a:r>
+              <a:t>    grid on;</a:t>
+            </a:r>
+          </a:p>
+          <a:p>
+            <a:pPr algn="l" defTabSz="344677">
+              <a:spcBef>
+                <a:spcPts val="200"/>
+              </a:spcBef>
+              <a:defRPr sz="1062"/>
+            </a:pPr>
+            <a:r>
+              <a:t>    xlabel(handles.axes2,'Time Step')</a:t>
+            </a:r>
+          </a:p>
+          <a:p>
+            <a:pPr algn="l" defTabSz="344677">
+              <a:spcBef>
+                <a:spcPts val="200"/>
+              </a:spcBef>
+              <a:defRPr sz="1062"/>
+            </a:pPr>
+            <a:r>
+              <a:t>    ylabel(handles.axes2,'Tipo de cambio')</a:t>
+            </a:r>
+          </a:p>
+          <a:p>
+            <a:pPr algn="l" defTabSz="344677">
+              <a:spcBef>
+                <a:spcPts val="200"/>
+              </a:spcBef>
+              <a:defRPr sz="1062"/>
+            </a:pPr>
+          </a:p>
+          <a:p>
+            <a:pPr algn="l" defTabSz="344677">
+              <a:spcBef>
+                <a:spcPts val="200"/>
+              </a:spcBef>
+              <a:defRPr sz="1062"/>
+            </a:pPr>
+            <a:r>
+              <a:t>    axes(handles.axes3);</a:t>
+            </a:r>
+          </a:p>
+          <a:p>
+            <a:pPr algn="l" defTabSz="344677">
+              <a:spcBef>
+                <a:spcPts val="200"/>
+              </a:spcBef>
+              <a:defRPr sz="1062"/>
+            </a:pPr>
+            <a:r>
+              <a:t>    plot(i-1,Pt,'*r','LineWidth',1);</a:t>
+            </a:r>
+          </a:p>
+          <a:p>
+            <a:pPr algn="l" defTabSz="344677">
+              <a:spcBef>
+                <a:spcPts val="200"/>
+              </a:spcBef>
+              <a:defRPr sz="1062"/>
+            </a:pPr>
+            <a:r>
+              <a:t>    grid on;</a:t>
+            </a:r>
+          </a:p>
+          <a:p>
+            <a:pPr algn="l" defTabSz="344677">
+              <a:spcBef>
+                <a:spcPts val="200"/>
+              </a:spcBef>
+              <a:defRPr sz="1062"/>
+            </a:pPr>
+            <a:r>
+              <a:t>    xlabel(handles.axes3,'Time Step')</a:t>
+            </a:r>
+          </a:p>
+          <a:p>
+            <a:pPr algn="l" defTabSz="344677">
+              <a:spcBef>
+                <a:spcPts val="200"/>
+              </a:spcBef>
+              <a:defRPr sz="1062"/>
+            </a:pPr>
+            <a:r>
+              <a:t>    ylabel(handles.axes3,'Precios domesticos')</a:t>
+            </a:r>
+          </a:p>
+          <a:p>
+            <a:pPr algn="l" defTabSz="344677">
+              <a:spcBef>
+                <a:spcPts val="200"/>
+              </a:spcBef>
+              <a:defRPr sz="1062"/>
+            </a:pPr>
+          </a:p>
+          <a:p>
+            <a:pPr algn="l" defTabSz="344677">
+              <a:spcBef>
+                <a:spcPts val="200"/>
+              </a:spcBef>
+              <a:defRPr sz="1062"/>
+            </a:pPr>
+            <a:r>
+              <a:t>    %agregamos el punto anterior</a:t>
+            </a:r>
+          </a:p>
+          <a:p>
+            <a:pPr algn="l" defTabSz="344677">
+              <a:spcBef>
+                <a:spcPts val="200"/>
+              </a:spcBef>
+              <a:defRPr sz="1062"/>
+            </a:pPr>
+            <a:r>
+              <a:t>    axes(handles.axes1);</a:t>
+            </a:r>
+          </a:p>
+          <a:p>
+            <a:pPr algn="l" defTabSz="344677">
+              <a:spcBef>
+                <a:spcPts val="200"/>
+              </a:spcBef>
+              <a:defRPr sz="1062"/>
+            </a:pPr>
+            <a:r>
+              <a:t>    if i == 1</a:t>
+            </a:r>
+          </a:p>
+          <a:p>
+            <a:pPr algn="l" defTabSz="344677">
+              <a:spcBef>
+                <a:spcPts val="200"/>
+              </a:spcBef>
+              <a:defRPr sz="1062"/>
+            </a:pPr>
+            <a:r>
+              <a:t>        s_first_shock = (sss - (1/(lambda*tau2))*pss) + (1/(lambda*tau2))*pss_old;</a:t>
+            </a:r>
+          </a:p>
+          <a:p>
+            <a:pPr algn="l" defTabSz="344677">
+              <a:spcBef>
+                <a:spcPts val="200"/>
+              </a:spcBef>
+              <a:defRPr sz="1062"/>
+            </a:pPr>
+            <a:r>
+              <a:t>        %Plotting initial shock</a:t>
+            </a:r>
+          </a:p>
+          <a:p>
+            <a:pPr algn="l" defTabSz="344677">
+              <a:spcBef>
+                <a:spcPts val="200"/>
+              </a:spcBef>
+              <a:defRPr sz="1062"/>
+            </a:pPr>
+            <a:r>
+              <a:t>        plot([sss_old s_first_shock],[pss_old pss_old],'g','LineWidth',4);</a:t>
+            </a:r>
+          </a:p>
+          <a:p>
+            <a:pPr algn="l" defTabSz="344677">
+              <a:spcBef>
+                <a:spcPts val="200"/>
+              </a:spcBef>
+              <a:defRPr sz="1062"/>
+            </a:pPr>
+            <a:r>
+              <a:t>        St = s_first_shock;</a:t>
+            </a:r>
+          </a:p>
+          <a:p>
+            <a:pPr algn="l" defTabSz="344677">
+              <a:spcBef>
+                <a:spcPts val="200"/>
+              </a:spcBef>
+              <a:defRPr sz="1062"/>
+            </a:pPr>
+            <a:r>
+              <a:t>        Pt = pss_old;</a:t>
+            </a:r>
+          </a:p>
+          <a:p>
+            <a:pPr algn="l" defTabSz="344677">
+              <a:spcBef>
+                <a:spcPts val="200"/>
+              </a:spcBef>
+              <a:defRPr sz="1062"/>
+            </a:pPr>
+            <a:r>
+              <a:t>    else</a:t>
+            </a:r>
+          </a:p>
+          <a:p>
+            <a:pPr algn="l" defTabSz="344677">
+              <a:spcBef>
+                <a:spcPts val="200"/>
+              </a:spcBef>
+              <a:defRPr sz="1062"/>
+            </a:pPr>
+            <a:r>
+              <a:t>        plot(St,Pt,'*g');</a:t>
+            </a:r>
+          </a:p>
+          <a:p>
+            <a:pPr algn="l" defTabSz="344677">
+              <a:spcBef>
+                <a:spcPts val="200"/>
+              </a:spcBef>
+              <a:defRPr sz="1062"/>
+            </a:pPr>
+            <a:r>
+              <a:t>    end</a:t>
+            </a:r>
+          </a:p>
+          <a:p>
+            <a:pPr algn="l" defTabSz="344677">
+              <a:spcBef>
+                <a:spcPts val="200"/>
+              </a:spcBef>
+              <a:defRPr sz="1062"/>
+            </a:pPr>
+          </a:p>
+          <a:p>
+            <a:pPr algn="l" defTabSz="344677">
+              <a:spcBef>
+                <a:spcPts val="200"/>
+              </a:spcBef>
+              <a:defRPr sz="1062"/>
+            </a:pPr>
+            <a:r>
+              <a:t>    smoothening = 0.1;</a:t>
+            </a:r>
+          </a:p>
+          <a:p>
+            <a:pPr algn="l" defTabSz="344677">
+              <a:spcBef>
+                <a:spcPts val="200"/>
+              </a:spcBef>
+              <a:defRPr sz="1062"/>
+            </a:pPr>
+            <a:r>
+              <a:t>    %Calculamos proximo punto partiendo de matrices</a:t>
+            </a:r>
+          </a:p>
+          <a:p>
+            <a:pPr algn="l" defTabSz="344677">
+              <a:spcBef>
+                <a:spcPts val="200"/>
+              </a:spcBef>
+              <a:defRPr sz="1062"/>
+            </a:pPr>
+            <a:r>
+              <a:t>    Mt = (A*[Pt;St] + b)*smoothening;</a:t>
+            </a:r>
+          </a:p>
+          <a:p>
+            <a:pPr algn="l" defTabSz="344677">
+              <a:spcBef>
+                <a:spcPts val="200"/>
+              </a:spcBef>
+              <a:defRPr sz="1062"/>
+            </a:pPr>
+            <a:r>
+              <a:t>    Pt = Mt(1,1) + Pt;</a:t>
+            </a:r>
+          </a:p>
+          <a:p>
+            <a:pPr algn="l" defTabSz="344677">
+              <a:spcBef>
+                <a:spcPts val="200"/>
+              </a:spcBef>
+              <a:defRPr sz="1062"/>
+            </a:pPr>
+            <a:r>
+              <a:t>    St = Mt(2,1) + St;</a:t>
+            </a:r>
+          </a:p>
+          <a:p>
+            <a:pPr algn="l" defTabSz="344677">
+              <a:spcBef>
+                <a:spcPts val="200"/>
+              </a:spcBef>
+              <a:defRPr sz="1062"/>
+            </a:pPr>
+          </a:p>
+          <a:p>
+            <a:pPr algn="l" defTabSz="344677">
+              <a:spcBef>
+                <a:spcPts val="200"/>
+              </a:spcBef>
+              <a:defRPr sz="1062"/>
+            </a:pPr>
+            <a:r>
+              <a:t>    %pausamos el computo 0.15 segundos</a:t>
+            </a:r>
+          </a:p>
+          <a:p>
+            <a:pPr algn="l" defTabSz="344677">
+              <a:spcBef>
+                <a:spcPts val="200"/>
+              </a:spcBef>
+              <a:defRPr sz="1062"/>
+            </a:pPr>
+            <a:r>
+              <a:t>    pause(0.15)</a:t>
+            </a:r>
+          </a:p>
+          <a:p>
+            <a:pPr algn="l" defTabSz="344677">
+              <a:spcBef>
+                <a:spcPts val="200"/>
+              </a:spcBef>
+              <a:defRPr sz="1062"/>
+            </a:pPr>
+          </a:p>
+          <a:p>
+            <a:pPr algn="l" defTabSz="344677">
+              <a:spcBef>
+                <a:spcPts val="200"/>
+              </a:spcBef>
+              <a:defRPr sz="1062"/>
+            </a:pPr>
+            <a:r>
+              <a:t>    i = i+1;</a:t>
+            </a:r>
+          </a:p>
+          <a:p>
+            <a:pPr algn="l" defTabSz="344677">
+              <a:spcBef>
+                <a:spcPts val="200"/>
+              </a:spcBef>
+              <a:defRPr sz="1062"/>
+            </a:pPr>
+            <a:r>
+              <a:t>end;</a:t>
             </a:r>
           </a:p>
         </p:txBody>
@@ -7142,7 +7289,65 @@
       </p:grpSpPr>
       <p:sp>
         <p:nvSpPr>
-          <p:cNvPr id="176" name="Shape 176"/>
+          <p:cNvPr id="177" name="Shape 177"/>
+          <p:cNvSpPr/>
+          <p:nvPr>
+            <p:ph type="title"/>
+          </p:nvPr>
+        </p:nvSpPr>
+        <p:spPr>
+          <a:prstGeom prst="rect">
+            <a:avLst/>
+          </a:prstGeom>
+        </p:spPr>
+        <p:txBody>
+          <a:bodyPr/>
+          <a:lstStyle/>
+          <a:p>
+            <a:pPr/>
+            <a:r>
+              <a:t>Simulación</a:t>
+            </a:r>
+          </a:p>
+          <a:p>
+            <a:pPr>
+              <a:defRPr sz="3200"/>
+            </a:pPr>
+            <a:r>
+              <a:t>(con GIFS)</a:t>
+            </a:r>
+          </a:p>
+        </p:txBody>
+      </p:sp>
+    </p:spTree>
+  </p:cSld>
+  <p:clrMapOvr>
+    <a:masterClrMapping/>
+  </p:clrMapOvr>
+  <p:transition xmlns:p14="http://schemas.microsoft.com/office/powerpoint/2010/main" spd="med" advClick="1" p14:dur="1000"/>
+</p:sld>
+</file>
+
+<file path=ppt/slides/slide18.xml><?xml version="1.0" encoding="utf-8"?>
+<p:sld xmlns:a="http://schemas.openxmlformats.org/drawingml/2006/main" xmlns:r="http://schemas.openxmlformats.org/officeDocument/2006/relationships" xmlns:p="http://schemas.openxmlformats.org/presentationml/2006/main" showMasterSp="1" showMasterPhAnim="1">
+  <p:cSld>
+    <p:spTree>
+      <p:nvGrpSpPr>
+        <p:cNvPr id="1" name=""/>
+        <p:cNvGrpSpPr/>
+        <p:nvPr/>
+      </p:nvGrpSpPr>
+      <p:grpSpPr>
+        <a:xfrm>
+          <a:off x="0" y="0"/>
+          <a:ext cx="0" cy="0"/>
+          <a:chOff x="0" y="0"/>
+          <a:chExt cx="0" cy="0"/>
+        </a:xfrm>
+      </p:grpSpPr>
+      <p:sp>
+        <p:nvSpPr>
+          <p:cNvPr id="179" name="Shape 179"/>
           <p:cNvSpPr/>
           <p:nvPr/>
         </p:nvSpPr>
@@ -7182,7 +7387,7 @@
       </p:sp>
       <p:pic>
         <p:nvPicPr>
-          <p:cNvPr id="177" name="1.gif"/>
+          <p:cNvPr id="180" name="1.gif"/>
           <p:cNvPicPr>
             <a:picLocks noChangeAspect="0"/>
           </p:cNvPicPr>
@@ -7218,7 +7423,7 @@
 </p:sld>
 </file>
 
-<file path=ppt/slides/slide18.xml><?xml version="1.0" encoding="utf-8"?>
+<file path=ppt/slides/slide19.xml><?xml version="1.0" encoding="utf-8"?>
 <p:sld xmlns:a="http://schemas.openxmlformats.org/drawingml/2006/main" xmlns:r="http://schemas.openxmlformats.org/officeDocument/2006/relationships" xmlns:p="http://schemas.openxmlformats.org/presentationml/2006/main" showMasterSp="1" showMasterPhAnim="1">
   <p:cSld>
     <p:spTree>
@@ -7237,7 +7442,7 @@
       </p:grpSpPr>
       <p:sp>
         <p:nvSpPr>
-          <p:cNvPr id="179" name="Shape 179"/>
+          <p:cNvPr id="182" name="Shape 182"/>
           <p:cNvSpPr/>
           <p:nvPr/>
         </p:nvSpPr>
@@ -7277,7 +7482,7 @@
       </p:sp>
       <p:pic>
         <p:nvPicPr>
-          <p:cNvPr id="180" name="2.gif"/>
+          <p:cNvPr id="183" name="2.gif"/>
           <p:cNvPicPr>
             <a:picLocks noChangeAspect="0"/>
           </p:cNvPicPr>
@@ -7304,101 +7509,6 @@
           </a:ln>
         </p:spPr>
       </p:pic>
-    </p:spTree>
-  </p:cSld>
-  <p:clrMapOvr>
-    <a:masterClrMapping/>
-  </p:clrMapOvr>
-  <p:transition xmlns:p14="http://schemas.microsoft.com/office/powerpoint/2010/main" spd="med" advClick="1" p14:dur="1000"/>
-</p:sld>
-</file>
-
-<file path=ppt/slides/slide19.xml><?xml version="1.0" encoding="utf-8"?>
-<p:sld xmlns:a="http://schemas.openxmlformats.org/drawingml/2006/main" xmlns:r="http://schemas.openxmlformats.org/officeDocument/2006/relationships" xmlns:p="http://schemas.openxmlformats.org/presentationml/2006/main" showMasterSp="1" showMasterPhAnim="1">
-  <p:cSld>
-    <p:spTree>
-      <p:nvGrpSpPr>
-        <p:cNvPr id="1" name=""/>
-        <p:cNvGrpSpPr/>
-        <p:nvPr/>
-      </p:nvGrpSpPr>
-      <p:grpSpPr>
-        <a:xfrm>
-          <a:off x="0" y="0"/>
-          <a:ext cx="0" cy="0"/>
-          <a:chOff x="0" y="0"/>
-          <a:chExt cx="0" cy="0"/>
-        </a:xfrm>
-      </p:grpSpPr>
-      <p:pic>
-        <p:nvPicPr>
-          <p:cNvPr id="182" name="prueba.gif"/>
-          <p:cNvPicPr>
-            <a:picLocks noChangeAspect="0"/>
-          </p:cNvPicPr>
-          <p:nvPr/>
-        </p:nvPicPr>
-        <p:blipFill>
-          <a:blip r:embed="rId2">
-            <a:extLst/>
-          </a:blip>
-          <a:stretch>
-            <a:fillRect/>
-          </a:stretch>
-        </p:blipFill>
-        <p:spPr>
-          <a:xfrm>
-            <a:off x="-1" y="1397816"/>
-            <a:ext cx="13004801" cy="7711501"/>
-          </a:xfrm>
-          <a:prstGeom prst="rect">
-            <a:avLst/>
-          </a:prstGeom>
-          <a:ln w="12700">
-            <a:miter lim="400000"/>
-          </a:ln>
-        </p:spPr>
-      </p:pic>
-      <p:sp>
-        <p:nvSpPr>
-          <p:cNvPr id="183" name="Shape 183"/>
-          <p:cNvSpPr/>
-          <p:nvPr/>
-        </p:nvSpPr>
-        <p:spPr>
-          <a:xfrm>
-            <a:off x="85022" y="419099"/>
-            <a:ext cx="7974889" cy="584201"/>
-          </a:xfrm>
-          <a:prstGeom prst="rect">
-            <a:avLst/>
-          </a:prstGeom>
-          <a:ln w="12700">
-            <a:miter lim="400000"/>
-          </a:ln>
-          <a:extLst>
-            <a:ext uri="{C572A759-6A51-4108-AA02-DFA0A04FC94B}">
-              <ma14:wrappingTextBoxFlag xmlns:ma14="http://schemas.microsoft.com/office/mac/drawingml/2011/main" val="1"/>
-            </a:ext>
-          </a:extLst>
-        </p:spPr>
-        <p:txBody>
-          <a:bodyPr wrap="none" lIns="50800" tIns="50800" rIns="50800" bIns="50800" anchor="ctr">
-            <a:spAutoFit/>
-          </a:bodyPr>
-          <a:lstStyle>
-            <a:lvl1pPr>
-              <a:defRPr sz="3200"/>
-            </a:lvl1pPr>
-          </a:lstStyle>
-          <a:p>
-            <a:pPr/>
-            <a:r>
-              <a:t>Raiz estable - convergencia a steady state.</a:t>
-            </a:r>
-          </a:p>
-        </p:txBody>
-      </p:sp>
     </p:spTree>
   </p:cSld>
   <p:clrMapOvr>
@@ -7475,9 +7585,104 @@
           <a:chExt cx="0" cy="0"/>
         </a:xfrm>
       </p:grpSpPr>
+      <p:pic>
+        <p:nvPicPr>
+          <p:cNvPr id="185" name="prueba.gif"/>
+          <p:cNvPicPr>
+            <a:picLocks noChangeAspect="0"/>
+          </p:cNvPicPr>
+          <p:nvPr/>
+        </p:nvPicPr>
+        <p:blipFill>
+          <a:blip r:embed="rId2">
+            <a:extLst/>
+          </a:blip>
+          <a:stretch>
+            <a:fillRect/>
+          </a:stretch>
+        </p:blipFill>
+        <p:spPr>
+          <a:xfrm>
+            <a:off x="-1" y="1397816"/>
+            <a:ext cx="13004801" cy="7711501"/>
+          </a:xfrm>
+          <a:prstGeom prst="rect">
+            <a:avLst/>
+          </a:prstGeom>
+          <a:ln w="12700">
+            <a:miter lim="400000"/>
+          </a:ln>
+        </p:spPr>
+      </p:pic>
       <p:sp>
         <p:nvSpPr>
-          <p:cNvPr id="185" name="Shape 185"/>
+          <p:cNvPr id="186" name="Shape 186"/>
+          <p:cNvSpPr/>
+          <p:nvPr/>
+        </p:nvSpPr>
+        <p:spPr>
+          <a:xfrm>
+            <a:off x="85022" y="419099"/>
+            <a:ext cx="7974889" cy="584201"/>
+          </a:xfrm>
+          <a:prstGeom prst="rect">
+            <a:avLst/>
+          </a:prstGeom>
+          <a:ln w="12700">
+            <a:miter lim="400000"/>
+          </a:ln>
+          <a:extLst>
+            <a:ext uri="{C572A759-6A51-4108-AA02-DFA0A04FC94B}">
+              <ma14:wrappingTextBoxFlag xmlns:ma14="http://schemas.microsoft.com/office/mac/drawingml/2011/main" val="1"/>
+            </a:ext>
+          </a:extLst>
+        </p:spPr>
+        <p:txBody>
+          <a:bodyPr wrap="none" lIns="50800" tIns="50800" rIns="50800" bIns="50800" anchor="ctr">
+            <a:spAutoFit/>
+          </a:bodyPr>
+          <a:lstStyle>
+            <a:lvl1pPr>
+              <a:defRPr sz="3200"/>
+            </a:lvl1pPr>
+          </a:lstStyle>
+          <a:p>
+            <a:pPr/>
+            <a:r>
+              <a:t>Raiz estable - convergencia a steady state.</a:t>
+            </a:r>
+          </a:p>
+        </p:txBody>
+      </p:sp>
+    </p:spTree>
+  </p:cSld>
+  <p:clrMapOvr>
+    <a:masterClrMapping/>
+  </p:clrMapOvr>
+  <p:transition xmlns:p14="http://schemas.microsoft.com/office/powerpoint/2010/main" spd="med" advClick="1" p14:dur="1000"/>
+</p:sld>
+</file>
+
+<file path=ppt/slides/slide21.xml><?xml version="1.0" encoding="utf-8"?>
+<p:sld xmlns:a="http://schemas.openxmlformats.org/drawingml/2006/main" xmlns:r="http://schemas.openxmlformats.org/officeDocument/2006/relationships" xmlns:p="http://schemas.openxmlformats.org/presentationml/2006/main" showMasterSp="1" showMasterPhAnim="1">
+  <p:cSld>
+    <p:spTree>
+      <p:nvGrpSpPr>
+        <p:cNvPr id="1" name=""/>
+        <p:cNvGrpSpPr/>
+        <p:nvPr/>
+      </p:nvGrpSpPr>
+      <p:grpSpPr>
+        <a:xfrm>
+          <a:off x="0" y="0"/>
+          <a:ext cx="0" cy="0"/>
+          <a:chOff x="0" y="0"/>
+          <a:chExt cx="0" cy="0"/>
+        </a:xfrm>
+      </p:grpSpPr>
+      <p:sp>
+        <p:nvSpPr>
+          <p:cNvPr id="188" name="Shape 188"/>
           <p:cNvSpPr/>
           <p:nvPr/>
         </p:nvSpPr>
@@ -7517,7 +7722,7 @@
       </p:sp>
       <p:pic>
         <p:nvPicPr>
-          <p:cNvPr id="186" name="4.gif"/>
+          <p:cNvPr id="189" name="4.gif"/>
           <p:cNvPicPr>
             <a:picLocks noChangeAspect="0"/>
           </p:cNvPicPr>
@@ -7553,7 +7758,7 @@
 </p:sld>
 </file>
 
-<file path=ppt/slides/slide21.xml><?xml version="1.0" encoding="utf-8"?>
+<file path=ppt/slides/slide22.xml><?xml version="1.0" encoding="utf-8"?>
 <p:sld xmlns:a="http://schemas.openxmlformats.org/drawingml/2006/main" xmlns:r="http://schemas.openxmlformats.org/officeDocument/2006/relationships" xmlns:p="http://schemas.openxmlformats.org/presentationml/2006/main" showMasterSp="1" showMasterPhAnim="1">
   <p:cSld>
     <p:spTree>
@@ -7572,7 +7777,7 @@
       </p:grpSpPr>
       <p:sp>
         <p:nvSpPr>
-          <p:cNvPr id="188" name="Shape 188"/>
+          <p:cNvPr id="191" name="Shape 191"/>
           <p:cNvSpPr/>
           <p:nvPr>
             <p:ph type="title"/>
@@ -7596,7 +7801,7 @@
       </p:sp>
       <p:sp>
         <p:nvSpPr>
-          <p:cNvPr id="189" name="Shape 189"/>
+          <p:cNvPr id="192" name="Shape 192"/>
           <p:cNvSpPr/>
           <p:nvPr>
             <p:ph type="body" idx="1"/>
@@ -7750,6 +7955,10 @@
               <a:t>t</a:t>
             </a:r>
             <a:r>
+              <a:rPr baseline="13818"/>
+              <a:t>*</a:t>
+            </a:r>
+            <a:r>
               <a:rPr baseline="-18181"/>
               <a:t>  </a:t>
             </a:r>
@@ -7774,6 +7983,10 @@
             <a:r>
               <a:rPr baseline="-24181"/>
               <a:t>t</a:t>
+            </a:r>
+            <a:r>
+              <a:rPr baseline="13818"/>
+              <a:t>*</a:t>
             </a:r>
             <a:r>
               <a:rPr baseline="-18181"/>

--- a/ODAF-Nicolas-Sandller.pptx
+++ b/ODAF-Nicolas-Sandller.pptx
@@ -3087,7 +3087,7 @@
       </p:grpSpPr>
       <p:sp>
         <p:nvSpPr>
-          <p:cNvPr id="152" name="Shape 152"/>
+          <p:cNvPr id="153" name="Shape 153"/>
           <p:cNvSpPr/>
           <p:nvPr>
             <p:ph type="title"/>
@@ -3111,7 +3111,7 @@
       </p:sp>
       <p:sp>
         <p:nvSpPr>
-          <p:cNvPr id="153" name="Shape 153"/>
+          <p:cNvPr id="154" name="Shape 154"/>
           <p:cNvSpPr/>
           <p:nvPr>
             <p:ph type="body" idx="1"/>
@@ -3119,8 +3119,8 @@
         </p:nvSpPr>
         <p:spPr>
           <a:xfrm>
-            <a:off x="952499" y="3339856"/>
-            <a:ext cx="11099801" cy="6286501"/>
+            <a:off x="952500" y="3339856"/>
+            <a:ext cx="11099800" cy="6286501"/>
           </a:xfrm>
           <a:prstGeom prst="rect">
             <a:avLst/>
@@ -3291,7 +3291,7 @@
       </p:grpSpPr>
       <p:sp>
         <p:nvSpPr>
-          <p:cNvPr id="155" name="Shape 155"/>
+          <p:cNvPr id="156" name="Shape 156"/>
           <p:cNvSpPr/>
           <p:nvPr>
             <p:ph type="title"/>
@@ -3341,7 +3341,7 @@
       </p:grpSpPr>
       <p:sp>
         <p:nvSpPr>
-          <p:cNvPr id="157" name="Shape 157"/>
+          <p:cNvPr id="158" name="Shape 158"/>
           <p:cNvSpPr/>
           <p:nvPr>
             <p:ph type="title"/>
@@ -3373,7 +3373,7 @@
       </p:sp>
       <p:sp>
         <p:nvSpPr>
-          <p:cNvPr id="158" name="Shape 158"/>
+          <p:cNvPr id="159" name="Shape 159"/>
           <p:cNvSpPr/>
           <p:nvPr>
             <p:ph type="body" sz="half" idx="1"/>
@@ -3659,7 +3659,7 @@
       </p:sp>
       <p:sp>
         <p:nvSpPr>
-          <p:cNvPr id="159" name="Shape 159"/>
+          <p:cNvPr id="160" name="Shape 160"/>
           <p:cNvSpPr/>
           <p:nvPr/>
         </p:nvSpPr>
@@ -3920,7 +3920,7 @@
       </p:grpSpPr>
       <p:sp>
         <p:nvSpPr>
-          <p:cNvPr id="161" name="Shape 161"/>
+          <p:cNvPr id="162" name="Shape 162"/>
           <p:cNvSpPr/>
           <p:nvPr>
             <p:ph type="title"/>
@@ -3962,7 +3962,7 @@
       </p:sp>
       <p:sp>
         <p:nvSpPr>
-          <p:cNvPr id="162" name="Shape 162"/>
+          <p:cNvPr id="163" name="Shape 163"/>
           <p:cNvSpPr/>
           <p:nvPr>
             <p:ph type="body" sz="half" idx="1"/>
@@ -4235,7 +4235,7 @@
       </p:sp>
       <p:sp>
         <p:nvSpPr>
-          <p:cNvPr id="163" name="Shape 163"/>
+          <p:cNvPr id="164" name="Shape 164"/>
           <p:cNvSpPr/>
           <p:nvPr/>
         </p:nvSpPr>
@@ -4650,7 +4650,7 @@
       </p:grpSpPr>
       <p:sp>
         <p:nvSpPr>
-          <p:cNvPr id="165" name="Shape 165"/>
+          <p:cNvPr id="166" name="Shape 166"/>
           <p:cNvSpPr/>
           <p:nvPr>
             <p:ph type="title"/>
@@ -4682,7 +4682,7 @@
       </p:sp>
       <p:sp>
         <p:nvSpPr>
-          <p:cNvPr id="166" name="Shape 166"/>
+          <p:cNvPr id="167" name="Shape 167"/>
           <p:cNvSpPr/>
           <p:nvPr>
             <p:ph type="body" sz="half" idx="1"/>
@@ -4959,7 +4959,7 @@
       </p:sp>
       <p:sp>
         <p:nvSpPr>
-          <p:cNvPr id="167" name="Shape 167"/>
+          <p:cNvPr id="168" name="Shape 168"/>
           <p:cNvSpPr/>
           <p:nvPr/>
         </p:nvSpPr>
@@ -5182,7 +5182,7 @@
       </p:grpSpPr>
       <p:sp>
         <p:nvSpPr>
-          <p:cNvPr id="169" name="Shape 169"/>
+          <p:cNvPr id="170" name="Shape 170"/>
           <p:cNvSpPr/>
           <p:nvPr>
             <p:ph type="title"/>
@@ -5216,7 +5216,7 @@
       </p:sp>
       <p:sp>
         <p:nvSpPr>
-          <p:cNvPr id="170" name="Shape 170"/>
+          <p:cNvPr id="171" name="Shape 171"/>
           <p:cNvSpPr/>
           <p:nvPr>
             <p:ph type="body" sz="half" idx="1"/>
@@ -5659,7 +5659,7 @@
       </p:sp>
       <p:sp>
         <p:nvSpPr>
-          <p:cNvPr id="171" name="Shape 171"/>
+          <p:cNvPr id="172" name="Shape 172"/>
           <p:cNvSpPr/>
           <p:nvPr/>
         </p:nvSpPr>
@@ -6074,7 +6074,7 @@
       </p:grpSpPr>
       <p:sp>
         <p:nvSpPr>
-          <p:cNvPr id="173" name="Shape 173"/>
+          <p:cNvPr id="174" name="Shape 174"/>
           <p:cNvSpPr/>
           <p:nvPr>
             <p:ph type="title"/>
@@ -6106,7 +6106,7 @@
       </p:sp>
       <p:sp>
         <p:nvSpPr>
-          <p:cNvPr id="174" name="Shape 174"/>
+          <p:cNvPr id="175" name="Shape 175"/>
           <p:cNvSpPr/>
           <p:nvPr>
             <p:ph type="body" sz="half" idx="1"/>
@@ -6830,7 +6830,7 @@
       </p:sp>
       <p:sp>
         <p:nvSpPr>
-          <p:cNvPr id="175" name="Shape 175"/>
+          <p:cNvPr id="176" name="Shape 176"/>
           <p:cNvSpPr/>
           <p:nvPr/>
         </p:nvSpPr>
@@ -7289,7 +7289,7 @@
       </p:grpSpPr>
       <p:sp>
         <p:nvSpPr>
-          <p:cNvPr id="177" name="Shape 177"/>
+          <p:cNvPr id="178" name="Shape 178"/>
           <p:cNvSpPr/>
           <p:nvPr>
             <p:ph type="title"/>
@@ -7347,7 +7347,7 @@
       </p:grpSpPr>
       <p:sp>
         <p:nvSpPr>
-          <p:cNvPr id="179" name="Shape 179"/>
+          <p:cNvPr id="180" name="Shape 180"/>
           <p:cNvSpPr/>
           <p:nvPr/>
         </p:nvSpPr>
@@ -7387,7 +7387,7 @@
       </p:sp>
       <p:pic>
         <p:nvPicPr>
-          <p:cNvPr id="180" name="1.gif"/>
+          <p:cNvPr id="181" name="1.gif"/>
           <p:cNvPicPr>
             <a:picLocks noChangeAspect="0"/>
           </p:cNvPicPr>
@@ -7442,7 +7442,7 @@
       </p:grpSpPr>
       <p:sp>
         <p:nvSpPr>
-          <p:cNvPr id="182" name="Shape 182"/>
+          <p:cNvPr id="183" name="Shape 183"/>
           <p:cNvSpPr/>
           <p:nvPr/>
         </p:nvSpPr>
@@ -7482,7 +7482,7 @@
       </p:sp>
       <p:pic>
         <p:nvPicPr>
-          <p:cNvPr id="183" name="2.gif"/>
+          <p:cNvPr id="184" name="2.gif"/>
           <p:cNvPicPr>
             <a:picLocks noChangeAspect="0"/>
           </p:cNvPicPr>
@@ -7587,7 +7587,7 @@
       </p:grpSpPr>
       <p:pic>
         <p:nvPicPr>
-          <p:cNvPr id="185" name="prueba.gif"/>
+          <p:cNvPr id="186" name="prueba.gif"/>
           <p:cNvPicPr>
             <a:picLocks noChangeAspect="0"/>
           </p:cNvPicPr>
@@ -7616,7 +7616,7 @@
       </p:pic>
       <p:sp>
         <p:nvSpPr>
-          <p:cNvPr id="186" name="Shape 186"/>
+          <p:cNvPr id="187" name="Shape 187"/>
           <p:cNvSpPr/>
           <p:nvPr/>
         </p:nvSpPr>
@@ -7682,7 +7682,7 @@
       </p:grpSpPr>
       <p:sp>
         <p:nvSpPr>
-          <p:cNvPr id="188" name="Shape 188"/>
+          <p:cNvPr id="189" name="Shape 189"/>
           <p:cNvSpPr/>
           <p:nvPr/>
         </p:nvSpPr>
@@ -7722,7 +7722,7 @@
       </p:sp>
       <p:pic>
         <p:nvPicPr>
-          <p:cNvPr id="189" name="4.gif"/>
+          <p:cNvPr id="190" name="4.gif"/>
           <p:cNvPicPr>
             <a:picLocks noChangeAspect="0"/>
           </p:cNvPicPr>
@@ -7777,7 +7777,7 @@
       </p:grpSpPr>
       <p:sp>
         <p:nvSpPr>
-          <p:cNvPr id="191" name="Shape 191"/>
+          <p:cNvPr id="192" name="Shape 192"/>
           <p:cNvSpPr/>
           <p:nvPr>
             <p:ph type="title"/>
@@ -7801,7 +7801,7 @@
       </p:sp>
       <p:sp>
         <p:nvSpPr>
-          <p:cNvPr id="192" name="Shape 192"/>
+          <p:cNvPr id="193" name="Shape 193"/>
           <p:cNvSpPr/>
           <p:nvPr>
             <p:ph type="body" idx="1"/>
@@ -9046,7 +9046,7 @@
               <a:defRPr sz="2200"/>
             </a:pPr>
             <a:r>
-              <a:t>Re - expresamos en forma matricial:</a:t>
+              <a:t>Re - expresamos en forma matricial:  </a:t>
             </a:r>
           </a:p>
           <a:p>
@@ -9142,67 +9142,9 @@
           </a:p>
         </p:txBody>
       </p:sp>
-      <p:pic>
-        <p:nvPicPr>
-          <p:cNvPr id="134" name="Screen Shot 2015-12-09 at 10.45.11 AM.png"/>
-          <p:cNvPicPr>
-            <a:picLocks noChangeAspect="1"/>
-          </p:cNvPicPr>
-          <p:nvPr/>
-        </p:nvPicPr>
-        <p:blipFill>
-          <a:blip r:embed="rId2">
-            <a:extLst/>
-          </a:blip>
-          <a:stretch>
-            <a:fillRect/>
-          </a:stretch>
-        </p:blipFill>
-        <p:spPr>
-          <a:xfrm>
-            <a:off x="3298295" y="2162524"/>
-            <a:ext cx="6408210" cy="1927405"/>
-          </a:xfrm>
-          <a:prstGeom prst="rect">
-            <a:avLst/>
-          </a:prstGeom>
-          <a:ln w="12700">
-            <a:miter lim="400000"/>
-          </a:ln>
-        </p:spPr>
-      </p:pic>
-      <p:pic>
-        <p:nvPicPr>
-          <p:cNvPr id="135" name="Screen Shot 2015-12-09 at 10.50.26 AM.png"/>
-          <p:cNvPicPr>
-            <a:picLocks noChangeAspect="1"/>
-          </p:cNvPicPr>
-          <p:nvPr/>
-        </p:nvPicPr>
-        <p:blipFill>
-          <a:blip r:embed="rId3">
-            <a:extLst/>
-          </a:blip>
-          <a:stretch>
-            <a:fillRect/>
-          </a:stretch>
-        </p:blipFill>
-        <p:spPr>
-          <a:xfrm>
-            <a:off x="223184" y="5906958"/>
-            <a:ext cx="6408209" cy="2339991"/>
-          </a:xfrm>
-          <a:prstGeom prst="rect">
-            <a:avLst/>
-          </a:prstGeom>
-          <a:ln w="12700">
-            <a:miter lim="400000"/>
-          </a:ln>
-        </p:spPr>
-      </p:pic>
       <p:sp>
         <p:nvSpPr>
-          <p:cNvPr id="136" name="Shape 136"/>
+          <p:cNvPr id="134" name="Shape 134"/>
           <p:cNvSpPr/>
           <p:nvPr/>
         </p:nvSpPr>
@@ -9350,6 +9292,93 @@
           </a:p>
         </p:txBody>
       </p:sp>
+      <p:pic>
+        <p:nvPicPr>
+          <p:cNvPr id="135" name="Screen Shot 2015-12-10 at 11.05.00 AM.png"/>
+          <p:cNvPicPr>
+            <a:picLocks noChangeAspect="1"/>
+          </p:cNvPicPr>
+          <p:nvPr/>
+        </p:nvPicPr>
+        <p:blipFill>
+          <a:blip r:embed="rId2">
+            <a:extLst/>
+          </a:blip>
+          <a:stretch>
+            <a:fillRect/>
+          </a:stretch>
+        </p:blipFill>
+        <p:spPr>
+          <a:xfrm>
+            <a:off x="2389451" y="2199243"/>
+            <a:ext cx="7649029" cy="1796916"/>
+          </a:xfrm>
+          <a:prstGeom prst="rect">
+            <a:avLst/>
+          </a:prstGeom>
+          <a:ln w="12700">
+            <a:miter lim="400000"/>
+          </a:ln>
+        </p:spPr>
+      </p:pic>
+      <p:pic>
+        <p:nvPicPr>
+          <p:cNvPr id="136" name="Screen Shot 2015-12-10 at 11.58.59 AM.png"/>
+          <p:cNvPicPr>
+            <a:picLocks noChangeAspect="1"/>
+          </p:cNvPicPr>
+          <p:nvPr/>
+        </p:nvPicPr>
+        <p:blipFill>
+          <a:blip r:embed="rId3">
+            <a:extLst/>
+          </a:blip>
+          <a:stretch>
+            <a:fillRect/>
+          </a:stretch>
+        </p:blipFill>
+        <p:spPr>
+          <a:xfrm>
+            <a:off x="1466686" y="5013539"/>
+            <a:ext cx="2889944" cy="1240881"/>
+          </a:xfrm>
+          <a:prstGeom prst="rect">
+            <a:avLst/>
+          </a:prstGeom>
+          <a:ln w="12700">
+            <a:miter lim="400000"/>
+          </a:ln>
+        </p:spPr>
+      </p:pic>
+      <p:pic>
+        <p:nvPicPr>
+          <p:cNvPr id="137" name="Screen Shot 2015-12-10 at 11.59.14 AM.png"/>
+          <p:cNvPicPr>
+            <a:picLocks noChangeAspect="1"/>
+          </p:cNvPicPr>
+          <p:nvPr/>
+        </p:nvPicPr>
+        <p:blipFill>
+          <a:blip r:embed="rId4">
+            <a:extLst/>
+          </a:blip>
+          <a:stretch>
+            <a:fillRect/>
+          </a:stretch>
+        </p:blipFill>
+        <p:spPr>
+          <a:xfrm>
+            <a:off x="294216" y="6143726"/>
+            <a:ext cx="7076557" cy="2414894"/>
+          </a:xfrm>
+          <a:prstGeom prst="rect">
+            <a:avLst/>
+          </a:prstGeom>
+          <a:ln w="12700">
+            <a:miter lim="400000"/>
+          </a:ln>
+        </p:spPr>
+      </p:pic>
     </p:spTree>
   </p:cSld>
   <p:clrMapOvr>
@@ -9378,7 +9407,7 @@
       </p:grpSpPr>
       <p:sp>
         <p:nvSpPr>
-          <p:cNvPr id="138" name="Shape 138"/>
+          <p:cNvPr id="139" name="Shape 139"/>
           <p:cNvSpPr/>
           <p:nvPr/>
         </p:nvSpPr>
@@ -9567,7 +9596,7 @@
       </p:sp>
       <p:pic>
         <p:nvPicPr>
-          <p:cNvPr id="139" name="Screen Shot 2015-12-09 at 11.39.00 AM.png"/>
+          <p:cNvPr id="140" name="Screen Shot 2015-12-09 at 11.42.40 AM.png"/>
           <p:cNvPicPr>
             <a:picLocks noChangeAspect="1"/>
           </p:cNvPicPr>
@@ -9575,64 +9604,6 @@
         </p:nvPicPr>
         <p:blipFill>
           <a:blip r:embed="rId2">
-            <a:extLst/>
-          </a:blip>
-          <a:stretch>
-            <a:fillRect/>
-          </a:stretch>
-        </p:blipFill>
-        <p:spPr>
-          <a:xfrm>
-            <a:off x="3201389" y="2123299"/>
-            <a:ext cx="5410201" cy="1270001"/>
-          </a:xfrm>
-          <a:prstGeom prst="rect">
-            <a:avLst/>
-          </a:prstGeom>
-          <a:ln w="12700">
-            <a:miter lim="400000"/>
-          </a:ln>
-        </p:spPr>
-      </p:pic>
-      <p:pic>
-        <p:nvPicPr>
-          <p:cNvPr id="140" name="Screen Shot 2015-12-09 at 11.41.22 AM.png"/>
-          <p:cNvPicPr>
-            <a:picLocks noChangeAspect="1"/>
-          </p:cNvPicPr>
-          <p:nvPr/>
-        </p:nvPicPr>
-        <p:blipFill>
-          <a:blip r:embed="rId3">
-            <a:extLst/>
-          </a:blip>
-          <a:stretch>
-            <a:fillRect/>
-          </a:stretch>
-        </p:blipFill>
-        <p:spPr>
-          <a:xfrm>
-            <a:off x="1433489" y="4431779"/>
-            <a:ext cx="9321801" cy="1270001"/>
-          </a:xfrm>
-          <a:prstGeom prst="rect">
-            <a:avLst/>
-          </a:prstGeom>
-          <a:ln w="12700">
-            <a:miter lim="400000"/>
-          </a:ln>
-        </p:spPr>
-      </p:pic>
-      <p:pic>
-        <p:nvPicPr>
-          <p:cNvPr id="141" name="Screen Shot 2015-12-09 at 11.42.40 AM.png"/>
-          <p:cNvPicPr>
-            <a:picLocks noChangeAspect="1"/>
-          </p:cNvPicPr>
-          <p:nvPr/>
-        </p:nvPicPr>
-        <p:blipFill>
-          <a:blip r:embed="rId4">
             <a:extLst/>
           </a:blip>
           <a:stretch>
@@ -9654,7 +9625,65 @@
       </p:pic>
       <p:pic>
         <p:nvPicPr>
-          <p:cNvPr id="142" name="Screen Shot 2015-12-09 at 11.42.45 AM.png"/>
+          <p:cNvPr id="141" name="Screen Shot 2015-12-09 at 11.42.45 AM.png"/>
+          <p:cNvPicPr>
+            <a:picLocks noChangeAspect="1"/>
+          </p:cNvPicPr>
+          <p:nvPr/>
+        </p:nvPicPr>
+        <p:blipFill>
+          <a:blip r:embed="rId3">
+            <a:extLst/>
+          </a:blip>
+          <a:stretch>
+            <a:fillRect/>
+          </a:stretch>
+        </p:blipFill>
+        <p:spPr>
+          <a:xfrm>
+            <a:off x="6361157" y="6224878"/>
+            <a:ext cx="3645504" cy="3218554"/>
+          </a:xfrm>
+          <a:prstGeom prst="rect">
+            <a:avLst/>
+          </a:prstGeom>
+          <a:ln w="12700">
+            <a:miter lim="400000"/>
+          </a:ln>
+        </p:spPr>
+      </p:pic>
+      <p:pic>
+        <p:nvPicPr>
+          <p:cNvPr id="142" name="Screen Shot 2015-12-10 at 6.30.28 PM.png"/>
+          <p:cNvPicPr>
+            <a:picLocks noChangeAspect="1"/>
+          </p:cNvPicPr>
+          <p:nvPr/>
+        </p:nvPicPr>
+        <p:blipFill>
+          <a:blip r:embed="rId4">
+            <a:extLst/>
+          </a:blip>
+          <a:stretch>
+            <a:fillRect/>
+          </a:stretch>
+        </p:blipFill>
+        <p:spPr>
+          <a:xfrm>
+            <a:off x="3796863" y="2088592"/>
+            <a:ext cx="5411074" cy="1820089"/>
+          </a:xfrm>
+          <a:prstGeom prst="rect">
+            <a:avLst/>
+          </a:prstGeom>
+          <a:ln w="12700">
+            <a:miter lim="400000"/>
+          </a:ln>
+        </p:spPr>
+      </p:pic>
+      <p:pic>
+        <p:nvPicPr>
+          <p:cNvPr id="143" name="Screen Shot 2015-12-10 at 6.45.27 PM.png"/>
           <p:cNvPicPr>
             <a:picLocks noChangeAspect="1"/>
           </p:cNvPicPr>
@@ -9670,8 +9699,8 @@
         </p:blipFill>
         <p:spPr>
           <a:xfrm>
-            <a:off x="6361157" y="6224878"/>
-            <a:ext cx="3645504" cy="3218554"/>
+            <a:off x="3019104" y="3843205"/>
+            <a:ext cx="6966592" cy="2067190"/>
           </a:xfrm>
           <a:prstGeom prst="rect">
             <a:avLst/>
@@ -9707,221 +9736,6 @@
           <a:chExt cx="0" cy="0"/>
         </a:xfrm>
       </p:grpSpPr>
-      <p:sp>
-        <p:nvSpPr>
-          <p:cNvPr id="144" name="Shape 144"/>
-          <p:cNvSpPr/>
-          <p:nvPr/>
-        </p:nvSpPr>
-        <p:spPr>
-          <a:xfrm>
-            <a:off x="732782" y="665306"/>
-            <a:ext cx="11099801" cy="8422987"/>
-          </a:xfrm>
-          <a:prstGeom prst="rect">
-            <a:avLst/>
-          </a:prstGeom>
-          <a:ln w="12700">
-            <a:miter lim="400000"/>
-          </a:ln>
-          <a:extLst>
-            <a:ext uri="{C572A759-6A51-4108-AA02-DFA0A04FC94B}">
-              <ma14:wrappingTextBoxFlag xmlns:ma14="http://schemas.microsoft.com/office/mac/drawingml/2011/main" val="1"/>
-            </a:ext>
-          </a:extLst>
-        </p:spPr>
-        <p:txBody>
-          <a:bodyPr lIns="50800" tIns="50800" rIns="50800" bIns="50800" anchor="ctr">
-            <a:normAutofit fontScale="100000" lnSpcReduction="0"/>
-          </a:bodyPr>
-          <a:lstStyle/>
-          <a:p>
-            <a:pPr algn="l" defTabSz="457200">
-              <a:lnSpc>
-                <a:spcPts val="4400"/>
-              </a:lnSpc>
-              <a:spcBef>
-                <a:spcPts val="1200"/>
-              </a:spcBef>
-              <a:defRPr sz="2200"/>
-            </a:pPr>
-            <a:r>
-              <a:t>Para encontrar las raíces del sistema buscamos los autovalores:</a:t>
-            </a:r>
-          </a:p>
-          <a:p>
-            <a:pPr algn="l" defTabSz="457200">
-              <a:lnSpc>
-                <a:spcPts val="4400"/>
-              </a:lnSpc>
-              <a:spcBef>
-                <a:spcPts val="1200"/>
-              </a:spcBef>
-              <a:defRPr sz="2200"/>
-            </a:pPr>
-          </a:p>
-          <a:p>
-            <a:pPr algn="l" defTabSz="457200">
-              <a:lnSpc>
-                <a:spcPts val="4400"/>
-              </a:lnSpc>
-              <a:spcBef>
-                <a:spcPts val="1200"/>
-              </a:spcBef>
-              <a:defRPr sz="2200"/>
-            </a:pPr>
-          </a:p>
-          <a:p>
-            <a:pPr algn="l" defTabSz="457200">
-              <a:lnSpc>
-                <a:spcPts val="4400"/>
-              </a:lnSpc>
-              <a:spcBef>
-                <a:spcPts val="1200"/>
-              </a:spcBef>
-              <a:defRPr sz="2200"/>
-            </a:pPr>
-          </a:p>
-          <a:p>
-            <a:pPr algn="l" defTabSz="457200">
-              <a:lnSpc>
-                <a:spcPts val="4400"/>
-              </a:lnSpc>
-              <a:spcBef>
-                <a:spcPts val="1200"/>
-              </a:spcBef>
-              <a:defRPr sz="2200"/>
-            </a:pPr>
-          </a:p>
-          <a:p>
-            <a:pPr algn="l" defTabSz="457200">
-              <a:lnSpc>
-                <a:spcPts val="4400"/>
-              </a:lnSpc>
-              <a:spcBef>
-                <a:spcPts val="1200"/>
-              </a:spcBef>
-              <a:defRPr sz="2200"/>
-            </a:pPr>
-          </a:p>
-          <a:p>
-            <a:pPr algn="l" defTabSz="457200">
-              <a:lnSpc>
-                <a:spcPts val="4400"/>
-              </a:lnSpc>
-              <a:spcBef>
-                <a:spcPts val="1200"/>
-              </a:spcBef>
-              <a:defRPr sz="2200"/>
-            </a:pPr>
-            <a:r>
-              <a:t>Donde:</a:t>
-            </a:r>
-          </a:p>
-          <a:p>
-            <a:pPr algn="l" defTabSz="457200">
-              <a:lnSpc>
-                <a:spcPts val="4400"/>
-              </a:lnSpc>
-              <a:spcBef>
-                <a:spcPts val="1200"/>
-              </a:spcBef>
-              <a:defRPr sz="2200"/>
-            </a:pPr>
-          </a:p>
-          <a:p>
-            <a:pPr algn="l" defTabSz="457200">
-              <a:lnSpc>
-                <a:spcPts val="4400"/>
-              </a:lnSpc>
-              <a:spcBef>
-                <a:spcPts val="1200"/>
-              </a:spcBef>
-              <a:defRPr sz="2200"/>
-            </a:pPr>
-          </a:p>
-          <a:p>
-            <a:pPr lvl="8" algn="l" defTabSz="457200">
-              <a:lnSpc>
-                <a:spcPts val="4400"/>
-              </a:lnSpc>
-              <a:spcBef>
-                <a:spcPts val="1200"/>
-              </a:spcBef>
-              <a:defRPr sz="2200"/>
-            </a:pPr>
-          </a:p>
-          <a:p>
-            <a:pPr lvl="8" algn="l" defTabSz="457200">
-              <a:lnSpc>
-                <a:spcPts val="4400"/>
-              </a:lnSpc>
-              <a:spcBef>
-                <a:spcPts val="1200"/>
-              </a:spcBef>
-              <a:defRPr sz="2200"/>
-            </a:pPr>
-          </a:p>
-          <a:p>
-            <a:pPr lvl="8" algn="l" defTabSz="457200">
-              <a:lnSpc>
-                <a:spcPts val="4400"/>
-              </a:lnSpc>
-              <a:spcBef>
-                <a:spcPts val="1200"/>
-              </a:spcBef>
-              <a:defRPr sz="2200"/>
-            </a:pPr>
-          </a:p>
-          <a:p>
-            <a:pPr lvl="8" algn="l" defTabSz="457200">
-              <a:lnSpc>
-                <a:spcPts val="4400"/>
-              </a:lnSpc>
-              <a:spcBef>
-                <a:spcPts val="1200"/>
-              </a:spcBef>
-              <a:defRPr sz="2200"/>
-            </a:pPr>
-          </a:p>
-          <a:p>
-            <a:pPr lvl="7" algn="l" defTabSz="457200">
-              <a:lnSpc>
-                <a:spcPts val="4400"/>
-              </a:lnSpc>
-              <a:spcBef>
-                <a:spcPts val="1200"/>
-              </a:spcBef>
-              <a:defRPr sz="2200"/>
-            </a:pPr>
-          </a:p>
-          <a:p>
-            <a:pPr lvl="7" algn="l" defTabSz="457200">
-              <a:lnSpc>
-                <a:spcPts val="4400"/>
-              </a:lnSpc>
-              <a:spcBef>
-                <a:spcPts val="1200"/>
-              </a:spcBef>
-              <a:defRPr sz="2200"/>
-            </a:pPr>
-          </a:p>
-          <a:p>
-            <a:pPr algn="l" defTabSz="457200">
-              <a:lnSpc>
-                <a:spcPts val="4400"/>
-              </a:lnSpc>
-              <a:spcBef>
-                <a:spcPts val="1200"/>
-              </a:spcBef>
-              <a:defRPr sz="2200"/>
-            </a:pPr>
-            <a:r>
-              <a:t>Vemos que el punto de equilibrio es un punto de silla con una raíz inestable.</a:t>
-            </a:r>
-          </a:p>
-        </p:txBody>
-      </p:sp>
       <p:pic>
         <p:nvPicPr>
           <p:cNvPr id="145" name="Screen Shot 2015-12-09 at 10.55.06 AM.png"/>
@@ -9940,8 +9754,8 @@
         </p:blipFill>
         <p:spPr>
           <a:xfrm>
-            <a:off x="2881453" y="1617521"/>
-            <a:ext cx="6802460" cy="1984051"/>
+            <a:off x="2302984" y="1278854"/>
+            <a:ext cx="8398832" cy="2449660"/>
           </a:xfrm>
           <a:prstGeom prst="rect">
             <a:avLst/>
@@ -9953,7 +9767,7 @@
       </p:pic>
       <p:pic>
         <p:nvPicPr>
-          <p:cNvPr id="146" name="Screen Shot 2015-12-09 at 10.55.36 AM.png"/>
+          <p:cNvPr id="146" name="Screen Shot 2015-12-10 at 12.15.29 PM.png"/>
           <p:cNvPicPr>
             <a:picLocks noChangeAspect="1"/>
           </p:cNvPicPr>
@@ -9969,8 +9783,8 @@
         </p:blipFill>
         <p:spPr>
           <a:xfrm>
-            <a:off x="2813304" y="4330446"/>
-            <a:ext cx="5777466" cy="2967877"/>
+            <a:off x="3238500" y="4887118"/>
+            <a:ext cx="6527801" cy="3352801"/>
           </a:xfrm>
           <a:prstGeom prst="rect">
             <a:avLst/>
@@ -9980,6 +9794,177 @@
           </a:ln>
         </p:spPr>
       </p:pic>
+      <p:sp>
+        <p:nvSpPr>
+          <p:cNvPr id="147" name="Shape 147"/>
+          <p:cNvSpPr/>
+          <p:nvPr/>
+        </p:nvSpPr>
+        <p:spPr>
+          <a:xfrm>
+            <a:off x="1256986" y="658749"/>
+            <a:ext cx="9648826" cy="8436102"/>
+          </a:xfrm>
+          <a:prstGeom prst="rect">
+            <a:avLst/>
+          </a:prstGeom>
+          <a:ln w="12700">
+            <a:miter lim="400000"/>
+          </a:ln>
+          <a:extLst>
+            <a:ext uri="{C572A759-6A51-4108-AA02-DFA0A04FC94B}">
+              <ma14:wrappingTextBoxFlag xmlns:ma14="http://schemas.microsoft.com/office/mac/drawingml/2011/main" val="1"/>
+            </a:ext>
+          </a:extLst>
+        </p:spPr>
+        <p:txBody>
+          <a:bodyPr wrap="none" lIns="50800" tIns="50800" rIns="50800" bIns="50800" anchor="ctr">
+            <a:spAutoFit/>
+          </a:bodyPr>
+          <a:lstStyle/>
+          <a:p>
+            <a:pPr algn="l" defTabSz="457200">
+              <a:lnSpc>
+                <a:spcPts val="4400"/>
+              </a:lnSpc>
+              <a:spcBef>
+                <a:spcPts val="1200"/>
+              </a:spcBef>
+              <a:defRPr sz="2200"/>
+            </a:pPr>
+            <a:r>
+              <a:t>Para encontrar las raíces del sistema buscamos los autovalores:</a:t>
+            </a:r>
+          </a:p>
+          <a:p>
+            <a:pPr algn="l" defTabSz="457200">
+              <a:lnSpc>
+                <a:spcPts val="4400"/>
+              </a:lnSpc>
+              <a:spcBef>
+                <a:spcPts val="1200"/>
+              </a:spcBef>
+              <a:defRPr sz="2200"/>
+            </a:pPr>
+          </a:p>
+          <a:p>
+            <a:pPr algn="l" defTabSz="457200">
+              <a:lnSpc>
+                <a:spcPts val="4400"/>
+              </a:lnSpc>
+              <a:spcBef>
+                <a:spcPts val="1200"/>
+              </a:spcBef>
+              <a:defRPr sz="2200"/>
+            </a:pPr>
+          </a:p>
+          <a:p>
+            <a:pPr algn="l" defTabSz="457200">
+              <a:lnSpc>
+                <a:spcPts val="4400"/>
+              </a:lnSpc>
+              <a:spcBef>
+                <a:spcPts val="1200"/>
+              </a:spcBef>
+              <a:defRPr sz="2200"/>
+            </a:pPr>
+          </a:p>
+          <a:p>
+            <a:pPr algn="l" defTabSz="457200">
+              <a:lnSpc>
+                <a:spcPts val="4400"/>
+              </a:lnSpc>
+              <a:spcBef>
+                <a:spcPts val="1200"/>
+              </a:spcBef>
+              <a:defRPr sz="2200"/>
+            </a:pPr>
+          </a:p>
+          <a:p>
+            <a:pPr algn="l" defTabSz="457200">
+              <a:lnSpc>
+                <a:spcPts val="4400"/>
+              </a:lnSpc>
+              <a:spcBef>
+                <a:spcPts val="1200"/>
+              </a:spcBef>
+              <a:defRPr sz="2200"/>
+            </a:pPr>
+            <a:r>
+              <a:t>Donde:</a:t>
+            </a:r>
+          </a:p>
+          <a:p>
+            <a:pPr lvl="7" algn="l" defTabSz="457200">
+              <a:lnSpc>
+                <a:spcPts val="4400"/>
+              </a:lnSpc>
+              <a:spcBef>
+                <a:spcPts val="1200"/>
+              </a:spcBef>
+              <a:defRPr sz="2200"/>
+            </a:pPr>
+          </a:p>
+          <a:p>
+            <a:pPr lvl="7" algn="l" defTabSz="457200">
+              <a:lnSpc>
+                <a:spcPts val="4400"/>
+              </a:lnSpc>
+              <a:spcBef>
+                <a:spcPts val="1200"/>
+              </a:spcBef>
+              <a:defRPr sz="2200"/>
+            </a:pPr>
+          </a:p>
+          <a:p>
+            <a:pPr lvl="7" algn="l" defTabSz="457200">
+              <a:lnSpc>
+                <a:spcPts val="4400"/>
+              </a:lnSpc>
+              <a:spcBef>
+                <a:spcPts val="1200"/>
+              </a:spcBef>
+              <a:defRPr sz="2200"/>
+            </a:pPr>
+          </a:p>
+          <a:p>
+            <a:pPr algn="l" defTabSz="457200">
+              <a:lnSpc>
+                <a:spcPts val="4400"/>
+              </a:lnSpc>
+              <a:spcBef>
+                <a:spcPts val="1200"/>
+              </a:spcBef>
+              <a:defRPr sz="2200"/>
+            </a:pPr>
+          </a:p>
+          <a:p>
+            <a:pPr algn="l" defTabSz="457200">
+              <a:lnSpc>
+                <a:spcPts val="4400"/>
+              </a:lnSpc>
+              <a:spcBef>
+                <a:spcPts val="1200"/>
+              </a:spcBef>
+              <a:defRPr sz="2200"/>
+            </a:pPr>
+          </a:p>
+          <a:p>
+            <a:pPr algn="l" defTabSz="457200">
+              <a:lnSpc>
+                <a:spcPts val="4400"/>
+              </a:lnSpc>
+              <a:spcBef>
+                <a:spcPts val="1200"/>
+              </a:spcBef>
+              <a:defRPr sz="2200"/>
+            </a:pPr>
+            <a:r>
+              <a:t>Vemos que el punto de equilibrio es un punto de silla con una raíz inestable.</a:t>
+            </a:r>
+          </a:p>
+        </p:txBody>
+      </p:sp>
     </p:spTree>
   </p:cSld>
   <p:clrMapOvr>
@@ -10008,7 +9993,7 @@
       </p:grpSpPr>
       <p:sp>
         <p:nvSpPr>
-          <p:cNvPr id="148" name="Shape 148"/>
+          <p:cNvPr id="149" name="Shape 149"/>
           <p:cNvSpPr/>
           <p:nvPr/>
         </p:nvSpPr>
@@ -10156,7 +10141,7 @@
       </p:sp>
       <p:pic>
         <p:nvPicPr>
-          <p:cNvPr id="149" name="Screen Shot 2015-12-09 at 11.45.46 AM.png"/>
+          <p:cNvPr id="150" name="Screen Shot 2015-12-09 at 11.45.46 AM.png"/>
           <p:cNvPicPr>
             <a:picLocks noChangeAspect="1"/>
           </p:cNvPicPr>
@@ -10185,7 +10170,7 @@
       </p:pic>
       <p:pic>
         <p:nvPicPr>
-          <p:cNvPr id="150" name="Screen Shot 2015-12-09 at 11.45.39 AM.png"/>
+          <p:cNvPr id="151" name="Screen Shot 2015-12-09 at 11.45.39 AM.png"/>
           <p:cNvPicPr>
             <a:picLocks noChangeAspect="1"/>
           </p:cNvPicPr>
